--- a/기획 문서/DuckyDoggy_중간발표.pptx
+++ b/기획 문서/DuckyDoggy_중간발표.pptx
@@ -212,7 +212,7 @@
           <a:p>
             <a:fld id="{ED55F75E-F8D0-406E-84C8-446C7444F352}" type="datetimeFigureOut">
               <a:rPr lang="ko-KR" altLang="en-US" smtClean="0"/>
-              <a:t>2019-05-07</a:t>
+              <a:t>2019-05-08</a:t>
             </a:fld>
             <a:endParaRPr lang="ko-KR" altLang="en-US"/>
           </a:p>
@@ -610,7 +610,7 @@
           <a:p>
             <a:fld id="{23B12D8D-89EB-40AB-875E-012729E1223C}" type="datetime1">
               <a:rPr lang="ko-KR" altLang="en-US" smtClean="0"/>
-              <a:t>2019-05-07</a:t>
+              <a:t>2019-05-08</a:t>
             </a:fld>
             <a:endParaRPr lang="ko-KR" altLang="en-US"/>
           </a:p>
@@ -780,7 +780,7 @@
           <a:p>
             <a:fld id="{D04B5FAC-508D-4FBA-A38D-EA76BAACEB3A}" type="datetime1">
               <a:rPr lang="ko-KR" altLang="en-US" smtClean="0"/>
-              <a:t>2019-05-07</a:t>
+              <a:t>2019-05-08</a:t>
             </a:fld>
             <a:endParaRPr lang="ko-KR" altLang="en-US"/>
           </a:p>
@@ -960,7 +960,7 @@
           <a:p>
             <a:fld id="{207520A6-0DB3-4434-AFC7-E438E61513F1}" type="datetime1">
               <a:rPr lang="ko-KR" altLang="en-US" smtClean="0"/>
-              <a:t>2019-05-07</a:t>
+              <a:t>2019-05-08</a:t>
             </a:fld>
             <a:endParaRPr lang="ko-KR" altLang="en-US"/>
           </a:p>
@@ -1130,7 +1130,7 @@
           <a:p>
             <a:fld id="{81A2C9EF-9CED-4EE9-9E9F-BA23C0BD25CE}" type="datetime1">
               <a:rPr lang="ko-KR" altLang="en-US" smtClean="0"/>
-              <a:t>2019-05-07</a:t>
+              <a:t>2019-05-08</a:t>
             </a:fld>
             <a:endParaRPr lang="ko-KR" altLang="en-US"/>
           </a:p>
@@ -1374,7 +1374,7 @@
           <a:p>
             <a:fld id="{16AC0DBE-0E4C-4088-B655-9EB33DFF1949}" type="datetime1">
               <a:rPr lang="ko-KR" altLang="en-US" smtClean="0"/>
-              <a:t>2019-05-07</a:t>
+              <a:t>2019-05-08</a:t>
             </a:fld>
             <a:endParaRPr lang="ko-KR" altLang="en-US"/>
           </a:p>
@@ -1606,7 +1606,7 @@
           <a:p>
             <a:fld id="{59C83B6C-38CB-4502-A547-819C438CC46A}" type="datetime1">
               <a:rPr lang="ko-KR" altLang="en-US" smtClean="0"/>
-              <a:t>2019-05-07</a:t>
+              <a:t>2019-05-08</a:t>
             </a:fld>
             <a:endParaRPr lang="ko-KR" altLang="en-US"/>
           </a:p>
@@ -1973,7 +1973,7 @@
           <a:p>
             <a:fld id="{0E34254A-E657-469B-AA47-54C4C046F9E0}" type="datetime1">
               <a:rPr lang="ko-KR" altLang="en-US" smtClean="0"/>
-              <a:t>2019-05-07</a:t>
+              <a:t>2019-05-08</a:t>
             </a:fld>
             <a:endParaRPr lang="ko-KR" altLang="en-US"/>
           </a:p>
@@ -2091,7 +2091,7 @@
           <a:p>
             <a:fld id="{E3032C05-F2DD-4A49-9EF2-3C461DBD60F0}" type="datetime1">
               <a:rPr lang="ko-KR" altLang="en-US" smtClean="0"/>
-              <a:t>2019-05-07</a:t>
+              <a:t>2019-05-08</a:t>
             </a:fld>
             <a:endParaRPr lang="ko-KR" altLang="en-US"/>
           </a:p>
@@ -2186,7 +2186,7 @@
           <a:p>
             <a:fld id="{90244B4F-E309-442A-B8F0-38C611EAF872}" type="datetime1">
               <a:rPr lang="ko-KR" altLang="en-US" smtClean="0"/>
-              <a:t>2019-05-07</a:t>
+              <a:t>2019-05-08</a:t>
             </a:fld>
             <a:endParaRPr lang="ko-KR" altLang="en-US"/>
           </a:p>
@@ -2463,7 +2463,7 @@
           <a:p>
             <a:fld id="{E642EE4B-25D7-4CB0-AF86-1F5A22A52D9E}" type="datetime1">
               <a:rPr lang="ko-KR" altLang="en-US" smtClean="0"/>
-              <a:t>2019-05-07</a:t>
+              <a:t>2019-05-08</a:t>
             </a:fld>
             <a:endParaRPr lang="ko-KR" altLang="en-US"/>
           </a:p>
@@ -2720,7 +2720,7 @@
           <a:p>
             <a:fld id="{B50A0B69-9DB8-4E21-AD34-B2F92F5BE7B3}" type="datetime1">
               <a:rPr lang="ko-KR" altLang="en-US" smtClean="0"/>
-              <a:t>2019-05-07</a:t>
+              <a:t>2019-05-08</a:t>
             </a:fld>
             <a:endParaRPr lang="ko-KR" altLang="en-US"/>
           </a:p>
@@ -2933,7 +2933,7 @@
           <a:p>
             <a:fld id="{1D7571D4-BF02-4706-BD62-AB56B52EE122}" type="datetime1">
               <a:rPr lang="ko-KR" altLang="en-US" smtClean="0"/>
-              <a:t>2019-05-07</a:t>
+              <a:t>2019-05-08</a:t>
             </a:fld>
             <a:endParaRPr lang="ko-KR" altLang="en-US"/>
           </a:p>
@@ -24934,7 +24934,7 @@
           <p:nvPr>
             <p:extLst>
               <p:ext uri="{D42A27DB-BD31-4B8C-83A1-F6EECF244321}">
-                <p14:modId xmlns:p14="http://schemas.microsoft.com/office/powerpoint/2010/main" val="2914223198"/>
+                <p14:modId xmlns:p14="http://schemas.microsoft.com/office/powerpoint/2010/main" val="3586997831"/>
               </p:ext>
             </p:extLst>
           </p:nvPr>
@@ -25099,7 +25099,7 @@
                     <a:bodyPr/>
                     <a:lstStyle/>
                     <a:p>
-                      <a:pPr marL="0" marR="0" indent="0" algn="just" fontAlgn="base" latinLnBrk="1">
+                      <a:pPr marL="228600" marR="0" indent="-228600" algn="just" fontAlgn="base" latinLnBrk="1">
                         <a:lnSpc>
                           <a:spcPct val="150000"/>
                         </a:lnSpc>
@@ -25109,24 +25109,100 @@
                         <a:spcAft>
                           <a:spcPts val="0"/>
                         </a:spcAft>
+                        <a:buAutoNum type="arabicPeriod"/>
                       </a:pPr>
                       <a:r>
-                        <a:rPr lang="en-US" altLang="ko-KR" sz="1100" kern="0" spc="0" dirty="0">
+                        <a:rPr lang="ko-KR" altLang="en-US" sz="1400" kern="0" spc="0" dirty="0">
                           <a:solidFill>
                             <a:srgbClr val="000000"/>
                           </a:solidFill>
                           <a:effectLst/>
                           <a:latin typeface="한양신명조"/>
                         </a:rPr>
-                        <a:t>`</a:t>
+                        <a:t>그림자 적용</a:t>
                       </a:r>
-                      <a:endParaRPr lang="ko-KR" altLang="en-US" sz="1100" kern="0" spc="0" dirty="0">
+                      <a:endParaRPr lang="en-US" altLang="ko-KR" sz="1400" kern="0" spc="0" dirty="0">
                         <a:solidFill>
                           <a:srgbClr val="000000"/>
                         </a:solidFill>
                         <a:effectLst/>
                         <a:latin typeface="한양신명조"/>
                       </a:endParaRPr>
+                    </a:p>
+                    <a:p>
+                      <a:pPr marL="228600" marR="0" indent="-228600" algn="just" fontAlgn="base" latinLnBrk="1">
+                        <a:lnSpc>
+                          <a:spcPct val="150000"/>
+                        </a:lnSpc>
+                        <a:spcBef>
+                          <a:spcPts val="0"/>
+                        </a:spcBef>
+                        <a:spcAft>
+                          <a:spcPts val="0"/>
+                        </a:spcAft>
+                        <a:buAutoNum type="arabicPeriod"/>
+                      </a:pPr>
+                      <a:r>
+                        <a:rPr lang="ko-KR" altLang="en-US" sz="1400" kern="0" spc="0" dirty="0">
+                          <a:solidFill>
+                            <a:srgbClr val="000000"/>
+                          </a:solidFill>
+                          <a:effectLst/>
+                          <a:latin typeface="한양신명조"/>
+                        </a:rPr>
+                        <a:t>물의 흐름 표현</a:t>
+                      </a:r>
+                      <a:r>
+                        <a:rPr lang="en-US" altLang="ko-KR" sz="1400" kern="0" spc="0" dirty="0">
+                          <a:solidFill>
+                            <a:srgbClr val="000000"/>
+                          </a:solidFill>
+                          <a:effectLst/>
+                          <a:latin typeface="한양신명조"/>
+                        </a:rPr>
+                        <a:t>, </a:t>
+                      </a:r>
+                      <a:r>
+                        <a:rPr lang="ko-KR" altLang="en-US" sz="1400" kern="0" spc="0" dirty="0">
+                          <a:solidFill>
+                            <a:srgbClr val="000000"/>
+                          </a:solidFill>
+                          <a:effectLst/>
+                          <a:latin typeface="한양신명조"/>
+                        </a:rPr>
+                        <a:t>주변환경 반사</a:t>
+                      </a:r>
+                      <a:endParaRPr lang="en-US" altLang="ko-KR" sz="1400" kern="0" spc="0" dirty="0">
+                        <a:solidFill>
+                          <a:srgbClr val="000000"/>
+                        </a:solidFill>
+                        <a:effectLst/>
+                        <a:latin typeface="한양신명조"/>
+                      </a:endParaRPr>
+                    </a:p>
+                    <a:p>
+                      <a:pPr marL="228600" marR="0" indent="-228600" algn="just" fontAlgn="base" latinLnBrk="1">
+                        <a:lnSpc>
+                          <a:spcPct val="150000"/>
+                        </a:lnSpc>
+                        <a:spcBef>
+                          <a:spcPts val="0"/>
+                        </a:spcBef>
+                        <a:spcAft>
+                          <a:spcPts val="0"/>
+                        </a:spcAft>
+                        <a:buAutoNum type="arabicPeriod"/>
+                      </a:pPr>
+                      <a:r>
+                        <a:rPr lang="ko-KR" altLang="en-US" sz="1400" kern="0" spc="0" dirty="0">
+                          <a:solidFill>
+                            <a:srgbClr val="000000"/>
+                          </a:solidFill>
+                          <a:effectLst/>
+                          <a:latin typeface="한양신명조"/>
+                        </a:rPr>
+                        <a:t>전투 컨텐츠 추가</a:t>
+                      </a:r>
                     </a:p>
                   </a:txBody>
                   <a:tcPr marL="17907" marR="17907" marT="17907" marB="17907" anchor="ctr">
@@ -29170,6 +29246,244 @@
           </a:p>
         </p:txBody>
       </p:sp>
+      <p:sp>
+        <p:nvSpPr>
+          <p:cNvPr id="3" name="직사각형 2">
+            <a:extLst>
+              <a:ext uri="{FF2B5EF4-FFF2-40B4-BE49-F238E27FC236}">
+                <a16:creationId xmlns:a16="http://schemas.microsoft.com/office/drawing/2014/main" id="{D7F10E1D-3D18-4517-B64B-16945C16D9C8}"/>
+              </a:ext>
+            </a:extLst>
+          </p:cNvPr>
+          <p:cNvSpPr/>
+          <p:nvPr/>
+        </p:nvSpPr>
+        <p:spPr>
+          <a:xfrm>
+            <a:off x="332317" y="2592818"/>
+            <a:ext cx="4716035" cy="3539430"/>
+          </a:xfrm>
+          <a:prstGeom prst="rect">
+            <a:avLst/>
+          </a:prstGeom>
+          <a:noFill/>
+        </p:spPr>
+        <p:txBody>
+          <a:bodyPr wrap="none" lIns="91440" tIns="45720" rIns="91440" bIns="45720">
+            <a:spAutoFit/>
+          </a:bodyPr>
+          <a:lstStyle/>
+          <a:p>
+            <a:pPr marL="914400" indent="-914400">
+              <a:buAutoNum type="arabicPeriod"/>
+            </a:pPr>
+            <a:r>
+              <a:rPr lang="en-US" altLang="ko-KR" sz="3200" dirty="0">
+                <a:ln w="0"/>
+                <a:effectLst>
+                  <a:outerShdw blurRad="38100" dist="19050" dir="2700000" algn="tl" rotWithShape="0">
+                    <a:schemeClr val="dk1">
+                      <a:alpha val="40000"/>
+                    </a:schemeClr>
+                  </a:outerShdw>
+                </a:effectLst>
+              </a:rPr>
+              <a:t>DirectX12 Framework</a:t>
+            </a:r>
+          </a:p>
+          <a:p>
+            <a:pPr marL="914400" indent="-914400">
+              <a:buAutoNum type="arabicPeriod"/>
+            </a:pPr>
+            <a:r>
+              <a:rPr lang="ko-KR" altLang="en-US" sz="3200" dirty="0">
+                <a:ln w="0"/>
+                <a:effectLst>
+                  <a:outerShdw blurRad="38100" dist="19050" dir="2700000" algn="tl" rotWithShape="0">
+                    <a:schemeClr val="dk1">
+                      <a:alpha val="40000"/>
+                    </a:schemeClr>
+                  </a:outerShdw>
+                </a:effectLst>
+              </a:rPr>
+              <a:t>기본조작</a:t>
+            </a:r>
+            <a:endParaRPr lang="en-US" altLang="ko-KR" sz="3200" dirty="0">
+              <a:ln w="0"/>
+              <a:effectLst>
+                <a:outerShdw blurRad="38100" dist="19050" dir="2700000" algn="tl" rotWithShape="0">
+                  <a:schemeClr val="dk1">
+                    <a:alpha val="40000"/>
+                  </a:schemeClr>
+                </a:outerShdw>
+              </a:effectLst>
+            </a:endParaRPr>
+          </a:p>
+          <a:p>
+            <a:pPr marL="914400" indent="-914400">
+              <a:buAutoNum type="arabicPeriod"/>
+            </a:pPr>
+            <a:r>
+              <a:rPr lang="ko-KR" altLang="en-US" sz="3200" dirty="0">
+                <a:ln w="0"/>
+                <a:effectLst>
+                  <a:outerShdw blurRad="38100" dist="19050" dir="2700000" algn="tl" rotWithShape="0">
+                    <a:schemeClr val="dk1">
+                      <a:alpha val="40000"/>
+                    </a:schemeClr>
+                  </a:outerShdw>
+                </a:effectLst>
+              </a:rPr>
+              <a:t>맵 배치</a:t>
+            </a:r>
+            <a:endParaRPr lang="en-US" altLang="ko-KR" sz="3200" dirty="0">
+              <a:ln w="0"/>
+              <a:effectLst>
+                <a:outerShdw blurRad="38100" dist="19050" dir="2700000" algn="tl" rotWithShape="0">
+                  <a:schemeClr val="dk1">
+                    <a:alpha val="40000"/>
+                  </a:schemeClr>
+                </a:outerShdw>
+              </a:effectLst>
+            </a:endParaRPr>
+          </a:p>
+          <a:p>
+            <a:pPr marL="914400" indent="-914400">
+              <a:buAutoNum type="arabicPeriod"/>
+            </a:pPr>
+            <a:r>
+              <a:rPr lang="ko-KR" altLang="en-US" sz="3200" dirty="0">
+                <a:ln w="0"/>
+                <a:effectLst>
+                  <a:outerShdw blurRad="38100" dist="19050" dir="2700000" algn="tl" rotWithShape="0">
+                    <a:schemeClr val="dk1">
+                      <a:alpha val="40000"/>
+                    </a:schemeClr>
+                  </a:outerShdw>
+                </a:effectLst>
+              </a:rPr>
+              <a:t>조명</a:t>
+            </a:r>
+            <a:endParaRPr lang="en-US" altLang="ko-KR" sz="3200" dirty="0">
+              <a:ln w="0"/>
+              <a:effectLst>
+                <a:outerShdw blurRad="38100" dist="19050" dir="2700000" algn="tl" rotWithShape="0">
+                  <a:schemeClr val="dk1">
+                    <a:alpha val="40000"/>
+                  </a:schemeClr>
+                </a:outerShdw>
+              </a:effectLst>
+            </a:endParaRPr>
+          </a:p>
+          <a:p>
+            <a:pPr marL="914400" indent="-914400">
+              <a:buAutoNum type="arabicPeriod"/>
+            </a:pPr>
+            <a:r>
+              <a:rPr lang="ko-KR" altLang="en-US" sz="3200" dirty="0">
+                <a:ln w="0"/>
+                <a:effectLst>
+                  <a:outerShdw blurRad="38100" dist="19050" dir="2700000" algn="tl" rotWithShape="0">
+                    <a:schemeClr val="dk1">
+                      <a:alpha val="40000"/>
+                    </a:schemeClr>
+                  </a:outerShdw>
+                </a:effectLst>
+              </a:rPr>
+              <a:t>애니메이션 적용</a:t>
+            </a:r>
+            <a:endParaRPr lang="en-US" altLang="ko-KR" sz="3200" dirty="0">
+              <a:ln w="0"/>
+              <a:effectLst>
+                <a:outerShdw blurRad="38100" dist="19050" dir="2700000" algn="tl" rotWithShape="0">
+                  <a:schemeClr val="dk1">
+                    <a:alpha val="40000"/>
+                  </a:schemeClr>
+                </a:outerShdw>
+              </a:effectLst>
+            </a:endParaRPr>
+          </a:p>
+          <a:p>
+            <a:pPr marL="914400" indent="-914400">
+              <a:buAutoNum type="arabicPeriod"/>
+            </a:pPr>
+            <a:r>
+              <a:rPr lang="ko-KR" altLang="en-US" sz="3200" dirty="0" err="1">
+                <a:ln w="0"/>
+                <a:effectLst>
+                  <a:outerShdw blurRad="38100" dist="19050" dir="2700000" algn="tl" rotWithShape="0">
+                    <a:schemeClr val="dk1">
+                      <a:alpha val="40000"/>
+                    </a:schemeClr>
+                  </a:outerShdw>
+                </a:effectLst>
+              </a:rPr>
+              <a:t>노말매핑</a:t>
+            </a:r>
+            <a:endParaRPr lang="en-US" altLang="ko-KR" sz="3200" dirty="0">
+              <a:ln w="0"/>
+              <a:effectLst>
+                <a:outerShdw blurRad="38100" dist="19050" dir="2700000" algn="tl" rotWithShape="0">
+                  <a:schemeClr val="dk1">
+                    <a:alpha val="40000"/>
+                  </a:schemeClr>
+                </a:outerShdw>
+              </a:effectLst>
+            </a:endParaRPr>
+          </a:p>
+          <a:p>
+            <a:pPr marL="914400" indent="-914400">
+              <a:buAutoNum type="arabicPeriod"/>
+            </a:pPr>
+            <a:endParaRPr lang="en-US" altLang="ko-KR" sz="3200" dirty="0">
+              <a:ln w="0"/>
+              <a:effectLst>
+                <a:outerShdw blurRad="38100" dist="19050" dir="2700000" algn="tl" rotWithShape="0">
+                  <a:schemeClr val="dk1">
+                    <a:alpha val="40000"/>
+                  </a:schemeClr>
+                </a:outerShdw>
+              </a:effectLst>
+            </a:endParaRPr>
+          </a:p>
+        </p:txBody>
+      </p:sp>
+      <p:pic>
+        <p:nvPicPr>
+          <p:cNvPr id="5" name="그림 4">
+            <a:extLst>
+              <a:ext uri="{FF2B5EF4-FFF2-40B4-BE49-F238E27FC236}">
+                <a16:creationId xmlns:a16="http://schemas.microsoft.com/office/drawing/2014/main" id="{65811553-D9C5-4C26-9D52-A2598B57402E}"/>
+              </a:ext>
+            </a:extLst>
+          </p:cNvPr>
+          <p:cNvPicPr>
+            <a:picLocks noChangeAspect="1"/>
+          </p:cNvPicPr>
+          <p:nvPr/>
+        </p:nvPicPr>
+        <p:blipFill>
+          <a:blip r:embed="rId2" cstate="print">
+            <a:extLst>
+              <a:ext uri="{28A0092B-C50C-407E-A947-70E740481C1C}">
+                <a14:useLocalDpi xmlns:a14="http://schemas.microsoft.com/office/drawing/2010/main" val="0"/>
+              </a:ext>
+            </a:extLst>
+          </a:blip>
+          <a:stretch>
+            <a:fillRect/>
+          </a:stretch>
+        </p:blipFill>
+        <p:spPr>
+          <a:xfrm>
+            <a:off x="5110308" y="1278466"/>
+            <a:ext cx="3872825" cy="2628705"/>
+          </a:xfrm>
+          <a:prstGeom prst="rect">
+            <a:avLst/>
+          </a:prstGeom>
+        </p:spPr>
+      </p:pic>
     </p:spTree>
     <p:extLst>
       <p:ext uri="{BB962C8B-B14F-4D97-AF65-F5344CB8AC3E}">
@@ -30582,7 +30896,7 @@
           <p:nvPr>
             <p:extLst>
               <p:ext uri="{D42A27DB-BD31-4B8C-83A1-F6EECF244321}">
-                <p14:modId xmlns:p14="http://schemas.microsoft.com/office/powerpoint/2010/main" val="3779469192"/>
+                <p14:modId xmlns:p14="http://schemas.microsoft.com/office/powerpoint/2010/main" val="3728629718"/>
               </p:ext>
             </p:extLst>
           </p:nvPr>
@@ -31008,13 +31322,66 @@
                           <a:spcPts val="0"/>
                         </a:spcAft>
                       </a:pPr>
-                      <a:endParaRPr lang="ko-KR" altLang="en-US" sz="1050" kern="0" spc="0" dirty="0">
+                      <a:r>
+                        <a:rPr lang="en-US" altLang="ko-KR" sz="1050" kern="0" spc="0" dirty="0">
+                          <a:solidFill>
+                            <a:srgbClr val="000000"/>
+                          </a:solidFill>
+                          <a:effectLst/>
+                          <a:latin typeface="한양신명조"/>
+                        </a:rPr>
+                        <a:t>1.</a:t>
+                      </a:r>
+                      <a:r>
+                        <a:rPr lang="ko-KR" altLang="en-US" sz="1050" kern="0" spc="0" dirty="0">
+                          <a:solidFill>
+                            <a:srgbClr val="000000"/>
+                          </a:solidFill>
+                          <a:effectLst/>
+                          <a:latin typeface="한양신명조"/>
+                        </a:rPr>
+                        <a:t> 물의 표현이 빈약함</a:t>
+                      </a:r>
+                      <a:endParaRPr lang="en-US" altLang="ko-KR" sz="1050" kern="0" spc="0" dirty="0">
                         <a:solidFill>
                           <a:srgbClr val="000000"/>
                         </a:solidFill>
                         <a:effectLst/>
                         <a:latin typeface="한양신명조"/>
                       </a:endParaRPr>
+                    </a:p>
+                    <a:p>
+                      <a:pPr marL="0" marR="0" indent="0" algn="just" fontAlgn="base" latinLnBrk="1">
+                        <a:lnSpc>
+                          <a:spcPct val="150000"/>
+                        </a:lnSpc>
+                        <a:spcBef>
+                          <a:spcPts val="0"/>
+                        </a:spcBef>
+                        <a:spcAft>
+                          <a:spcPts val="0"/>
+                        </a:spcAft>
+                      </a:pPr>
+                      <a:r>
+                        <a:rPr lang="en-US" altLang="ko-KR" sz="1050" kern="0" spc="0" dirty="0">
+                          <a:solidFill>
+                            <a:srgbClr val="000000"/>
+                          </a:solidFill>
+                          <a:effectLst/>
+                          <a:latin typeface="한양신명조"/>
+                        </a:rPr>
+                        <a:t>2. </a:t>
+                      </a:r>
+                      <a:r>
+                        <a:rPr lang="ko-KR" altLang="en-US" sz="1050" kern="0" spc="0" dirty="0">
+                          <a:solidFill>
+                            <a:srgbClr val="000000"/>
+                          </a:solidFill>
+                          <a:effectLst/>
+                          <a:latin typeface="한양신명조"/>
+                        </a:rPr>
+                        <a:t>어색한 충돌처리</a:t>
+                      </a:r>
                     </a:p>
                   </a:txBody>
                   <a:tcPr marL="17907" marR="17907" marT="17907" marB="17907" anchor="ctr">

--- a/기획 문서/DuckyDoggy_중간발표.pptx
+++ b/기획 문서/DuckyDoggy_중간발표.pptx
@@ -24934,7 +24934,7 @@
           <p:nvPr>
             <p:extLst>
               <p:ext uri="{D42A27DB-BD31-4B8C-83A1-F6EECF244321}">
-                <p14:modId xmlns:p14="http://schemas.microsoft.com/office/powerpoint/2010/main" val="3586997831"/>
+                <p14:modId xmlns:p14="http://schemas.microsoft.com/office/powerpoint/2010/main" val="1424718738"/>
               </p:ext>
             </p:extLst>
           </p:nvPr>
@@ -25392,7 +25392,7 @@
                     <a:bodyPr/>
                     <a:lstStyle/>
                     <a:p>
-                      <a:pPr marL="0" marR="0" indent="0" algn="just" fontAlgn="base" latinLnBrk="1">
+                      <a:pPr marL="228600" marR="0" indent="-228600" algn="just" fontAlgn="base" latinLnBrk="1">
                         <a:lnSpc>
                           <a:spcPct val="150000"/>
                         </a:lnSpc>
@@ -25402,6 +25402,151 @@
                         <a:spcAft>
                           <a:spcPts val="0"/>
                         </a:spcAft>
+                        <a:buAutoNum type="arabicPeriod"/>
+                      </a:pPr>
+                      <a:r>
+                        <a:rPr lang="ko-KR" altLang="en-US" sz="1100" kern="0" spc="0" dirty="0">
+                          <a:solidFill>
+                            <a:srgbClr val="000000"/>
+                          </a:solidFill>
+                          <a:effectLst/>
+                          <a:latin typeface="한양신명조"/>
+                        </a:rPr>
+                        <a:t>몬스터 </a:t>
+                      </a:r>
+                      <a:r>
+                        <a:rPr lang="en-US" altLang="ko-KR" sz="1100" kern="0" spc="0" dirty="0">
+                          <a:solidFill>
+                            <a:srgbClr val="000000"/>
+                          </a:solidFill>
+                          <a:effectLst/>
+                          <a:latin typeface="한양신명조"/>
+                        </a:rPr>
+                        <a:t>AI </a:t>
+                      </a:r>
+                      <a:r>
+                        <a:rPr lang="ko-KR" altLang="en-US" sz="1100" kern="0" spc="0" dirty="0">
+                          <a:solidFill>
+                            <a:srgbClr val="000000"/>
+                          </a:solidFill>
+                          <a:effectLst/>
+                          <a:latin typeface="한양신명조"/>
+                        </a:rPr>
+                        <a:t>구현</a:t>
+                      </a:r>
+                      <a:endParaRPr lang="en-US" altLang="ko-KR" sz="1100" kern="0" spc="0" dirty="0">
+                        <a:solidFill>
+                          <a:srgbClr val="000000"/>
+                        </a:solidFill>
+                        <a:effectLst/>
+                        <a:latin typeface="한양신명조"/>
+                      </a:endParaRPr>
+                    </a:p>
+                    <a:p>
+                      <a:pPr marL="228600" marR="0" indent="-228600" algn="just" fontAlgn="base" latinLnBrk="1">
+                        <a:lnSpc>
+                          <a:spcPct val="150000"/>
+                        </a:lnSpc>
+                        <a:spcBef>
+                          <a:spcPts val="0"/>
+                        </a:spcBef>
+                        <a:spcAft>
+                          <a:spcPts val="0"/>
+                        </a:spcAft>
+                        <a:buAutoNum type="arabicPeriod"/>
+                      </a:pPr>
+                      <a:r>
+                        <a:rPr lang="ko-KR" altLang="en-US" sz="1100" kern="0" spc="0" dirty="0">
+                          <a:solidFill>
+                            <a:srgbClr val="000000"/>
+                          </a:solidFill>
+                          <a:effectLst/>
+                          <a:latin typeface="한양신명조"/>
+                        </a:rPr>
+                        <a:t>동기화 구현</a:t>
+                      </a:r>
+                      <a:endParaRPr lang="en-US" altLang="ko-KR" sz="1100" kern="0" spc="0" dirty="0">
+                        <a:solidFill>
+                          <a:srgbClr val="000000"/>
+                        </a:solidFill>
+                        <a:effectLst/>
+                        <a:latin typeface="한양신명조"/>
+                      </a:endParaRPr>
+                    </a:p>
+                    <a:p>
+                      <a:pPr marL="228600" marR="0" indent="-228600" algn="just" fontAlgn="base" latinLnBrk="1">
+                        <a:lnSpc>
+                          <a:spcPct val="150000"/>
+                        </a:lnSpc>
+                        <a:spcBef>
+                          <a:spcPts val="0"/>
+                        </a:spcBef>
+                        <a:spcAft>
+                          <a:spcPts val="0"/>
+                        </a:spcAft>
+                        <a:buAutoNum type="arabicPeriod"/>
+                      </a:pPr>
+                      <a:r>
+                        <a:rPr lang="ko-KR" altLang="en-US" sz="1100" kern="0" spc="0" dirty="0">
+                          <a:solidFill>
+                            <a:srgbClr val="000000"/>
+                          </a:solidFill>
+                          <a:effectLst/>
+                          <a:latin typeface="한양신명조"/>
+                        </a:rPr>
+                        <a:t>서버에서 물리 처리가 되게끔 구현</a:t>
+                      </a:r>
+                      <a:endParaRPr lang="en-US" altLang="ko-KR" sz="1100" kern="0" spc="0" dirty="0">
+                        <a:solidFill>
+                          <a:srgbClr val="000000"/>
+                        </a:solidFill>
+                        <a:effectLst/>
+                        <a:latin typeface="한양신명조"/>
+                      </a:endParaRPr>
+                    </a:p>
+                    <a:p>
+                      <a:pPr marL="228600" marR="0" indent="-228600" algn="just" fontAlgn="base" latinLnBrk="1">
+                        <a:lnSpc>
+                          <a:spcPct val="150000"/>
+                        </a:lnSpc>
+                        <a:spcBef>
+                          <a:spcPts val="0"/>
+                        </a:spcBef>
+                        <a:spcAft>
+                          <a:spcPts val="0"/>
+                        </a:spcAft>
+                        <a:buAutoNum type="arabicPeriod"/>
+                      </a:pPr>
+                      <a:r>
+                        <a:rPr lang="ko-KR" altLang="en-US" sz="1100" kern="0" spc="0" dirty="0">
+                          <a:solidFill>
+                            <a:srgbClr val="000000"/>
+                          </a:solidFill>
+                          <a:effectLst/>
+                          <a:latin typeface="한양신명조"/>
+                        </a:rPr>
+                        <a:t>사운드</a:t>
+                      </a:r>
+                      <a:endParaRPr lang="en-US" altLang="ko-KR" sz="1100" kern="0" spc="0" dirty="0">
+                        <a:solidFill>
+                          <a:srgbClr val="000000"/>
+                        </a:solidFill>
+                        <a:effectLst/>
+                        <a:latin typeface="한양신명조"/>
+                      </a:endParaRPr>
+                    </a:p>
+                    <a:p>
+                      <a:pPr marL="228600" marR="0" indent="-228600" algn="just" fontAlgn="base" latinLnBrk="1">
+                        <a:lnSpc>
+                          <a:spcPct val="150000"/>
+                        </a:lnSpc>
+                        <a:spcBef>
+                          <a:spcPts val="0"/>
+                        </a:spcBef>
+                        <a:spcAft>
+                          <a:spcPts val="0"/>
+                        </a:spcAft>
+                        <a:buAutoNum type="arabicPeriod"/>
                       </a:pPr>
                       <a:endParaRPr lang="ko-KR" altLang="en-US" sz="1100" kern="0" spc="0" dirty="0">
                         <a:solidFill>
@@ -29967,6 +30112,173 @@
           </a:p>
         </p:txBody>
       </p:sp>
+      <p:sp>
+        <p:nvSpPr>
+          <p:cNvPr id="14" name="직사각형 13">
+            <a:extLst>
+              <a:ext uri="{FF2B5EF4-FFF2-40B4-BE49-F238E27FC236}">
+                <a16:creationId xmlns:a16="http://schemas.microsoft.com/office/drawing/2014/main" id="{9FE48754-87DD-4029-8662-A3BB181F5042}"/>
+              </a:ext>
+            </a:extLst>
+          </p:cNvPr>
+          <p:cNvSpPr/>
+          <p:nvPr/>
+        </p:nvSpPr>
+        <p:spPr>
+          <a:xfrm>
+            <a:off x="332317" y="2592818"/>
+            <a:ext cx="4820807" cy="2062103"/>
+          </a:xfrm>
+          <a:prstGeom prst="rect">
+            <a:avLst/>
+          </a:prstGeom>
+          <a:noFill/>
+        </p:spPr>
+        <p:txBody>
+          <a:bodyPr wrap="none" lIns="91440" tIns="45720" rIns="91440" bIns="45720">
+            <a:spAutoFit/>
+          </a:bodyPr>
+          <a:lstStyle/>
+          <a:p>
+            <a:pPr marL="914400" indent="-914400">
+              <a:buAutoNum type="arabicPeriod"/>
+            </a:pPr>
+            <a:r>
+              <a:rPr lang="ko-KR" altLang="en-US" sz="3200" dirty="0">
+                <a:ln w="0"/>
+                <a:effectLst>
+                  <a:outerShdw blurRad="38100" dist="19050" dir="2700000" algn="tl" rotWithShape="0">
+                    <a:schemeClr val="dk1">
+                      <a:alpha val="40000"/>
+                    </a:schemeClr>
+                  </a:outerShdw>
+                </a:effectLst>
+              </a:rPr>
+              <a:t>서버 </a:t>
+            </a:r>
+            <a:r>
+              <a:rPr lang="en-US" altLang="ko-KR" sz="3200" dirty="0">
+                <a:ln w="0"/>
+                <a:effectLst>
+                  <a:outerShdw blurRad="38100" dist="19050" dir="2700000" algn="tl" rotWithShape="0">
+                    <a:schemeClr val="dk1">
+                      <a:alpha val="40000"/>
+                    </a:schemeClr>
+                  </a:outerShdw>
+                </a:effectLst>
+              </a:rPr>
+              <a:t>Framework </a:t>
+            </a:r>
+            <a:r>
+              <a:rPr lang="ko-KR" altLang="en-US" sz="3200" dirty="0">
+                <a:ln w="0"/>
+                <a:effectLst>
+                  <a:outerShdw blurRad="38100" dist="19050" dir="2700000" algn="tl" rotWithShape="0">
+                    <a:schemeClr val="dk1">
+                      <a:alpha val="40000"/>
+                    </a:schemeClr>
+                  </a:outerShdw>
+                </a:effectLst>
+              </a:rPr>
+              <a:t>구성</a:t>
+            </a:r>
+            <a:endParaRPr lang="en-US" altLang="ko-KR" sz="3200" dirty="0">
+              <a:ln w="0"/>
+              <a:effectLst>
+                <a:outerShdw blurRad="38100" dist="19050" dir="2700000" algn="tl" rotWithShape="0">
+                  <a:schemeClr val="dk1">
+                    <a:alpha val="40000"/>
+                  </a:schemeClr>
+                </a:outerShdw>
+              </a:effectLst>
+            </a:endParaRPr>
+          </a:p>
+          <a:p>
+            <a:pPr marL="914400" indent="-914400">
+              <a:buAutoNum type="arabicPeriod"/>
+            </a:pPr>
+            <a:r>
+              <a:rPr lang="ko-KR" altLang="en-US" sz="3200" dirty="0">
+                <a:ln w="0"/>
+                <a:effectLst>
+                  <a:outerShdw blurRad="38100" dist="19050" dir="2700000" algn="tl" rotWithShape="0">
+                    <a:schemeClr val="dk1">
+                      <a:alpha val="40000"/>
+                    </a:schemeClr>
+                  </a:outerShdw>
+                </a:effectLst>
+              </a:rPr>
+              <a:t>접속 동기화</a:t>
+            </a:r>
+            <a:endParaRPr lang="en-US" altLang="ko-KR" sz="3200" dirty="0">
+              <a:ln w="0"/>
+              <a:effectLst>
+                <a:outerShdw blurRad="38100" dist="19050" dir="2700000" algn="tl" rotWithShape="0">
+                  <a:schemeClr val="dk1">
+                    <a:alpha val="40000"/>
+                  </a:schemeClr>
+                </a:outerShdw>
+              </a:effectLst>
+            </a:endParaRPr>
+          </a:p>
+          <a:p>
+            <a:pPr marL="914400" indent="-914400">
+              <a:buAutoNum type="arabicPeriod"/>
+            </a:pPr>
+            <a:r>
+              <a:rPr lang="ko-KR" altLang="en-US" sz="3200" dirty="0">
+                <a:ln w="0"/>
+                <a:effectLst>
+                  <a:outerShdw blurRad="38100" dist="19050" dir="2700000" algn="tl" rotWithShape="0">
+                    <a:schemeClr val="dk1">
+                      <a:alpha val="40000"/>
+                    </a:schemeClr>
+                  </a:outerShdw>
+                </a:effectLst>
+              </a:rPr>
+              <a:t>이동 동기화</a:t>
+            </a:r>
+            <a:endParaRPr lang="en-US" altLang="ko-KR" sz="3200" dirty="0">
+              <a:ln w="0"/>
+              <a:effectLst>
+                <a:outerShdw blurRad="38100" dist="19050" dir="2700000" algn="tl" rotWithShape="0">
+                  <a:schemeClr val="dk1">
+                    <a:alpha val="40000"/>
+                  </a:schemeClr>
+                </a:outerShdw>
+              </a:effectLst>
+            </a:endParaRPr>
+          </a:p>
+          <a:p>
+            <a:pPr marL="914400" indent="-914400">
+              <a:buAutoNum type="arabicPeriod"/>
+            </a:pPr>
+            <a:r>
+              <a:rPr lang="ko-KR" altLang="en-US" sz="3200" dirty="0">
+                <a:ln w="0"/>
+                <a:effectLst>
+                  <a:outerShdw blurRad="38100" dist="19050" dir="2700000" algn="tl" rotWithShape="0">
+                    <a:schemeClr val="dk1">
+                      <a:alpha val="40000"/>
+                    </a:schemeClr>
+                  </a:outerShdw>
+                </a:effectLst>
+              </a:rPr>
+              <a:t>애니메이션 동기화</a:t>
+            </a:r>
+            <a:endParaRPr lang="en-US" altLang="ko-KR" sz="3200" dirty="0">
+              <a:ln w="0"/>
+              <a:effectLst>
+                <a:outerShdw blurRad="38100" dist="19050" dir="2700000" algn="tl" rotWithShape="0">
+                  <a:schemeClr val="dk1">
+                    <a:alpha val="40000"/>
+                  </a:schemeClr>
+                </a:outerShdw>
+              </a:effectLst>
+            </a:endParaRPr>
+          </a:p>
+        </p:txBody>
+      </p:sp>
     </p:spTree>
     <p:extLst>
       <p:ext uri="{BB962C8B-B14F-4D97-AF65-F5344CB8AC3E}">

--- a/기획 문서/DuckyDoggy_중간발표.pptx
+++ b/기획 문서/DuckyDoggy_중간발표.pptx
@@ -5,7 +5,7 @@
     <p:sldMasterId id="2147483672" r:id="rId1"/>
   </p:sldMasterIdLst>
   <p:notesMasterIdLst>
-    <p:notesMasterId r:id="rId15"/>
+    <p:notesMasterId r:id="rId17"/>
   </p:notesMasterIdLst>
   <p:sldIdLst>
     <p:sldId id="256" r:id="rId2"/>
@@ -16,11 +16,13 @@
     <p:sldId id="264" r:id="rId7"/>
     <p:sldId id="272" r:id="rId8"/>
     <p:sldId id="273" r:id="rId9"/>
-    <p:sldId id="266" r:id="rId10"/>
-    <p:sldId id="268" r:id="rId11"/>
-    <p:sldId id="274" r:id="rId12"/>
-    <p:sldId id="269" r:id="rId13"/>
-    <p:sldId id="271" r:id="rId14"/>
+    <p:sldId id="275" r:id="rId10"/>
+    <p:sldId id="276" r:id="rId11"/>
+    <p:sldId id="266" r:id="rId12"/>
+    <p:sldId id="268" r:id="rId13"/>
+    <p:sldId id="274" r:id="rId14"/>
+    <p:sldId id="269" r:id="rId15"/>
+    <p:sldId id="271" r:id="rId16"/>
   </p:sldIdLst>
   <p:sldSz cx="9144000" cy="6858000" type="screen4x3"/>
   <p:notesSz cx="6858000" cy="9144000"/>
@@ -4146,6 +4148,2684 @@
                 <a:latin typeface="나눔스퀘어OTF" panose="020B0600000101010101" pitchFamily="34" charset="-127"/>
                 <a:ea typeface="나눔스퀘어OTF" panose="020B0600000101010101" pitchFamily="34" charset="-127"/>
               </a:rPr>
+              <a:t>구성원 역할 분담</a:t>
+            </a:r>
+          </a:p>
+        </p:txBody>
+      </p:sp>
+      <p:sp>
+        <p:nvSpPr>
+          <p:cNvPr id="20" name="막힌 원호 19"/>
+          <p:cNvSpPr/>
+          <p:nvPr/>
+        </p:nvSpPr>
+        <p:spPr>
+          <a:xfrm flipH="1">
+            <a:off x="0" y="245534"/>
+            <a:ext cx="457200" cy="457200"/>
+          </a:xfrm>
+          <a:prstGeom prst="blockArc">
+            <a:avLst/>
+          </a:prstGeom>
+          <a:solidFill>
+            <a:schemeClr val="accent4"/>
+          </a:solidFill>
+          <a:ln>
+            <a:noFill/>
+          </a:ln>
+        </p:spPr>
+        <p:style>
+          <a:lnRef idx="2">
+            <a:schemeClr val="accent4">
+              <a:shade val="50000"/>
+            </a:schemeClr>
+          </a:lnRef>
+          <a:fillRef idx="1">
+            <a:schemeClr val="accent4"/>
+          </a:fillRef>
+          <a:effectRef idx="0">
+            <a:schemeClr val="accent4"/>
+          </a:effectRef>
+          <a:fontRef idx="minor">
+            <a:schemeClr val="lt1"/>
+          </a:fontRef>
+        </p:style>
+        <p:txBody>
+          <a:bodyPr rtlCol="0" anchor="ctr"/>
+          <a:lstStyle/>
+          <a:p>
+            <a:pPr algn="ctr"/>
+            <a:endParaRPr lang="ko-KR" altLang="en-US">
+              <a:solidFill>
+                <a:schemeClr val="tx1"/>
+              </a:solidFill>
+              <a:latin typeface="나눔스퀘어OTF" panose="020B0600000101010101" pitchFamily="34" charset="-127"/>
+              <a:ea typeface="나눔스퀘어OTF" panose="020B0600000101010101" pitchFamily="34" charset="-127"/>
+            </a:endParaRPr>
+          </a:p>
+        </p:txBody>
+      </p:sp>
+      <p:sp>
+        <p:nvSpPr>
+          <p:cNvPr id="21" name="막힌 원호 20"/>
+          <p:cNvSpPr/>
+          <p:nvPr/>
+        </p:nvSpPr>
+        <p:spPr>
+          <a:xfrm flipH="1" flipV="1">
+            <a:off x="8466" y="389467"/>
+            <a:ext cx="457200" cy="457200"/>
+          </a:xfrm>
+          <a:prstGeom prst="blockArc">
+            <a:avLst/>
+          </a:prstGeom>
+          <a:solidFill>
+            <a:schemeClr val="accent4"/>
+          </a:solidFill>
+          <a:ln>
+            <a:noFill/>
+          </a:ln>
+        </p:spPr>
+        <p:style>
+          <a:lnRef idx="2">
+            <a:schemeClr val="accent4">
+              <a:shade val="50000"/>
+            </a:schemeClr>
+          </a:lnRef>
+          <a:fillRef idx="1">
+            <a:schemeClr val="accent4"/>
+          </a:fillRef>
+          <a:effectRef idx="0">
+            <a:schemeClr val="accent4"/>
+          </a:effectRef>
+          <a:fontRef idx="minor">
+            <a:schemeClr val="lt1"/>
+          </a:fontRef>
+        </p:style>
+        <p:txBody>
+          <a:bodyPr rtlCol="0" anchor="ctr"/>
+          <a:lstStyle/>
+          <a:p>
+            <a:pPr algn="ctr"/>
+            <a:endParaRPr lang="ko-KR" altLang="en-US">
+              <a:solidFill>
+                <a:schemeClr val="tx1"/>
+              </a:solidFill>
+              <a:latin typeface="나눔스퀘어OTF" panose="020B0600000101010101" pitchFamily="34" charset="-127"/>
+              <a:ea typeface="나눔스퀘어OTF" panose="020B0600000101010101" pitchFamily="34" charset="-127"/>
+            </a:endParaRPr>
+          </a:p>
+        </p:txBody>
+      </p:sp>
+      <p:sp>
+        <p:nvSpPr>
+          <p:cNvPr id="2" name="슬라이드 번호 개체 틀 1">
+            <a:extLst>
+              <a:ext uri="{FF2B5EF4-FFF2-40B4-BE49-F238E27FC236}">
+                <a16:creationId xmlns:a16="http://schemas.microsoft.com/office/drawing/2014/main" id="{49ED0470-CC69-4E96-A454-EDECF8AAFB5F}"/>
+              </a:ext>
+            </a:extLst>
+          </p:cNvPr>
+          <p:cNvSpPr>
+            <a:spLocks noGrp="1"/>
+          </p:cNvSpPr>
+          <p:nvPr>
+            <p:ph type="sldNum" sz="quarter" idx="12"/>
+          </p:nvPr>
+        </p:nvSpPr>
+        <p:spPr/>
+        <p:txBody>
+          <a:bodyPr/>
+          <a:lstStyle/>
+          <a:p>
+            <a:fld id="{B7CFC4E1-F238-47FC-B4DE-E7BE9500A8B7}" type="slidenum">
+              <a:rPr lang="ko-KR" altLang="en-US" smtClean="0"/>
+              <a:t>10</a:t>
+            </a:fld>
+            <a:endParaRPr lang="ko-KR" altLang="en-US"/>
+          </a:p>
+        </p:txBody>
+      </p:sp>
+      <p:sp>
+        <p:nvSpPr>
+          <p:cNvPr id="11" name="TextBox 10">
+            <a:extLst>
+              <a:ext uri="{FF2B5EF4-FFF2-40B4-BE49-F238E27FC236}">
+                <a16:creationId xmlns:a16="http://schemas.microsoft.com/office/drawing/2014/main" id="{D03349E2-0056-431E-9990-B921FFD4D70D}"/>
+              </a:ext>
+            </a:extLst>
+          </p:cNvPr>
+          <p:cNvSpPr txBox="1"/>
+          <p:nvPr/>
+        </p:nvSpPr>
+        <p:spPr>
+          <a:xfrm>
+            <a:off x="4811697" y="262466"/>
+            <a:ext cx="4171436" cy="276999"/>
+          </a:xfrm>
+          <a:prstGeom prst="rect">
+            <a:avLst/>
+          </a:prstGeom>
+          <a:noFill/>
+        </p:spPr>
+        <p:txBody>
+          <a:bodyPr wrap="square" rtlCol="0">
+            <a:spAutoFit/>
+          </a:bodyPr>
+          <a:lstStyle/>
+          <a:p>
+            <a:pPr algn="r"/>
+            <a:r>
+              <a:rPr lang="en-US" altLang="ko-KR" sz="1200" dirty="0">
+                <a:latin typeface="나눔스퀘어OTF" panose="020B0600000101010101" pitchFamily="34" charset="-127"/>
+                <a:ea typeface="나눔스퀘어OTF" panose="020B0600000101010101" pitchFamily="34" charset="-127"/>
+              </a:rPr>
+              <a:t> </a:t>
+            </a:r>
+            <a:r>
+              <a:rPr lang="ko-KR" altLang="en-US" sz="1200" dirty="0">
+                <a:solidFill>
+                  <a:schemeClr val="bg1">
+                    <a:lumMod val="50000"/>
+                  </a:schemeClr>
+                </a:solidFill>
+                <a:latin typeface="나눔스퀘어OTF" panose="020B0600000101010101" pitchFamily="34" charset="-127"/>
+                <a:ea typeface="나눔스퀘어OTF" panose="020B0600000101010101" pitchFamily="34" charset="-127"/>
+              </a:rPr>
+              <a:t>개요</a:t>
+            </a:r>
+            <a:r>
+              <a:rPr lang="ko-KR" altLang="en-US" sz="1200" dirty="0">
+                <a:latin typeface="나눔스퀘어OTF" panose="020B0600000101010101" pitchFamily="34" charset="-127"/>
+                <a:ea typeface="나눔스퀘어OTF" panose="020B0600000101010101" pitchFamily="34" charset="-127"/>
+              </a:rPr>
+              <a:t>   </a:t>
+            </a:r>
+            <a:r>
+              <a:rPr lang="en-US" altLang="ko-KR" sz="1200" dirty="0">
+                <a:solidFill>
+                  <a:schemeClr val="tx1">
+                    <a:lumMod val="50000"/>
+                    <a:lumOff val="50000"/>
+                  </a:schemeClr>
+                </a:solidFill>
+                <a:latin typeface="나눔스퀘어OTF" panose="020B0600000101010101" pitchFamily="34" charset="-127"/>
+                <a:ea typeface="나눔스퀘어OTF" panose="020B0600000101010101" pitchFamily="34" charset="-127"/>
+              </a:rPr>
+              <a:t>/   </a:t>
+            </a:r>
+            <a:r>
+              <a:rPr lang="ko-KR" altLang="en-US" sz="1200" b="1" dirty="0">
+                <a:latin typeface="나눔스퀘어OTF" panose="020B0600000101010101" pitchFamily="34" charset="-127"/>
+                <a:ea typeface="나눔스퀘어OTF" panose="020B0600000101010101" pitchFamily="34" charset="-127"/>
+              </a:rPr>
+              <a:t>개발 내용</a:t>
+            </a:r>
+            <a:r>
+              <a:rPr lang="ko-KR" altLang="en-US" sz="1200" dirty="0">
+                <a:solidFill>
+                  <a:schemeClr val="tx1">
+                    <a:lumMod val="75000"/>
+                    <a:lumOff val="25000"/>
+                  </a:schemeClr>
+                </a:solidFill>
+                <a:latin typeface="나눔스퀘어OTF" panose="020B0600000101010101" pitchFamily="34" charset="-127"/>
+                <a:ea typeface="나눔스퀘어OTF" panose="020B0600000101010101" pitchFamily="34" charset="-127"/>
+              </a:rPr>
+              <a:t> </a:t>
+            </a:r>
+            <a:r>
+              <a:rPr lang="en-US" altLang="ko-KR" sz="1200" dirty="0">
+                <a:solidFill>
+                  <a:schemeClr val="tx1">
+                    <a:lumMod val="50000"/>
+                    <a:lumOff val="50000"/>
+                  </a:schemeClr>
+                </a:solidFill>
+                <a:latin typeface="나눔스퀘어OTF" panose="020B0600000101010101" pitchFamily="34" charset="-127"/>
+                <a:ea typeface="나눔스퀘어OTF" panose="020B0600000101010101" pitchFamily="34" charset="-127"/>
+              </a:rPr>
+              <a:t> /   </a:t>
+            </a:r>
+            <a:r>
+              <a:rPr lang="ko-KR" altLang="en-US" sz="1200" dirty="0">
+                <a:solidFill>
+                  <a:schemeClr val="tx1">
+                    <a:lumMod val="50000"/>
+                    <a:lumOff val="50000"/>
+                  </a:schemeClr>
+                </a:solidFill>
+                <a:latin typeface="나눔스퀘어OTF" panose="020B0600000101010101" pitchFamily="34" charset="-127"/>
+                <a:ea typeface="나눔스퀘어OTF" panose="020B0600000101010101" pitchFamily="34" charset="-127"/>
+              </a:rPr>
+              <a:t>개발  일정</a:t>
+            </a:r>
+          </a:p>
+        </p:txBody>
+      </p:sp>
+      <p:sp>
+        <p:nvSpPr>
+          <p:cNvPr id="13" name="TextBox 12">
+            <a:extLst>
+              <a:ext uri="{FF2B5EF4-FFF2-40B4-BE49-F238E27FC236}">
+                <a16:creationId xmlns:a16="http://schemas.microsoft.com/office/drawing/2014/main" id="{9364CE2A-6B41-4BE2-8FBD-A728119CB1D4}"/>
+              </a:ext>
+            </a:extLst>
+          </p:cNvPr>
+          <p:cNvSpPr txBox="1"/>
+          <p:nvPr/>
+        </p:nvSpPr>
+        <p:spPr>
+          <a:xfrm>
+            <a:off x="457200" y="1842558"/>
+            <a:ext cx="2607733" cy="338554"/>
+          </a:xfrm>
+          <a:prstGeom prst="rect">
+            <a:avLst/>
+          </a:prstGeom>
+          <a:noFill/>
+        </p:spPr>
+        <p:txBody>
+          <a:bodyPr wrap="square" rtlCol="0">
+            <a:spAutoFit/>
+          </a:bodyPr>
+          <a:lstStyle/>
+          <a:p>
+            <a:r>
+              <a:rPr lang="ko-KR" altLang="en-US" sz="1600" b="1" dirty="0" err="1">
+                <a:latin typeface="나눔스퀘어OTF" panose="020B0600000101010101" pitchFamily="34" charset="-127"/>
+                <a:ea typeface="나눔스퀘어OTF" panose="020B0600000101010101" pitchFamily="34" charset="-127"/>
+              </a:rPr>
+              <a:t>지은혜</a:t>
+            </a:r>
+            <a:r>
+              <a:rPr lang="en-US" altLang="ko-KR" sz="1600" b="1" dirty="0">
+                <a:latin typeface="나눔스퀘어OTF" panose="020B0600000101010101" pitchFamily="34" charset="-127"/>
+                <a:ea typeface="나눔스퀘어OTF" panose="020B0600000101010101" pitchFamily="34" charset="-127"/>
+              </a:rPr>
+              <a:t> - </a:t>
+            </a:r>
+            <a:r>
+              <a:rPr lang="ko-KR" altLang="en-US" sz="1600" b="1" dirty="0">
+                <a:latin typeface="나눔스퀘어OTF" panose="020B0600000101010101" pitchFamily="34" charset="-127"/>
+                <a:ea typeface="나눔스퀘어OTF" panose="020B0600000101010101" pitchFamily="34" charset="-127"/>
+              </a:rPr>
+              <a:t>그래픽</a:t>
+            </a:r>
+          </a:p>
+        </p:txBody>
+      </p:sp>
+      <p:sp>
+        <p:nvSpPr>
+          <p:cNvPr id="14" name="직사각형 13">
+            <a:extLst>
+              <a:ext uri="{FF2B5EF4-FFF2-40B4-BE49-F238E27FC236}">
+                <a16:creationId xmlns:a16="http://schemas.microsoft.com/office/drawing/2014/main" id="{7B99DBDC-2431-4104-ABC0-76869035A665}"/>
+              </a:ext>
+            </a:extLst>
+          </p:cNvPr>
+          <p:cNvSpPr/>
+          <p:nvPr/>
+        </p:nvSpPr>
+        <p:spPr>
+          <a:xfrm>
+            <a:off x="332317" y="2358912"/>
+            <a:ext cx="3597460" cy="2062103"/>
+          </a:xfrm>
+          <a:prstGeom prst="rect">
+            <a:avLst/>
+          </a:prstGeom>
+          <a:noFill/>
+        </p:spPr>
+        <p:txBody>
+          <a:bodyPr wrap="none" lIns="91440" tIns="45720" rIns="91440" bIns="45720">
+            <a:spAutoFit/>
+          </a:bodyPr>
+          <a:lstStyle/>
+          <a:p>
+            <a:r>
+              <a:rPr lang="en-US" altLang="ko-KR" sz="3200" dirty="0">
+                <a:ln w="0"/>
+                <a:effectLst>
+                  <a:outerShdw blurRad="38100" dist="19050" dir="2700000" algn="tl" rotWithShape="0">
+                    <a:schemeClr val="dk1">
+                      <a:alpha val="40000"/>
+                    </a:schemeClr>
+                  </a:outerShdw>
+                </a:effectLst>
+              </a:rPr>
+              <a:t>5.	UI </a:t>
+            </a:r>
+            <a:r>
+              <a:rPr lang="ko-KR" altLang="en-US" sz="3200" dirty="0">
+                <a:ln w="0"/>
+                <a:effectLst>
+                  <a:outerShdw blurRad="38100" dist="19050" dir="2700000" algn="tl" rotWithShape="0">
+                    <a:schemeClr val="dk1">
+                      <a:alpha val="40000"/>
+                    </a:schemeClr>
+                  </a:outerShdw>
+                </a:effectLst>
+              </a:rPr>
+              <a:t>제작</a:t>
+            </a:r>
+            <a:endParaRPr lang="en-US" altLang="ko-KR" sz="3200" dirty="0">
+              <a:ln w="0"/>
+              <a:effectLst>
+                <a:outerShdw blurRad="38100" dist="19050" dir="2700000" algn="tl" rotWithShape="0">
+                  <a:schemeClr val="dk1">
+                    <a:alpha val="40000"/>
+                  </a:schemeClr>
+                </a:outerShdw>
+              </a:effectLst>
+            </a:endParaRPr>
+          </a:p>
+          <a:p>
+            <a:r>
+              <a:rPr lang="en-US" altLang="ko-KR" sz="3200" dirty="0">
+                <a:ln w="0"/>
+                <a:effectLst>
+                  <a:outerShdw blurRad="38100" dist="19050" dir="2700000" algn="tl" rotWithShape="0">
+                    <a:schemeClr val="dk1">
+                      <a:alpha val="40000"/>
+                    </a:schemeClr>
+                  </a:outerShdw>
+                </a:effectLst>
+              </a:rPr>
+              <a:t>	- </a:t>
+            </a:r>
+            <a:r>
+              <a:rPr lang="en-US" altLang="ko-KR" sz="2400" dirty="0">
+                <a:ln w="0"/>
+                <a:effectLst>
+                  <a:outerShdw blurRad="38100" dist="19050" dir="2700000" algn="tl" rotWithShape="0">
+                    <a:schemeClr val="dk1">
+                      <a:alpha val="40000"/>
+                    </a:schemeClr>
+                  </a:outerShdw>
+                </a:effectLst>
+              </a:rPr>
+              <a:t>start</a:t>
+            </a:r>
+            <a:r>
+              <a:rPr lang="ko-KR" altLang="en-US" sz="2400" dirty="0">
+                <a:ln w="0"/>
+                <a:effectLst>
+                  <a:outerShdw blurRad="38100" dist="19050" dir="2700000" algn="tl" rotWithShape="0">
+                    <a:schemeClr val="dk1">
+                      <a:alpha val="40000"/>
+                    </a:schemeClr>
+                  </a:outerShdw>
+                </a:effectLst>
+              </a:rPr>
+              <a:t> 버튼</a:t>
+            </a:r>
+            <a:endParaRPr lang="en-US" altLang="ko-KR" sz="2400" dirty="0">
+              <a:ln w="0"/>
+              <a:effectLst>
+                <a:outerShdw blurRad="38100" dist="19050" dir="2700000" algn="tl" rotWithShape="0">
+                  <a:schemeClr val="dk1">
+                    <a:alpha val="40000"/>
+                  </a:schemeClr>
+                </a:outerShdw>
+              </a:effectLst>
+            </a:endParaRPr>
+          </a:p>
+          <a:p>
+            <a:r>
+              <a:rPr lang="en-US" altLang="ko-KR" sz="2400" dirty="0">
+                <a:ln w="0"/>
+                <a:effectLst>
+                  <a:outerShdw blurRad="38100" dist="19050" dir="2700000" algn="tl" rotWithShape="0">
+                    <a:schemeClr val="dk1">
+                      <a:alpha val="40000"/>
+                    </a:schemeClr>
+                  </a:outerShdw>
+                </a:effectLst>
+              </a:rPr>
+              <a:t>	- HP</a:t>
+            </a:r>
+            <a:r>
+              <a:rPr lang="ko-KR" altLang="en-US" sz="2400" dirty="0">
+                <a:ln w="0"/>
+                <a:effectLst>
+                  <a:outerShdw blurRad="38100" dist="19050" dir="2700000" algn="tl" rotWithShape="0">
+                    <a:schemeClr val="dk1">
+                      <a:alpha val="40000"/>
+                    </a:schemeClr>
+                  </a:outerShdw>
+                </a:effectLst>
+              </a:rPr>
+              <a:t>바</a:t>
+            </a:r>
+            <a:r>
+              <a:rPr lang="en-US" altLang="ko-KR" sz="2400" dirty="0">
+                <a:ln w="0"/>
+                <a:effectLst>
+                  <a:outerShdw blurRad="38100" dist="19050" dir="2700000" algn="tl" rotWithShape="0">
+                    <a:schemeClr val="dk1">
+                      <a:alpha val="40000"/>
+                    </a:schemeClr>
+                  </a:outerShdw>
+                </a:effectLst>
+              </a:rPr>
+              <a:t> / </a:t>
+            </a:r>
+            <a:r>
+              <a:rPr lang="ko-KR" altLang="en-US" sz="2400" dirty="0">
+                <a:ln w="0"/>
+                <a:effectLst>
+                  <a:outerShdw blurRad="38100" dist="19050" dir="2700000" algn="tl" rotWithShape="0">
+                    <a:schemeClr val="dk1">
+                      <a:alpha val="40000"/>
+                    </a:schemeClr>
+                  </a:outerShdw>
+                </a:effectLst>
+              </a:rPr>
+              <a:t>스킬 바</a:t>
+            </a:r>
+            <a:endParaRPr lang="en-US" altLang="ko-KR" sz="2400" dirty="0">
+              <a:ln w="0"/>
+              <a:effectLst>
+                <a:outerShdw blurRad="38100" dist="19050" dir="2700000" algn="tl" rotWithShape="0">
+                  <a:schemeClr val="dk1">
+                    <a:alpha val="40000"/>
+                  </a:schemeClr>
+                </a:outerShdw>
+              </a:effectLst>
+            </a:endParaRPr>
+          </a:p>
+          <a:p>
+            <a:pPr marL="228600" indent="-228600">
+              <a:buAutoNum type="arabicPeriod" startAt="5"/>
+            </a:pPr>
+            <a:endParaRPr lang="en-US" altLang="ko-KR" sz="800" dirty="0">
+              <a:ln w="0"/>
+              <a:effectLst>
+                <a:outerShdw blurRad="38100" dist="19050" dir="2700000" algn="tl" rotWithShape="0">
+                  <a:schemeClr val="dk1">
+                    <a:alpha val="40000"/>
+                  </a:schemeClr>
+                </a:outerShdw>
+              </a:effectLst>
+            </a:endParaRPr>
+          </a:p>
+          <a:p>
+            <a:r>
+              <a:rPr lang="en-US" altLang="ko-KR" sz="3200" dirty="0">
+                <a:ln w="0"/>
+                <a:effectLst>
+                  <a:outerShdw blurRad="38100" dist="19050" dir="2700000" algn="tl" rotWithShape="0">
+                    <a:schemeClr val="dk1">
+                      <a:alpha val="40000"/>
+                    </a:schemeClr>
+                  </a:outerShdw>
+                </a:effectLst>
+              </a:rPr>
+              <a:t>6.	</a:t>
+            </a:r>
+            <a:r>
+              <a:rPr lang="ko-KR" altLang="en-US" sz="3200" dirty="0">
+                <a:ln w="0"/>
+                <a:effectLst>
+                  <a:outerShdw blurRad="38100" dist="19050" dir="2700000" algn="tl" rotWithShape="0">
+                    <a:schemeClr val="dk1">
+                      <a:alpha val="40000"/>
+                    </a:schemeClr>
+                  </a:outerShdw>
+                </a:effectLst>
+              </a:rPr>
+              <a:t>나무 </a:t>
+            </a:r>
+            <a:r>
+              <a:rPr lang="en-US" altLang="ko-KR" sz="3200" dirty="0">
+                <a:ln w="0"/>
+                <a:effectLst>
+                  <a:outerShdw blurRad="38100" dist="19050" dir="2700000" algn="tl" rotWithShape="0">
+                    <a:schemeClr val="dk1">
+                      <a:alpha val="40000"/>
+                    </a:schemeClr>
+                  </a:outerShdw>
+                </a:effectLst>
+              </a:rPr>
+              <a:t>/ </a:t>
+            </a:r>
+            <a:r>
+              <a:rPr lang="ko-KR" altLang="en-US" sz="3200" dirty="0">
+                <a:ln w="0"/>
+                <a:effectLst>
+                  <a:outerShdw blurRad="38100" dist="19050" dir="2700000" algn="tl" rotWithShape="0">
+                    <a:schemeClr val="dk1">
+                      <a:alpha val="40000"/>
+                    </a:schemeClr>
+                  </a:outerShdw>
+                </a:effectLst>
+              </a:rPr>
+              <a:t>풀 제작</a:t>
+            </a:r>
+            <a:endParaRPr lang="en-US" altLang="ko-KR" sz="3200" dirty="0">
+              <a:ln w="0"/>
+              <a:effectLst>
+                <a:outerShdw blurRad="38100" dist="19050" dir="2700000" algn="tl" rotWithShape="0">
+                  <a:schemeClr val="dk1">
+                    <a:alpha val="40000"/>
+                  </a:schemeClr>
+                </a:outerShdw>
+              </a:effectLst>
+            </a:endParaRPr>
+          </a:p>
+        </p:txBody>
+      </p:sp>
+      <p:pic>
+        <p:nvPicPr>
+          <p:cNvPr id="9" name="그림 8" descr="식물이(가) 표시된 사진&#10;&#10;자동 생성된 설명">
+            <a:extLst>
+              <a:ext uri="{FF2B5EF4-FFF2-40B4-BE49-F238E27FC236}">
+                <a16:creationId xmlns:a16="http://schemas.microsoft.com/office/drawing/2014/main" id="{CDC70FEE-7DEE-41D1-9B15-483C1A188F41}"/>
+              </a:ext>
+            </a:extLst>
+          </p:cNvPr>
+          <p:cNvPicPr>
+            <a:picLocks noChangeAspect="1"/>
+          </p:cNvPicPr>
+          <p:nvPr/>
+        </p:nvPicPr>
+        <p:blipFill rotWithShape="1">
+          <a:blip r:embed="rId2" cstate="print">
+            <a:extLst>
+              <a:ext uri="{28A0092B-C50C-407E-A947-70E740481C1C}">
+                <a14:useLocalDpi xmlns:a14="http://schemas.microsoft.com/office/drawing/2010/main" val="0"/>
+              </a:ext>
+            </a:extLst>
+          </a:blip>
+          <a:srcRect l="2965" t="4652" r="4652" b="2965"/>
+          <a:stretch/>
+        </p:blipFill>
+        <p:spPr>
+          <a:xfrm>
+            <a:off x="4224228" y="1574688"/>
+            <a:ext cx="2325375" cy="1744031"/>
+          </a:xfrm>
+          <a:prstGeom prst="rect">
+            <a:avLst/>
+          </a:prstGeom>
+        </p:spPr>
+      </p:pic>
+      <p:pic>
+        <p:nvPicPr>
+          <p:cNvPr id="4" name="그림 3" descr="식물, 잔디, 녹색이(가) 표시된 사진&#10;&#10;자동 생성된 설명">
+            <a:extLst>
+              <a:ext uri="{FF2B5EF4-FFF2-40B4-BE49-F238E27FC236}">
+                <a16:creationId xmlns:a16="http://schemas.microsoft.com/office/drawing/2014/main" id="{DE81E4FD-2337-4649-80F3-02DB065E50B7}"/>
+              </a:ext>
+            </a:extLst>
+          </p:cNvPr>
+          <p:cNvPicPr>
+            <a:picLocks noChangeAspect="1"/>
+          </p:cNvPicPr>
+          <p:nvPr/>
+        </p:nvPicPr>
+        <p:blipFill>
+          <a:blip r:embed="rId3" cstate="print">
+            <a:extLst>
+              <a:ext uri="{28A0092B-C50C-407E-A947-70E740481C1C}">
+                <a14:useLocalDpi xmlns:a14="http://schemas.microsoft.com/office/drawing/2010/main" val="0"/>
+              </a:ext>
+            </a:extLst>
+          </a:blip>
+          <a:stretch>
+            <a:fillRect/>
+          </a:stretch>
+        </p:blipFill>
+        <p:spPr>
+          <a:xfrm>
+            <a:off x="5530001" y="2582335"/>
+            <a:ext cx="2241160" cy="1680870"/>
+          </a:xfrm>
+          <a:prstGeom prst="rect">
+            <a:avLst/>
+          </a:prstGeom>
+        </p:spPr>
+      </p:pic>
+      <p:pic>
+        <p:nvPicPr>
+          <p:cNvPr id="17" name="그림 16" descr="잔디, 실외, 평야이(가) 표시된 사진&#10;&#10;자동 생성된 설명">
+            <a:extLst>
+              <a:ext uri="{FF2B5EF4-FFF2-40B4-BE49-F238E27FC236}">
+                <a16:creationId xmlns:a16="http://schemas.microsoft.com/office/drawing/2014/main" id="{D12ABDDA-EA19-405B-BDC3-9F995168ED2B}"/>
+              </a:ext>
+            </a:extLst>
+          </p:cNvPr>
+          <p:cNvPicPr>
+            <a:picLocks noChangeAspect="1"/>
+          </p:cNvPicPr>
+          <p:nvPr/>
+        </p:nvPicPr>
+        <p:blipFill>
+          <a:blip r:embed="rId4" cstate="print">
+            <a:extLst>
+              <a:ext uri="{28A0092B-C50C-407E-A947-70E740481C1C}">
+                <a14:useLocalDpi xmlns:a14="http://schemas.microsoft.com/office/drawing/2010/main" val="0"/>
+              </a:ext>
+            </a:extLst>
+          </a:blip>
+          <a:stretch>
+            <a:fillRect/>
+          </a:stretch>
+        </p:blipFill>
+        <p:spPr>
+          <a:xfrm>
+            <a:off x="6741985" y="3709484"/>
+            <a:ext cx="2241148" cy="1680861"/>
+          </a:xfrm>
+          <a:prstGeom prst="rect">
+            <a:avLst/>
+          </a:prstGeom>
+        </p:spPr>
+      </p:pic>
+      <p:pic>
+        <p:nvPicPr>
+          <p:cNvPr id="19" name="그림 18" descr="식물, 벽, 실내, 나무이(가) 표시된 사진&#10;&#10;자동 생성된 설명">
+            <a:extLst>
+              <a:ext uri="{FF2B5EF4-FFF2-40B4-BE49-F238E27FC236}">
+                <a16:creationId xmlns:a16="http://schemas.microsoft.com/office/drawing/2014/main" id="{8A643F56-83D4-4781-8757-11F6CADFAEA6}"/>
+              </a:ext>
+            </a:extLst>
+          </p:cNvPr>
+          <p:cNvPicPr>
+            <a:picLocks noChangeAspect="1"/>
+          </p:cNvPicPr>
+          <p:nvPr/>
+        </p:nvPicPr>
+        <p:blipFill>
+          <a:blip r:embed="rId5" cstate="print">
+            <a:extLst>
+              <a:ext uri="{28A0092B-C50C-407E-A947-70E740481C1C}">
+                <a14:useLocalDpi xmlns:a14="http://schemas.microsoft.com/office/drawing/2010/main" val="0"/>
+              </a:ext>
+            </a:extLst>
+          </a:blip>
+          <a:stretch>
+            <a:fillRect/>
+          </a:stretch>
+        </p:blipFill>
+        <p:spPr>
+          <a:xfrm>
+            <a:off x="274564" y="4922835"/>
+            <a:ext cx="2166280" cy="1624710"/>
+          </a:xfrm>
+          <a:prstGeom prst="rect">
+            <a:avLst/>
+          </a:prstGeom>
+        </p:spPr>
+      </p:pic>
+      <p:pic>
+        <p:nvPicPr>
+          <p:cNvPr id="23" name="그림 22" descr="식물, 나무이(가) 표시된 사진&#10;&#10;자동 생성된 설명">
+            <a:extLst>
+              <a:ext uri="{FF2B5EF4-FFF2-40B4-BE49-F238E27FC236}">
+                <a16:creationId xmlns:a16="http://schemas.microsoft.com/office/drawing/2014/main" id="{DAE0D80D-DFB7-47A6-AF2D-5DF5BF62E90B}"/>
+              </a:ext>
+            </a:extLst>
+          </p:cNvPr>
+          <p:cNvPicPr>
+            <a:picLocks noChangeAspect="1"/>
+          </p:cNvPicPr>
+          <p:nvPr/>
+        </p:nvPicPr>
+        <p:blipFill>
+          <a:blip r:embed="rId6" cstate="print">
+            <a:extLst>
+              <a:ext uri="{28A0092B-C50C-407E-A947-70E740481C1C}">
+                <a14:useLocalDpi xmlns:a14="http://schemas.microsoft.com/office/drawing/2010/main" val="0"/>
+              </a:ext>
+            </a:extLst>
+          </a:blip>
+          <a:stretch>
+            <a:fillRect/>
+          </a:stretch>
+        </p:blipFill>
+        <p:spPr>
+          <a:xfrm>
+            <a:off x="2486546" y="4914203"/>
+            <a:ext cx="2166280" cy="1624710"/>
+          </a:xfrm>
+          <a:prstGeom prst="rect">
+            <a:avLst/>
+          </a:prstGeom>
+        </p:spPr>
+      </p:pic>
+      <p:pic>
+        <p:nvPicPr>
+          <p:cNvPr id="25" name="그림 24" descr="식물, 나무이(가) 표시된 사진&#10;&#10;자동 생성된 설명">
+            <a:extLst>
+              <a:ext uri="{FF2B5EF4-FFF2-40B4-BE49-F238E27FC236}">
+                <a16:creationId xmlns:a16="http://schemas.microsoft.com/office/drawing/2014/main" id="{602DF481-E9BE-442A-9462-A9F0A45B6049}"/>
+              </a:ext>
+            </a:extLst>
+          </p:cNvPr>
+          <p:cNvPicPr>
+            <a:picLocks noChangeAspect="1"/>
+          </p:cNvPicPr>
+          <p:nvPr/>
+        </p:nvPicPr>
+        <p:blipFill rotWithShape="1">
+          <a:blip r:embed="rId7" cstate="print">
+            <a:extLst>
+              <a:ext uri="{28A0092B-C50C-407E-A947-70E740481C1C}">
+                <a14:useLocalDpi xmlns:a14="http://schemas.microsoft.com/office/drawing/2010/main" val="0"/>
+              </a:ext>
+            </a:extLst>
+          </a:blip>
+          <a:srcRect l="23333" r="17157"/>
+          <a:stretch/>
+        </p:blipFill>
+        <p:spPr>
+          <a:xfrm>
+            <a:off x="4714920" y="4921207"/>
+            <a:ext cx="1935661" cy="1626338"/>
+          </a:xfrm>
+          <a:prstGeom prst="rect">
+            <a:avLst/>
+          </a:prstGeom>
+        </p:spPr>
+      </p:pic>
+    </p:spTree>
+    <p:extLst>
+      <p:ext uri="{BB962C8B-B14F-4D97-AF65-F5344CB8AC3E}">
+        <p14:creationId xmlns:p14="http://schemas.microsoft.com/office/powerpoint/2010/main" val="1191353806"/>
+      </p:ext>
+    </p:extLst>
+  </p:cSld>
+  <p:clrMapOvr>
+    <a:masterClrMapping/>
+  </p:clrMapOvr>
+</p:sld>
+</file>
+
+<file path=ppt/slides/slide11.xml><?xml version="1.0" encoding="utf-8"?>
+<p:sld xmlns:a="http://schemas.openxmlformats.org/drawingml/2006/main" xmlns:r="http://schemas.openxmlformats.org/officeDocument/2006/relationships" xmlns:p="http://schemas.openxmlformats.org/presentationml/2006/main">
+  <p:cSld>
+    <p:spTree>
+      <p:nvGrpSpPr>
+        <p:cNvPr id="1" name=""/>
+        <p:cNvGrpSpPr/>
+        <p:nvPr/>
+      </p:nvGrpSpPr>
+      <p:grpSpPr>
+        <a:xfrm>
+          <a:off x="0" y="0"/>
+          <a:ext cx="0" cy="0"/>
+          <a:chOff x="0" y="0"/>
+          <a:chExt cx="0" cy="0"/>
+        </a:xfrm>
+      </p:grpSpPr>
+      <p:sp>
+        <p:nvSpPr>
+          <p:cNvPr id="16" name="직사각형 15"/>
+          <p:cNvSpPr/>
+          <p:nvPr/>
+        </p:nvSpPr>
+        <p:spPr>
+          <a:xfrm>
+            <a:off x="457200" y="1664758"/>
+            <a:ext cx="1998133" cy="177800"/>
+          </a:xfrm>
+          <a:prstGeom prst="rect">
+            <a:avLst/>
+          </a:prstGeom>
+          <a:ln>
+            <a:noFill/>
+          </a:ln>
+        </p:spPr>
+        <p:style>
+          <a:lnRef idx="2">
+            <a:schemeClr val="accent4">
+              <a:shade val="50000"/>
+            </a:schemeClr>
+          </a:lnRef>
+          <a:fillRef idx="1">
+            <a:schemeClr val="accent4"/>
+          </a:fillRef>
+          <a:effectRef idx="0">
+            <a:schemeClr val="accent4"/>
+          </a:effectRef>
+          <a:fontRef idx="minor">
+            <a:schemeClr val="lt1"/>
+          </a:fontRef>
+        </p:style>
+        <p:txBody>
+          <a:bodyPr rtlCol="0" anchor="ctr"/>
+          <a:lstStyle/>
+          <a:p>
+            <a:pPr algn="ctr"/>
+            <a:endParaRPr lang="ko-KR" altLang="en-US">
+              <a:latin typeface="나눔스퀘어OTF" panose="020B0600000101010101" pitchFamily="34" charset="-127"/>
+              <a:ea typeface="나눔스퀘어OTF" panose="020B0600000101010101" pitchFamily="34" charset="-127"/>
+            </a:endParaRPr>
+          </a:p>
+        </p:txBody>
+      </p:sp>
+      <p:cxnSp>
+        <p:nvCxnSpPr>
+          <p:cNvPr id="6" name="직선 연결선 5"/>
+          <p:cNvCxnSpPr/>
+          <p:nvPr/>
+        </p:nvCxnSpPr>
+        <p:spPr>
+          <a:xfrm>
+            <a:off x="0" y="541867"/>
+            <a:ext cx="9144000" cy="0"/>
+          </a:xfrm>
+          <a:prstGeom prst="line">
+            <a:avLst/>
+          </a:prstGeom>
+          <a:ln w="28575"/>
+        </p:spPr>
+        <p:style>
+          <a:lnRef idx="1">
+            <a:schemeClr val="accent4"/>
+          </a:lnRef>
+          <a:fillRef idx="0">
+            <a:schemeClr val="accent4"/>
+          </a:fillRef>
+          <a:effectRef idx="0">
+            <a:schemeClr val="accent4"/>
+          </a:effectRef>
+          <a:fontRef idx="minor">
+            <a:schemeClr val="tx1"/>
+          </a:fontRef>
+        </p:style>
+      </p:cxnSp>
+      <p:sp>
+        <p:nvSpPr>
+          <p:cNvPr id="10" name="제목 1"/>
+          <p:cNvSpPr>
+            <a:spLocks noGrp="1"/>
+          </p:cNvSpPr>
+          <p:nvPr>
+            <p:ph type="title"/>
+          </p:nvPr>
+        </p:nvSpPr>
+        <p:spPr>
+          <a:xfrm>
+            <a:off x="332317" y="1017060"/>
+            <a:ext cx="3520016" cy="261406"/>
+          </a:xfrm>
+        </p:spPr>
+        <p:txBody>
+          <a:bodyPr>
+            <a:noAutofit/>
+          </a:bodyPr>
+          <a:lstStyle/>
+          <a:p>
+            <a:r>
+              <a:rPr lang="en-US" altLang="ko-KR" sz="2000" b="1" dirty="0" err="1">
+                <a:solidFill>
+                  <a:schemeClr val="accent4"/>
+                </a:solidFill>
+                <a:latin typeface="나눔스퀘어OTF" panose="020B0600000101010101" pitchFamily="34" charset="-127"/>
+                <a:ea typeface="나눔스퀘어OTF" panose="020B0600000101010101" pitchFamily="34" charset="-127"/>
+              </a:rPr>
+              <a:t>DuckyDoggy</a:t>
+            </a:r>
+            <a:endParaRPr lang="ko-KR" altLang="en-US" sz="2000" b="1" dirty="0">
+              <a:solidFill>
+                <a:schemeClr val="accent4"/>
+              </a:solidFill>
+              <a:latin typeface="나눔스퀘어OTF" panose="020B0600000101010101" pitchFamily="34" charset="-127"/>
+              <a:ea typeface="나눔스퀘어OTF" panose="020B0600000101010101" pitchFamily="34" charset="-127"/>
+            </a:endParaRPr>
+          </a:p>
+        </p:txBody>
+      </p:sp>
+      <p:sp>
+        <p:nvSpPr>
+          <p:cNvPr id="12" name="TextBox 11"/>
+          <p:cNvSpPr txBox="1"/>
+          <p:nvPr/>
+        </p:nvSpPr>
+        <p:spPr>
+          <a:xfrm>
+            <a:off x="355601" y="1236134"/>
+            <a:ext cx="2607733" cy="338554"/>
+          </a:xfrm>
+          <a:prstGeom prst="rect">
+            <a:avLst/>
+          </a:prstGeom>
+          <a:noFill/>
+        </p:spPr>
+        <p:txBody>
+          <a:bodyPr wrap="square" rtlCol="0">
+            <a:spAutoFit/>
+          </a:bodyPr>
+          <a:lstStyle/>
+          <a:p>
+            <a:r>
+              <a:rPr lang="ko-KR" altLang="en-US" sz="1600" b="1" dirty="0">
+                <a:latin typeface="나눔스퀘어OTF" panose="020B0600000101010101" pitchFamily="34" charset="-127"/>
+                <a:ea typeface="나눔스퀘어OTF" panose="020B0600000101010101" pitchFamily="34" charset="-127"/>
+              </a:rPr>
+              <a:t>문제점 및 보완책</a:t>
+            </a:r>
+          </a:p>
+        </p:txBody>
+      </p:sp>
+      <p:sp>
+        <p:nvSpPr>
+          <p:cNvPr id="20" name="막힌 원호 19"/>
+          <p:cNvSpPr/>
+          <p:nvPr/>
+        </p:nvSpPr>
+        <p:spPr>
+          <a:xfrm flipH="1">
+            <a:off x="0" y="245534"/>
+            <a:ext cx="457200" cy="457200"/>
+          </a:xfrm>
+          <a:prstGeom prst="blockArc">
+            <a:avLst/>
+          </a:prstGeom>
+          <a:solidFill>
+            <a:schemeClr val="accent4"/>
+          </a:solidFill>
+          <a:ln>
+            <a:noFill/>
+          </a:ln>
+        </p:spPr>
+        <p:style>
+          <a:lnRef idx="2">
+            <a:schemeClr val="accent4">
+              <a:shade val="50000"/>
+            </a:schemeClr>
+          </a:lnRef>
+          <a:fillRef idx="1">
+            <a:schemeClr val="accent4"/>
+          </a:fillRef>
+          <a:effectRef idx="0">
+            <a:schemeClr val="accent4"/>
+          </a:effectRef>
+          <a:fontRef idx="minor">
+            <a:schemeClr val="lt1"/>
+          </a:fontRef>
+        </p:style>
+        <p:txBody>
+          <a:bodyPr rtlCol="0" anchor="ctr"/>
+          <a:lstStyle/>
+          <a:p>
+            <a:pPr algn="ctr"/>
+            <a:endParaRPr lang="ko-KR" altLang="en-US">
+              <a:solidFill>
+                <a:schemeClr val="tx1"/>
+              </a:solidFill>
+              <a:latin typeface="나눔스퀘어OTF" panose="020B0600000101010101" pitchFamily="34" charset="-127"/>
+              <a:ea typeface="나눔스퀘어OTF" panose="020B0600000101010101" pitchFamily="34" charset="-127"/>
+            </a:endParaRPr>
+          </a:p>
+        </p:txBody>
+      </p:sp>
+      <p:sp>
+        <p:nvSpPr>
+          <p:cNvPr id="21" name="막힌 원호 20"/>
+          <p:cNvSpPr/>
+          <p:nvPr/>
+        </p:nvSpPr>
+        <p:spPr>
+          <a:xfrm flipH="1" flipV="1">
+            <a:off x="8466" y="389467"/>
+            <a:ext cx="457200" cy="457200"/>
+          </a:xfrm>
+          <a:prstGeom prst="blockArc">
+            <a:avLst/>
+          </a:prstGeom>
+          <a:solidFill>
+            <a:schemeClr val="accent4"/>
+          </a:solidFill>
+          <a:ln>
+            <a:noFill/>
+          </a:ln>
+        </p:spPr>
+        <p:style>
+          <a:lnRef idx="2">
+            <a:schemeClr val="accent4">
+              <a:shade val="50000"/>
+            </a:schemeClr>
+          </a:lnRef>
+          <a:fillRef idx="1">
+            <a:schemeClr val="accent4"/>
+          </a:fillRef>
+          <a:effectRef idx="0">
+            <a:schemeClr val="accent4"/>
+          </a:effectRef>
+          <a:fontRef idx="minor">
+            <a:schemeClr val="lt1"/>
+          </a:fontRef>
+        </p:style>
+        <p:txBody>
+          <a:bodyPr rtlCol="0" anchor="ctr"/>
+          <a:lstStyle/>
+          <a:p>
+            <a:pPr algn="ctr"/>
+            <a:endParaRPr lang="ko-KR" altLang="en-US">
+              <a:solidFill>
+                <a:schemeClr val="tx1"/>
+              </a:solidFill>
+              <a:latin typeface="나눔스퀘어OTF" panose="020B0600000101010101" pitchFamily="34" charset="-127"/>
+              <a:ea typeface="나눔스퀘어OTF" panose="020B0600000101010101" pitchFamily="34" charset="-127"/>
+            </a:endParaRPr>
+          </a:p>
+        </p:txBody>
+      </p:sp>
+      <p:sp>
+        <p:nvSpPr>
+          <p:cNvPr id="2" name="슬라이드 번호 개체 틀 1">
+            <a:extLst>
+              <a:ext uri="{FF2B5EF4-FFF2-40B4-BE49-F238E27FC236}">
+                <a16:creationId xmlns:a16="http://schemas.microsoft.com/office/drawing/2014/main" id="{49ED0470-CC69-4E96-A454-EDECF8AAFB5F}"/>
+              </a:ext>
+            </a:extLst>
+          </p:cNvPr>
+          <p:cNvSpPr>
+            <a:spLocks noGrp="1"/>
+          </p:cNvSpPr>
+          <p:nvPr>
+            <p:ph type="sldNum" sz="quarter" idx="12"/>
+          </p:nvPr>
+        </p:nvSpPr>
+        <p:spPr/>
+        <p:txBody>
+          <a:bodyPr/>
+          <a:lstStyle/>
+          <a:p>
+            <a:fld id="{B7CFC4E1-F238-47FC-B4DE-E7BE9500A8B7}" type="slidenum">
+              <a:rPr lang="ko-KR" altLang="en-US" smtClean="0"/>
+              <a:t>11</a:t>
+            </a:fld>
+            <a:endParaRPr lang="ko-KR" altLang="en-US"/>
+          </a:p>
+        </p:txBody>
+      </p:sp>
+      <p:sp>
+        <p:nvSpPr>
+          <p:cNvPr id="11" name="TextBox 10">
+            <a:extLst>
+              <a:ext uri="{FF2B5EF4-FFF2-40B4-BE49-F238E27FC236}">
+                <a16:creationId xmlns:a16="http://schemas.microsoft.com/office/drawing/2014/main" id="{D03349E2-0056-431E-9990-B921FFD4D70D}"/>
+              </a:ext>
+            </a:extLst>
+          </p:cNvPr>
+          <p:cNvSpPr txBox="1"/>
+          <p:nvPr/>
+        </p:nvSpPr>
+        <p:spPr>
+          <a:xfrm>
+            <a:off x="4811697" y="262466"/>
+            <a:ext cx="4171436" cy="276999"/>
+          </a:xfrm>
+          <a:prstGeom prst="rect">
+            <a:avLst/>
+          </a:prstGeom>
+          <a:noFill/>
+        </p:spPr>
+        <p:txBody>
+          <a:bodyPr wrap="square" rtlCol="0">
+            <a:spAutoFit/>
+          </a:bodyPr>
+          <a:lstStyle/>
+          <a:p>
+            <a:pPr algn="r"/>
+            <a:r>
+              <a:rPr lang="en-US" altLang="ko-KR" sz="1200" dirty="0">
+                <a:latin typeface="나눔스퀘어OTF" panose="020B0600000101010101" pitchFamily="34" charset="-127"/>
+                <a:ea typeface="나눔스퀘어OTF" panose="020B0600000101010101" pitchFamily="34" charset="-127"/>
+              </a:rPr>
+              <a:t> </a:t>
+            </a:r>
+            <a:r>
+              <a:rPr lang="ko-KR" altLang="en-US" sz="1200" dirty="0">
+                <a:solidFill>
+                  <a:schemeClr val="bg1">
+                    <a:lumMod val="50000"/>
+                  </a:schemeClr>
+                </a:solidFill>
+                <a:latin typeface="나눔스퀘어OTF" panose="020B0600000101010101" pitchFamily="34" charset="-127"/>
+                <a:ea typeface="나눔스퀘어OTF" panose="020B0600000101010101" pitchFamily="34" charset="-127"/>
+              </a:rPr>
+              <a:t>개요</a:t>
+            </a:r>
+            <a:r>
+              <a:rPr lang="ko-KR" altLang="en-US" sz="1200" dirty="0">
+                <a:latin typeface="나눔스퀘어OTF" panose="020B0600000101010101" pitchFamily="34" charset="-127"/>
+                <a:ea typeface="나눔스퀘어OTF" panose="020B0600000101010101" pitchFamily="34" charset="-127"/>
+              </a:rPr>
+              <a:t>   </a:t>
+            </a:r>
+            <a:r>
+              <a:rPr lang="en-US" altLang="ko-KR" sz="1200" dirty="0">
+                <a:solidFill>
+                  <a:schemeClr val="tx1">
+                    <a:lumMod val="50000"/>
+                    <a:lumOff val="50000"/>
+                  </a:schemeClr>
+                </a:solidFill>
+                <a:latin typeface="나눔스퀘어OTF" panose="020B0600000101010101" pitchFamily="34" charset="-127"/>
+                <a:ea typeface="나눔스퀘어OTF" panose="020B0600000101010101" pitchFamily="34" charset="-127"/>
+              </a:rPr>
+              <a:t>/   </a:t>
+            </a:r>
+            <a:r>
+              <a:rPr lang="ko-KR" altLang="en-US" sz="1200" b="1" dirty="0">
+                <a:latin typeface="나눔스퀘어OTF" panose="020B0600000101010101" pitchFamily="34" charset="-127"/>
+                <a:ea typeface="나눔스퀘어OTF" panose="020B0600000101010101" pitchFamily="34" charset="-127"/>
+              </a:rPr>
+              <a:t>개발 내용</a:t>
+            </a:r>
+            <a:r>
+              <a:rPr lang="ko-KR" altLang="en-US" sz="1200" dirty="0">
+                <a:solidFill>
+                  <a:schemeClr val="tx1">
+                    <a:lumMod val="75000"/>
+                    <a:lumOff val="25000"/>
+                  </a:schemeClr>
+                </a:solidFill>
+                <a:latin typeface="나눔스퀘어OTF" panose="020B0600000101010101" pitchFamily="34" charset="-127"/>
+                <a:ea typeface="나눔스퀘어OTF" panose="020B0600000101010101" pitchFamily="34" charset="-127"/>
+              </a:rPr>
+              <a:t> </a:t>
+            </a:r>
+            <a:r>
+              <a:rPr lang="en-US" altLang="ko-KR" sz="1200" dirty="0">
+                <a:solidFill>
+                  <a:schemeClr val="tx1">
+                    <a:lumMod val="50000"/>
+                    <a:lumOff val="50000"/>
+                  </a:schemeClr>
+                </a:solidFill>
+                <a:latin typeface="나눔스퀘어OTF" panose="020B0600000101010101" pitchFamily="34" charset="-127"/>
+                <a:ea typeface="나눔스퀘어OTF" panose="020B0600000101010101" pitchFamily="34" charset="-127"/>
+              </a:rPr>
+              <a:t> /   </a:t>
+            </a:r>
+            <a:r>
+              <a:rPr lang="ko-KR" altLang="en-US" sz="1200" dirty="0">
+                <a:solidFill>
+                  <a:schemeClr val="tx1">
+                    <a:lumMod val="50000"/>
+                    <a:lumOff val="50000"/>
+                  </a:schemeClr>
+                </a:solidFill>
+                <a:latin typeface="나눔스퀘어OTF" panose="020B0600000101010101" pitchFamily="34" charset="-127"/>
+                <a:ea typeface="나눔스퀘어OTF" panose="020B0600000101010101" pitchFamily="34" charset="-127"/>
+              </a:rPr>
+              <a:t>개발  일정</a:t>
+            </a:r>
+          </a:p>
+        </p:txBody>
+      </p:sp>
+      <p:graphicFrame>
+        <p:nvGraphicFramePr>
+          <p:cNvPr id="14" name="표 13">
+            <a:extLst>
+              <a:ext uri="{FF2B5EF4-FFF2-40B4-BE49-F238E27FC236}">
+                <a16:creationId xmlns:a16="http://schemas.microsoft.com/office/drawing/2014/main" id="{B97C825D-938D-4772-90C8-48581CC48F1F}"/>
+              </a:ext>
+            </a:extLst>
+          </p:cNvPr>
+          <p:cNvGraphicFramePr>
+            <a:graphicFrameLocks noGrp="1"/>
+          </p:cNvGraphicFramePr>
+          <p:nvPr>
+            <p:extLst>
+              <p:ext uri="{D42A27DB-BD31-4B8C-83A1-F6EECF244321}">
+                <p14:modId xmlns:p14="http://schemas.microsoft.com/office/powerpoint/2010/main" val="2209241006"/>
+              </p:ext>
+            </p:extLst>
+          </p:nvPr>
+        </p:nvGraphicFramePr>
+        <p:xfrm>
+          <a:off x="609061" y="2095497"/>
+          <a:ext cx="7925877" cy="3925956"/>
+        </p:xfrm>
+        <a:graphic>
+          <a:graphicData uri="http://schemas.openxmlformats.org/drawingml/2006/table">
+            <a:tbl>
+              <a:tblPr/>
+              <a:tblGrid>
+                <a:gridCol w="1018572">
+                  <a:extLst>
+                    <a:ext uri="{9D8B030D-6E8A-4147-A177-3AD203B41FA5}">
+                      <a16:colId xmlns:a16="http://schemas.microsoft.com/office/drawing/2014/main" val="2893285457"/>
+                    </a:ext>
+                  </a:extLst>
+                </a:gridCol>
+                <a:gridCol w="3428461">
+                  <a:extLst>
+                    <a:ext uri="{9D8B030D-6E8A-4147-A177-3AD203B41FA5}">
+                      <a16:colId xmlns:a16="http://schemas.microsoft.com/office/drawing/2014/main" val="271003524"/>
+                    </a:ext>
+                  </a:extLst>
+                </a:gridCol>
+                <a:gridCol w="3478844">
+                  <a:extLst>
+                    <a:ext uri="{9D8B030D-6E8A-4147-A177-3AD203B41FA5}">
+                      <a16:colId xmlns:a16="http://schemas.microsoft.com/office/drawing/2014/main" val="3358523374"/>
+                    </a:ext>
+                  </a:extLst>
+                </a:gridCol>
+              </a:tblGrid>
+              <a:tr h="387727">
+                <a:tc>
+                  <a:txBody>
+                    <a:bodyPr/>
+                    <a:lstStyle/>
+                    <a:p>
+                      <a:pPr marL="0" marR="0" indent="0" algn="ctr" fontAlgn="base" latinLnBrk="0">
+                        <a:lnSpc>
+                          <a:spcPct val="150000"/>
+                        </a:lnSpc>
+                        <a:spcBef>
+                          <a:spcPts val="0"/>
+                        </a:spcBef>
+                        <a:spcAft>
+                          <a:spcPts val="0"/>
+                        </a:spcAft>
+                      </a:pPr>
+                      <a:r>
+                        <a:rPr lang="ko-KR" altLang="en-US" sz="1200" b="1" kern="0" spc="0" dirty="0">
+                          <a:solidFill>
+                            <a:srgbClr val="000000"/>
+                          </a:solidFill>
+                          <a:effectLst/>
+                          <a:latin typeface="한양신명조"/>
+                        </a:rPr>
+                        <a:t>역할 </a:t>
+                      </a:r>
+                      <a:r>
+                        <a:rPr lang="en-US" altLang="ko-KR" sz="1200" b="1" kern="0" spc="0" dirty="0">
+                          <a:solidFill>
+                            <a:srgbClr val="000000"/>
+                          </a:solidFill>
+                          <a:effectLst/>
+                          <a:latin typeface="한양신명조"/>
+                        </a:rPr>
+                        <a:t>/ </a:t>
+                      </a:r>
+                      <a:r>
+                        <a:rPr lang="ko-KR" altLang="en-US" sz="1200" b="1" kern="0" spc="0" dirty="0">
+                          <a:solidFill>
+                            <a:srgbClr val="000000"/>
+                          </a:solidFill>
+                          <a:effectLst/>
+                          <a:latin typeface="한양신명조"/>
+                        </a:rPr>
+                        <a:t>이름</a:t>
+                      </a:r>
+                    </a:p>
+                  </a:txBody>
+                  <a:tcPr marL="17907" marR="17907" marT="17907" marB="17907" anchor="ctr">
+                    <a:lnL w="12700" cap="flat" cmpd="sng" algn="ctr">
+                      <a:solidFill>
+                        <a:schemeClr val="tx1"/>
+                      </a:solidFill>
+                      <a:prstDash val="solid"/>
+                      <a:round/>
+                      <a:headEnd type="none" w="med" len="med"/>
+                      <a:tailEnd type="none" w="med" len="med"/>
+                    </a:lnL>
+                    <a:lnR w="12700" cap="flat" cmpd="sng" algn="ctr">
+                      <a:solidFill>
+                        <a:schemeClr val="tx1"/>
+                      </a:solidFill>
+                      <a:prstDash val="solid"/>
+                      <a:round/>
+                      <a:headEnd type="none" w="med" len="med"/>
+                      <a:tailEnd type="none" w="med" len="med"/>
+                    </a:lnR>
+                    <a:lnT w="12700" cap="flat" cmpd="sng" algn="ctr">
+                      <a:solidFill>
+                        <a:schemeClr val="tx1"/>
+                      </a:solidFill>
+                      <a:prstDash val="solid"/>
+                      <a:round/>
+                      <a:headEnd type="none" w="med" len="med"/>
+                      <a:tailEnd type="none" w="med" len="med"/>
+                    </a:lnT>
+                    <a:lnB w="12700" cap="flat" cmpd="sng" algn="ctr">
+                      <a:solidFill>
+                        <a:schemeClr val="tx1"/>
+                      </a:solidFill>
+                      <a:prstDash val="solid"/>
+                      <a:round/>
+                      <a:headEnd type="none" w="med" len="med"/>
+                      <a:tailEnd type="none" w="med" len="med"/>
+                    </a:lnB>
+                    <a:solidFill>
+                      <a:schemeClr val="bg1">
+                        <a:lumMod val="75000"/>
+                      </a:schemeClr>
+                    </a:solidFill>
+                  </a:tcPr>
+                </a:tc>
+                <a:tc>
+                  <a:txBody>
+                    <a:bodyPr/>
+                    <a:lstStyle/>
+                    <a:p>
+                      <a:pPr marL="0" marR="0" indent="0" algn="ctr" fontAlgn="base" latinLnBrk="0">
+                        <a:lnSpc>
+                          <a:spcPct val="150000"/>
+                        </a:lnSpc>
+                        <a:spcBef>
+                          <a:spcPts val="0"/>
+                        </a:spcBef>
+                        <a:spcAft>
+                          <a:spcPts val="0"/>
+                        </a:spcAft>
+                      </a:pPr>
+                      <a:r>
+                        <a:rPr lang="ko-KR" altLang="en-US" sz="1200" b="1" kern="0" spc="0" dirty="0">
+                          <a:solidFill>
+                            <a:srgbClr val="000000"/>
+                          </a:solidFill>
+                          <a:effectLst/>
+                          <a:latin typeface="한양신명조"/>
+                        </a:rPr>
+                        <a:t>문제점</a:t>
+                      </a:r>
+                    </a:p>
+                  </a:txBody>
+                  <a:tcPr marL="17907" marR="17907" marT="17907" marB="17907" anchor="ctr">
+                    <a:lnL w="12700" cap="flat" cmpd="sng" algn="ctr">
+                      <a:solidFill>
+                        <a:schemeClr val="tx1"/>
+                      </a:solidFill>
+                      <a:prstDash val="solid"/>
+                      <a:round/>
+                      <a:headEnd type="none" w="med" len="med"/>
+                      <a:tailEnd type="none" w="med" len="med"/>
+                    </a:lnL>
+                    <a:lnR w="12700" cap="flat" cmpd="sng" algn="ctr">
+                      <a:solidFill>
+                        <a:schemeClr val="tx1"/>
+                      </a:solidFill>
+                      <a:prstDash val="solid"/>
+                      <a:round/>
+                      <a:headEnd type="none" w="med" len="med"/>
+                      <a:tailEnd type="none" w="med" len="med"/>
+                    </a:lnR>
+                    <a:lnT w="12700" cap="flat" cmpd="sng" algn="ctr">
+                      <a:solidFill>
+                        <a:schemeClr val="tx1"/>
+                      </a:solidFill>
+                      <a:prstDash val="solid"/>
+                      <a:round/>
+                      <a:headEnd type="none" w="med" len="med"/>
+                      <a:tailEnd type="none" w="med" len="med"/>
+                    </a:lnT>
+                    <a:lnB w="12700" cap="flat" cmpd="sng" algn="ctr">
+                      <a:solidFill>
+                        <a:schemeClr val="tx1"/>
+                      </a:solidFill>
+                      <a:prstDash val="solid"/>
+                      <a:round/>
+                      <a:headEnd type="none" w="med" len="med"/>
+                      <a:tailEnd type="none" w="med" len="med"/>
+                    </a:lnB>
+                    <a:solidFill>
+                      <a:schemeClr val="bg1">
+                        <a:lumMod val="75000"/>
+                      </a:schemeClr>
+                    </a:solidFill>
+                  </a:tcPr>
+                </a:tc>
+                <a:tc>
+                  <a:txBody>
+                    <a:bodyPr/>
+                    <a:lstStyle/>
+                    <a:p>
+                      <a:pPr marL="0" marR="0" indent="0" algn="ctr" fontAlgn="base" latinLnBrk="0">
+                        <a:lnSpc>
+                          <a:spcPct val="150000"/>
+                        </a:lnSpc>
+                        <a:spcBef>
+                          <a:spcPts val="0"/>
+                        </a:spcBef>
+                        <a:spcAft>
+                          <a:spcPts val="0"/>
+                        </a:spcAft>
+                      </a:pPr>
+                      <a:r>
+                        <a:rPr lang="ko-KR" altLang="en-US" sz="1200" b="1" kern="0" spc="0" dirty="0">
+                          <a:solidFill>
+                            <a:srgbClr val="000000"/>
+                          </a:solidFill>
+                          <a:effectLst/>
+                          <a:latin typeface="한양신명조"/>
+                        </a:rPr>
+                        <a:t>보완책</a:t>
+                      </a:r>
+                    </a:p>
+                  </a:txBody>
+                  <a:tcPr marL="17907" marR="17907" marT="17907" marB="17907" anchor="ctr">
+                    <a:lnL w="12700" cap="flat" cmpd="sng" algn="ctr">
+                      <a:solidFill>
+                        <a:schemeClr val="tx1"/>
+                      </a:solidFill>
+                      <a:prstDash val="solid"/>
+                      <a:round/>
+                      <a:headEnd type="none" w="med" len="med"/>
+                      <a:tailEnd type="none" w="med" len="med"/>
+                    </a:lnL>
+                    <a:lnR w="12700" cap="flat" cmpd="sng" algn="ctr">
+                      <a:solidFill>
+                        <a:schemeClr val="tx1"/>
+                      </a:solidFill>
+                      <a:prstDash val="solid"/>
+                      <a:round/>
+                      <a:headEnd type="none" w="med" len="med"/>
+                      <a:tailEnd type="none" w="med" len="med"/>
+                    </a:lnR>
+                    <a:lnT w="12700" cap="flat" cmpd="sng" algn="ctr">
+                      <a:solidFill>
+                        <a:schemeClr val="tx1"/>
+                      </a:solidFill>
+                      <a:prstDash val="solid"/>
+                      <a:round/>
+                      <a:headEnd type="none" w="med" len="med"/>
+                      <a:tailEnd type="none" w="med" len="med"/>
+                    </a:lnT>
+                    <a:lnB w="12700" cap="flat" cmpd="sng" algn="ctr">
+                      <a:solidFill>
+                        <a:schemeClr val="tx1"/>
+                      </a:solidFill>
+                      <a:prstDash val="solid"/>
+                      <a:round/>
+                      <a:headEnd type="none" w="med" len="med"/>
+                      <a:tailEnd type="none" w="med" len="med"/>
+                    </a:lnB>
+                    <a:solidFill>
+                      <a:schemeClr val="bg1">
+                        <a:lumMod val="75000"/>
+                      </a:schemeClr>
+                    </a:solidFill>
+                  </a:tcPr>
+                </a:tc>
+                <a:extLst>
+                  <a:ext uri="{0D108BD9-81ED-4DB2-BD59-A6C34878D82A}">
+                    <a16:rowId xmlns:a16="http://schemas.microsoft.com/office/drawing/2014/main" val="2929545688"/>
+                  </a:ext>
+                </a:extLst>
+              </a:tr>
+              <a:tr h="1131874">
+                <a:tc>
+                  <a:txBody>
+                    <a:bodyPr/>
+                    <a:lstStyle/>
+                    <a:p>
+                      <a:pPr marL="0" marR="0" indent="0" algn="ctr" fontAlgn="base" latinLnBrk="1">
+                        <a:lnSpc>
+                          <a:spcPct val="150000"/>
+                        </a:lnSpc>
+                        <a:spcBef>
+                          <a:spcPts val="0"/>
+                        </a:spcBef>
+                        <a:spcAft>
+                          <a:spcPts val="0"/>
+                        </a:spcAft>
+                      </a:pPr>
+                      <a:r>
+                        <a:rPr lang="ko-KR" altLang="en-US" sz="1200" b="1" kern="0" spc="0" dirty="0">
+                          <a:solidFill>
+                            <a:srgbClr val="000000"/>
+                          </a:solidFill>
+                          <a:effectLst/>
+                          <a:latin typeface="한양신명조"/>
+                        </a:rPr>
+                        <a:t>클라이언트</a:t>
+                      </a:r>
+                      <a:endParaRPr lang="en-US" altLang="ko-KR" sz="1200" b="1" kern="0" spc="0" dirty="0">
+                        <a:solidFill>
+                          <a:srgbClr val="000000"/>
+                        </a:solidFill>
+                        <a:effectLst/>
+                        <a:latin typeface="한양신명조"/>
+                      </a:endParaRPr>
+                    </a:p>
+                    <a:p>
+                      <a:pPr marL="0" marR="0" indent="0" algn="ctr" fontAlgn="base" latinLnBrk="1">
+                        <a:lnSpc>
+                          <a:spcPct val="150000"/>
+                        </a:lnSpc>
+                        <a:spcBef>
+                          <a:spcPts val="0"/>
+                        </a:spcBef>
+                        <a:spcAft>
+                          <a:spcPts val="0"/>
+                        </a:spcAft>
+                      </a:pPr>
+                      <a:r>
+                        <a:rPr lang="en-US" altLang="ko-KR" sz="1200" b="1" kern="0" spc="0" dirty="0">
+                          <a:solidFill>
+                            <a:srgbClr val="000000"/>
+                          </a:solidFill>
+                          <a:effectLst/>
+                          <a:latin typeface="한양신명조"/>
+                        </a:rPr>
+                        <a:t>(</a:t>
+                      </a:r>
+                      <a:r>
+                        <a:rPr lang="ko-KR" altLang="en-US" sz="1200" b="1" kern="0" spc="0" dirty="0" err="1">
+                          <a:solidFill>
+                            <a:srgbClr val="000000"/>
+                          </a:solidFill>
+                          <a:effectLst/>
+                          <a:latin typeface="한양신명조"/>
+                        </a:rPr>
+                        <a:t>서채원</a:t>
+                      </a:r>
+                      <a:r>
+                        <a:rPr lang="en-US" altLang="ko-KR" sz="1200" b="1" kern="0" spc="0" dirty="0">
+                          <a:solidFill>
+                            <a:srgbClr val="000000"/>
+                          </a:solidFill>
+                          <a:effectLst/>
+                          <a:latin typeface="한양신명조"/>
+                        </a:rPr>
+                        <a:t>)</a:t>
+                      </a:r>
+                      <a:endParaRPr lang="ko-KR" altLang="en-US" sz="1200" b="1" kern="0" spc="0" dirty="0">
+                        <a:solidFill>
+                          <a:srgbClr val="000000"/>
+                        </a:solidFill>
+                        <a:effectLst/>
+                        <a:latin typeface="한양신명조"/>
+                      </a:endParaRPr>
+                    </a:p>
+                  </a:txBody>
+                  <a:tcPr marL="17907" marR="17907" marT="17907" marB="17907" anchor="ctr">
+                    <a:lnL w="12700" cap="flat" cmpd="sng" algn="ctr">
+                      <a:solidFill>
+                        <a:schemeClr val="tx1"/>
+                      </a:solidFill>
+                      <a:prstDash val="solid"/>
+                      <a:round/>
+                      <a:headEnd type="none" w="med" len="med"/>
+                      <a:tailEnd type="none" w="med" len="med"/>
+                    </a:lnL>
+                    <a:lnR w="12700" cap="flat" cmpd="sng" algn="ctr">
+                      <a:solidFill>
+                        <a:schemeClr val="tx1"/>
+                      </a:solidFill>
+                      <a:prstDash val="solid"/>
+                      <a:round/>
+                      <a:headEnd type="none" w="med" len="med"/>
+                      <a:tailEnd type="none" w="med" len="med"/>
+                    </a:lnR>
+                    <a:lnT w="12700" cap="flat" cmpd="sng" algn="ctr">
+                      <a:solidFill>
+                        <a:schemeClr val="tx1"/>
+                      </a:solidFill>
+                      <a:prstDash val="solid"/>
+                      <a:round/>
+                      <a:headEnd type="none" w="med" len="med"/>
+                      <a:tailEnd type="none" w="med" len="med"/>
+                    </a:lnT>
+                    <a:lnB w="12700" cap="flat" cmpd="sng" algn="ctr">
+                      <a:solidFill>
+                        <a:schemeClr val="tx1"/>
+                      </a:solidFill>
+                      <a:prstDash val="solid"/>
+                      <a:round/>
+                      <a:headEnd type="none" w="med" len="med"/>
+                      <a:tailEnd type="none" w="med" len="med"/>
+                    </a:lnB>
+                    <a:solidFill>
+                      <a:schemeClr val="accent4">
+                        <a:lumMod val="20000"/>
+                        <a:lumOff val="80000"/>
+                      </a:schemeClr>
+                    </a:solidFill>
+                  </a:tcPr>
+                </a:tc>
+                <a:tc>
+                  <a:txBody>
+                    <a:bodyPr/>
+                    <a:lstStyle/>
+                    <a:p>
+                      <a:pPr marL="0" marR="0" indent="0" algn="just" fontAlgn="base" latinLnBrk="1">
+                        <a:lnSpc>
+                          <a:spcPct val="150000"/>
+                        </a:lnSpc>
+                        <a:spcBef>
+                          <a:spcPts val="0"/>
+                        </a:spcBef>
+                        <a:spcAft>
+                          <a:spcPts val="0"/>
+                        </a:spcAft>
+                      </a:pPr>
+                      <a:r>
+                        <a:rPr lang="en-US" altLang="ko-KR" sz="1400" kern="0" spc="0" dirty="0">
+                          <a:solidFill>
+                            <a:srgbClr val="000000"/>
+                          </a:solidFill>
+                          <a:effectLst/>
+                          <a:latin typeface="한양신명조"/>
+                        </a:rPr>
+                        <a:t>1.</a:t>
+                      </a:r>
+                      <a:r>
+                        <a:rPr lang="ko-KR" altLang="en-US" sz="1400" kern="0" spc="0" dirty="0">
+                          <a:solidFill>
+                            <a:srgbClr val="000000"/>
+                          </a:solidFill>
+                          <a:effectLst/>
+                          <a:latin typeface="한양신명조"/>
+                        </a:rPr>
+                        <a:t> 물의 표현이 빈약함</a:t>
+                      </a:r>
+                      <a:endParaRPr lang="en-US" altLang="ko-KR" sz="1400" kern="0" spc="0" dirty="0">
+                        <a:solidFill>
+                          <a:srgbClr val="000000"/>
+                        </a:solidFill>
+                        <a:effectLst/>
+                        <a:latin typeface="한양신명조"/>
+                      </a:endParaRPr>
+                    </a:p>
+                    <a:p>
+                      <a:pPr marL="0" marR="0" indent="0" algn="just" fontAlgn="base" latinLnBrk="1">
+                        <a:lnSpc>
+                          <a:spcPct val="150000"/>
+                        </a:lnSpc>
+                        <a:spcBef>
+                          <a:spcPts val="0"/>
+                        </a:spcBef>
+                        <a:spcAft>
+                          <a:spcPts val="0"/>
+                        </a:spcAft>
+                      </a:pPr>
+                      <a:r>
+                        <a:rPr lang="en-US" altLang="ko-KR" sz="1400" kern="0" spc="0" dirty="0">
+                          <a:solidFill>
+                            <a:srgbClr val="000000"/>
+                          </a:solidFill>
+                          <a:effectLst/>
+                          <a:latin typeface="한양신명조"/>
+                        </a:rPr>
+                        <a:t>2. </a:t>
+                      </a:r>
+                      <a:r>
+                        <a:rPr lang="ko-KR" altLang="en-US" sz="1400" kern="0" spc="0" dirty="0">
+                          <a:solidFill>
+                            <a:srgbClr val="000000"/>
+                          </a:solidFill>
+                          <a:effectLst/>
+                          <a:latin typeface="한양신명조"/>
+                        </a:rPr>
+                        <a:t>어색한 충돌처리</a:t>
+                      </a:r>
+                    </a:p>
+                  </a:txBody>
+                  <a:tcPr marL="17907" marR="17907" marT="17907" marB="17907" anchor="ctr">
+                    <a:lnL w="12700" cap="flat" cmpd="sng" algn="ctr">
+                      <a:solidFill>
+                        <a:schemeClr val="tx1"/>
+                      </a:solidFill>
+                      <a:prstDash val="solid"/>
+                      <a:round/>
+                      <a:headEnd type="none" w="med" len="med"/>
+                      <a:tailEnd type="none" w="med" len="med"/>
+                    </a:lnL>
+                    <a:lnR w="12700" cap="flat" cmpd="sng" algn="ctr">
+                      <a:solidFill>
+                        <a:schemeClr val="tx1"/>
+                      </a:solidFill>
+                      <a:prstDash val="solid"/>
+                      <a:round/>
+                      <a:headEnd type="none" w="med" len="med"/>
+                      <a:tailEnd type="none" w="med" len="med"/>
+                    </a:lnR>
+                    <a:lnT w="12700" cap="flat" cmpd="sng" algn="ctr">
+                      <a:solidFill>
+                        <a:schemeClr val="tx1"/>
+                      </a:solidFill>
+                      <a:prstDash val="solid"/>
+                      <a:round/>
+                      <a:headEnd type="none" w="med" len="med"/>
+                      <a:tailEnd type="none" w="med" len="med"/>
+                    </a:lnT>
+                    <a:lnB w="12700" cap="flat" cmpd="sng" algn="ctr">
+                      <a:solidFill>
+                        <a:schemeClr val="tx1"/>
+                      </a:solidFill>
+                      <a:prstDash val="solid"/>
+                      <a:round/>
+                      <a:headEnd type="none" w="med" len="med"/>
+                      <a:tailEnd type="none" w="med" len="med"/>
+                    </a:lnB>
+                    <a:solidFill>
+                      <a:schemeClr val="accent4">
+                        <a:lumMod val="20000"/>
+                        <a:lumOff val="80000"/>
+                      </a:schemeClr>
+                    </a:solidFill>
+                  </a:tcPr>
+                </a:tc>
+                <a:tc>
+                  <a:txBody>
+                    <a:bodyPr/>
+                    <a:lstStyle/>
+                    <a:p>
+                      <a:pPr marL="0" marR="0" indent="0" algn="just" fontAlgn="base" latinLnBrk="1">
+                        <a:lnSpc>
+                          <a:spcPct val="150000"/>
+                        </a:lnSpc>
+                        <a:spcBef>
+                          <a:spcPts val="0"/>
+                        </a:spcBef>
+                        <a:spcAft>
+                          <a:spcPts val="0"/>
+                        </a:spcAft>
+                      </a:pPr>
+                      <a:r>
+                        <a:rPr lang="en-US" altLang="ko-KR" sz="1400" kern="0" spc="0" dirty="0">
+                          <a:solidFill>
+                            <a:srgbClr val="000000"/>
+                          </a:solidFill>
+                          <a:effectLst/>
+                          <a:latin typeface="한양신명조"/>
+                        </a:rPr>
+                        <a:t>`</a:t>
+                      </a:r>
+                      <a:endParaRPr lang="ko-KR" altLang="en-US" sz="1400" kern="0" spc="0" dirty="0">
+                        <a:solidFill>
+                          <a:srgbClr val="000000"/>
+                        </a:solidFill>
+                        <a:effectLst/>
+                        <a:latin typeface="한양신명조"/>
+                      </a:endParaRPr>
+                    </a:p>
+                  </a:txBody>
+                  <a:tcPr marL="17907" marR="17907" marT="17907" marB="17907" anchor="ctr">
+                    <a:lnL w="12700" cap="flat" cmpd="sng" algn="ctr">
+                      <a:solidFill>
+                        <a:schemeClr val="tx1"/>
+                      </a:solidFill>
+                      <a:prstDash val="solid"/>
+                      <a:round/>
+                      <a:headEnd type="none" w="med" len="med"/>
+                      <a:tailEnd type="none" w="med" len="med"/>
+                    </a:lnL>
+                    <a:lnR w="12700" cap="flat" cmpd="sng" algn="ctr">
+                      <a:solidFill>
+                        <a:schemeClr val="tx1"/>
+                      </a:solidFill>
+                      <a:prstDash val="solid"/>
+                      <a:round/>
+                      <a:headEnd type="none" w="med" len="med"/>
+                      <a:tailEnd type="none" w="med" len="med"/>
+                    </a:lnR>
+                    <a:lnT w="12700" cap="flat" cmpd="sng" algn="ctr">
+                      <a:solidFill>
+                        <a:schemeClr val="tx1"/>
+                      </a:solidFill>
+                      <a:prstDash val="solid"/>
+                      <a:round/>
+                      <a:headEnd type="none" w="med" len="med"/>
+                      <a:tailEnd type="none" w="med" len="med"/>
+                    </a:lnT>
+                    <a:lnB w="12700" cap="flat" cmpd="sng" algn="ctr">
+                      <a:solidFill>
+                        <a:schemeClr val="tx1"/>
+                      </a:solidFill>
+                      <a:prstDash val="solid"/>
+                      <a:round/>
+                      <a:headEnd type="none" w="med" len="med"/>
+                      <a:tailEnd type="none" w="med" len="med"/>
+                    </a:lnB>
+                    <a:solidFill>
+                      <a:schemeClr val="accent4">
+                        <a:lumMod val="20000"/>
+                        <a:lumOff val="80000"/>
+                      </a:schemeClr>
+                    </a:solidFill>
+                  </a:tcPr>
+                </a:tc>
+                <a:extLst>
+                  <a:ext uri="{0D108BD9-81ED-4DB2-BD59-A6C34878D82A}">
+                    <a16:rowId xmlns:a16="http://schemas.microsoft.com/office/drawing/2014/main" val="1168806803"/>
+                  </a:ext>
+                </a:extLst>
+              </a:tr>
+              <a:tr h="1276960">
+                <a:tc>
+                  <a:txBody>
+                    <a:bodyPr/>
+                    <a:lstStyle/>
+                    <a:p>
+                      <a:pPr marL="0" marR="0" indent="0" algn="ctr" fontAlgn="base" latinLnBrk="1">
+                        <a:lnSpc>
+                          <a:spcPct val="150000"/>
+                        </a:lnSpc>
+                        <a:spcBef>
+                          <a:spcPts val="0"/>
+                        </a:spcBef>
+                        <a:spcAft>
+                          <a:spcPts val="0"/>
+                        </a:spcAft>
+                      </a:pPr>
+                      <a:r>
+                        <a:rPr lang="ko-KR" altLang="en-US" sz="1200" b="1" kern="0" spc="0" dirty="0">
+                          <a:solidFill>
+                            <a:srgbClr val="000000"/>
+                          </a:solidFill>
+                          <a:effectLst/>
+                          <a:latin typeface="한양신명조"/>
+                        </a:rPr>
+                        <a:t>서버</a:t>
+                      </a:r>
+                      <a:endParaRPr lang="en-US" altLang="ko-KR" sz="1200" b="1" kern="0" spc="0" dirty="0">
+                        <a:solidFill>
+                          <a:srgbClr val="000000"/>
+                        </a:solidFill>
+                        <a:effectLst/>
+                        <a:latin typeface="한양신명조"/>
+                      </a:endParaRPr>
+                    </a:p>
+                    <a:p>
+                      <a:pPr marL="0" marR="0" indent="0" algn="ctr" fontAlgn="base" latinLnBrk="1">
+                        <a:lnSpc>
+                          <a:spcPct val="150000"/>
+                        </a:lnSpc>
+                        <a:spcBef>
+                          <a:spcPts val="0"/>
+                        </a:spcBef>
+                        <a:spcAft>
+                          <a:spcPts val="0"/>
+                        </a:spcAft>
+                      </a:pPr>
+                      <a:r>
+                        <a:rPr lang="en-US" altLang="ko-KR" sz="1200" b="1" kern="0" spc="0" dirty="0">
+                          <a:solidFill>
+                            <a:srgbClr val="000000"/>
+                          </a:solidFill>
+                          <a:effectLst/>
+                          <a:latin typeface="한양신명조"/>
+                        </a:rPr>
+                        <a:t>(</a:t>
+                      </a:r>
+                      <a:r>
+                        <a:rPr lang="ko-KR" altLang="en-US" sz="1200" b="1" kern="0" spc="0" dirty="0" err="1">
+                          <a:solidFill>
+                            <a:srgbClr val="000000"/>
+                          </a:solidFill>
+                          <a:effectLst/>
+                          <a:latin typeface="한양신명조"/>
+                        </a:rPr>
+                        <a:t>손채영</a:t>
+                      </a:r>
+                      <a:r>
+                        <a:rPr lang="en-US" altLang="ko-KR" sz="1200" b="1" kern="0" spc="0" dirty="0">
+                          <a:solidFill>
+                            <a:srgbClr val="000000"/>
+                          </a:solidFill>
+                          <a:effectLst/>
+                          <a:latin typeface="한양신명조"/>
+                        </a:rPr>
+                        <a:t>)</a:t>
+                      </a:r>
+                      <a:endParaRPr lang="ko-KR" altLang="en-US" sz="1200" b="1" kern="0" spc="0" dirty="0">
+                        <a:solidFill>
+                          <a:srgbClr val="000000"/>
+                        </a:solidFill>
+                        <a:effectLst/>
+                        <a:latin typeface="한양신명조"/>
+                      </a:endParaRPr>
+                    </a:p>
+                  </a:txBody>
+                  <a:tcPr marL="17907" marR="17907" marT="17907" marB="17907" anchor="ctr">
+                    <a:lnL w="12700" cap="flat" cmpd="sng" algn="ctr">
+                      <a:solidFill>
+                        <a:schemeClr val="tx1"/>
+                      </a:solidFill>
+                      <a:prstDash val="solid"/>
+                      <a:round/>
+                      <a:headEnd type="none" w="med" len="med"/>
+                      <a:tailEnd type="none" w="med" len="med"/>
+                    </a:lnL>
+                    <a:lnR w="12700" cap="flat" cmpd="sng" algn="ctr">
+                      <a:solidFill>
+                        <a:schemeClr val="tx1"/>
+                      </a:solidFill>
+                      <a:prstDash val="solid"/>
+                      <a:round/>
+                      <a:headEnd type="none" w="med" len="med"/>
+                      <a:tailEnd type="none" w="med" len="med"/>
+                    </a:lnR>
+                    <a:lnT w="12700" cap="flat" cmpd="sng" algn="ctr">
+                      <a:solidFill>
+                        <a:schemeClr val="tx1"/>
+                      </a:solidFill>
+                      <a:prstDash val="solid"/>
+                      <a:round/>
+                      <a:headEnd type="none" w="med" len="med"/>
+                      <a:tailEnd type="none" w="med" len="med"/>
+                    </a:lnT>
+                    <a:lnB w="12700" cap="flat" cmpd="sng" algn="ctr">
+                      <a:solidFill>
+                        <a:schemeClr val="tx1"/>
+                      </a:solidFill>
+                      <a:prstDash val="solid"/>
+                      <a:round/>
+                      <a:headEnd type="none" w="med" len="med"/>
+                      <a:tailEnd type="none" w="med" len="med"/>
+                    </a:lnB>
+                    <a:solidFill>
+                      <a:schemeClr val="accent4">
+                        <a:lumMod val="20000"/>
+                        <a:lumOff val="80000"/>
+                      </a:schemeClr>
+                    </a:solidFill>
+                  </a:tcPr>
+                </a:tc>
+                <a:tc>
+                  <a:txBody>
+                    <a:bodyPr/>
+                    <a:lstStyle/>
+                    <a:p>
+                      <a:pPr marL="0" marR="0" indent="0" algn="just" fontAlgn="base" latinLnBrk="1">
+                        <a:lnSpc>
+                          <a:spcPct val="150000"/>
+                        </a:lnSpc>
+                        <a:spcBef>
+                          <a:spcPts val="0"/>
+                        </a:spcBef>
+                        <a:spcAft>
+                          <a:spcPts val="0"/>
+                        </a:spcAft>
+                      </a:pPr>
+                      <a:endParaRPr lang="ko-KR" altLang="en-US" sz="1400" kern="0" spc="0" dirty="0">
+                        <a:solidFill>
+                          <a:srgbClr val="000000"/>
+                        </a:solidFill>
+                        <a:effectLst/>
+                        <a:latin typeface="한양신명조"/>
+                      </a:endParaRPr>
+                    </a:p>
+                  </a:txBody>
+                  <a:tcPr marL="17907" marR="17907" marT="17907" marB="17907" anchor="ctr">
+                    <a:lnL w="12700" cap="flat" cmpd="sng" algn="ctr">
+                      <a:solidFill>
+                        <a:schemeClr val="tx1"/>
+                      </a:solidFill>
+                      <a:prstDash val="solid"/>
+                      <a:round/>
+                      <a:headEnd type="none" w="med" len="med"/>
+                      <a:tailEnd type="none" w="med" len="med"/>
+                    </a:lnL>
+                    <a:lnR w="12700" cap="flat" cmpd="sng" algn="ctr">
+                      <a:solidFill>
+                        <a:schemeClr val="tx1"/>
+                      </a:solidFill>
+                      <a:prstDash val="solid"/>
+                      <a:round/>
+                      <a:headEnd type="none" w="med" len="med"/>
+                      <a:tailEnd type="none" w="med" len="med"/>
+                    </a:lnR>
+                    <a:lnT w="12700" cap="flat" cmpd="sng" algn="ctr">
+                      <a:solidFill>
+                        <a:schemeClr val="tx1"/>
+                      </a:solidFill>
+                      <a:prstDash val="solid"/>
+                      <a:round/>
+                      <a:headEnd type="none" w="med" len="med"/>
+                      <a:tailEnd type="none" w="med" len="med"/>
+                    </a:lnT>
+                    <a:lnB w="12700" cap="flat" cmpd="sng" algn="ctr">
+                      <a:solidFill>
+                        <a:schemeClr val="tx1"/>
+                      </a:solidFill>
+                      <a:prstDash val="solid"/>
+                      <a:round/>
+                      <a:headEnd type="none" w="med" len="med"/>
+                      <a:tailEnd type="none" w="med" len="med"/>
+                    </a:lnB>
+                    <a:solidFill>
+                      <a:schemeClr val="accent4">
+                        <a:lumMod val="20000"/>
+                        <a:lumOff val="80000"/>
+                      </a:schemeClr>
+                    </a:solidFill>
+                  </a:tcPr>
+                </a:tc>
+                <a:tc>
+                  <a:txBody>
+                    <a:bodyPr/>
+                    <a:lstStyle/>
+                    <a:p>
+                      <a:pPr marL="0" marR="0" indent="0" algn="just" fontAlgn="base" latinLnBrk="1">
+                        <a:lnSpc>
+                          <a:spcPct val="150000"/>
+                        </a:lnSpc>
+                        <a:spcBef>
+                          <a:spcPts val="0"/>
+                        </a:spcBef>
+                        <a:spcAft>
+                          <a:spcPts val="0"/>
+                        </a:spcAft>
+                      </a:pPr>
+                      <a:endParaRPr lang="ko-KR" altLang="en-US" sz="1400" kern="0" spc="0" dirty="0">
+                        <a:solidFill>
+                          <a:srgbClr val="000000"/>
+                        </a:solidFill>
+                        <a:effectLst/>
+                        <a:latin typeface="한양신명조"/>
+                      </a:endParaRPr>
+                    </a:p>
+                  </a:txBody>
+                  <a:tcPr marL="17907" marR="17907" marT="17907" marB="17907" anchor="ctr">
+                    <a:lnL w="12700" cap="flat" cmpd="sng" algn="ctr">
+                      <a:solidFill>
+                        <a:schemeClr val="tx1"/>
+                      </a:solidFill>
+                      <a:prstDash val="solid"/>
+                      <a:round/>
+                      <a:headEnd type="none" w="med" len="med"/>
+                      <a:tailEnd type="none" w="med" len="med"/>
+                    </a:lnL>
+                    <a:lnR w="12700" cap="flat" cmpd="sng" algn="ctr">
+                      <a:solidFill>
+                        <a:schemeClr val="tx1"/>
+                      </a:solidFill>
+                      <a:prstDash val="solid"/>
+                      <a:round/>
+                      <a:headEnd type="none" w="med" len="med"/>
+                      <a:tailEnd type="none" w="med" len="med"/>
+                    </a:lnR>
+                    <a:lnT w="12700" cap="flat" cmpd="sng" algn="ctr">
+                      <a:solidFill>
+                        <a:schemeClr val="tx1"/>
+                      </a:solidFill>
+                      <a:prstDash val="solid"/>
+                      <a:round/>
+                      <a:headEnd type="none" w="med" len="med"/>
+                      <a:tailEnd type="none" w="med" len="med"/>
+                    </a:lnT>
+                    <a:lnB w="12700" cap="flat" cmpd="sng" algn="ctr">
+                      <a:solidFill>
+                        <a:schemeClr val="tx1"/>
+                      </a:solidFill>
+                      <a:prstDash val="solid"/>
+                      <a:round/>
+                      <a:headEnd type="none" w="med" len="med"/>
+                      <a:tailEnd type="none" w="med" len="med"/>
+                    </a:lnB>
+                    <a:lnTlToBr w="12700" cmpd="sng">
+                      <a:noFill/>
+                      <a:prstDash val="solid"/>
+                    </a:lnTlToBr>
+                    <a:lnBlToTr w="12700" cmpd="sng">
+                      <a:noFill/>
+                      <a:prstDash val="solid"/>
+                    </a:lnBlToTr>
+                    <a:solidFill>
+                      <a:schemeClr val="accent4">
+                        <a:lumMod val="20000"/>
+                        <a:lumOff val="80000"/>
+                      </a:schemeClr>
+                    </a:solidFill>
+                  </a:tcPr>
+                </a:tc>
+                <a:extLst>
+                  <a:ext uri="{0D108BD9-81ED-4DB2-BD59-A6C34878D82A}">
+                    <a16:rowId xmlns:a16="http://schemas.microsoft.com/office/drawing/2014/main" val="1047782405"/>
+                  </a:ext>
+                </a:extLst>
+              </a:tr>
+              <a:tr h="1129395">
+                <a:tc>
+                  <a:txBody>
+                    <a:bodyPr/>
+                    <a:lstStyle/>
+                    <a:p>
+                      <a:pPr marL="0" marR="0" indent="0" algn="ctr" fontAlgn="base" latinLnBrk="1">
+                        <a:lnSpc>
+                          <a:spcPct val="150000"/>
+                        </a:lnSpc>
+                        <a:spcBef>
+                          <a:spcPts val="0"/>
+                        </a:spcBef>
+                        <a:spcAft>
+                          <a:spcPts val="0"/>
+                        </a:spcAft>
+                      </a:pPr>
+                      <a:r>
+                        <a:rPr lang="ko-KR" altLang="en-US" sz="1200" b="1" kern="0" spc="0" dirty="0">
+                          <a:solidFill>
+                            <a:srgbClr val="000000"/>
+                          </a:solidFill>
+                          <a:effectLst/>
+                          <a:latin typeface="한양신명조"/>
+                        </a:rPr>
+                        <a:t>그래픽</a:t>
+                      </a:r>
+                      <a:endParaRPr lang="en-US" altLang="ko-KR" sz="1200" b="1" kern="0" spc="0" dirty="0">
+                        <a:solidFill>
+                          <a:srgbClr val="000000"/>
+                        </a:solidFill>
+                        <a:effectLst/>
+                        <a:latin typeface="한양신명조"/>
+                      </a:endParaRPr>
+                    </a:p>
+                    <a:p>
+                      <a:pPr marL="0" marR="0" indent="0" algn="ctr" fontAlgn="base" latinLnBrk="1">
+                        <a:lnSpc>
+                          <a:spcPct val="150000"/>
+                        </a:lnSpc>
+                        <a:spcBef>
+                          <a:spcPts val="0"/>
+                        </a:spcBef>
+                        <a:spcAft>
+                          <a:spcPts val="0"/>
+                        </a:spcAft>
+                      </a:pPr>
+                      <a:r>
+                        <a:rPr lang="en-US" altLang="ko-KR" sz="1200" b="1" kern="0" spc="0" dirty="0">
+                          <a:solidFill>
+                            <a:srgbClr val="000000"/>
+                          </a:solidFill>
+                          <a:effectLst/>
+                          <a:latin typeface="한양신명조"/>
+                        </a:rPr>
+                        <a:t>(</a:t>
+                      </a:r>
+                      <a:r>
+                        <a:rPr lang="ko-KR" altLang="en-US" sz="1200" b="1" kern="0" spc="0" dirty="0" err="1">
+                          <a:solidFill>
+                            <a:srgbClr val="000000"/>
+                          </a:solidFill>
+                          <a:effectLst/>
+                          <a:latin typeface="한양신명조"/>
+                        </a:rPr>
+                        <a:t>지은혜</a:t>
+                      </a:r>
+                      <a:r>
+                        <a:rPr lang="en-US" altLang="ko-KR" sz="1200" b="1" kern="0" spc="0" dirty="0">
+                          <a:solidFill>
+                            <a:srgbClr val="000000"/>
+                          </a:solidFill>
+                          <a:effectLst/>
+                          <a:latin typeface="한양신명조"/>
+                        </a:rPr>
+                        <a:t>)</a:t>
+                      </a:r>
+                      <a:endParaRPr lang="ko-KR" altLang="en-US" sz="1200" b="1" kern="0" spc="0" dirty="0">
+                        <a:solidFill>
+                          <a:srgbClr val="000000"/>
+                        </a:solidFill>
+                        <a:effectLst/>
+                        <a:latin typeface="한양신명조"/>
+                      </a:endParaRPr>
+                    </a:p>
+                  </a:txBody>
+                  <a:tcPr marL="17907" marR="17907" marT="17907" marB="17907" anchor="ctr">
+                    <a:lnL w="12700" cap="flat" cmpd="sng" algn="ctr">
+                      <a:solidFill>
+                        <a:schemeClr val="tx1"/>
+                      </a:solidFill>
+                      <a:prstDash val="solid"/>
+                      <a:round/>
+                      <a:headEnd type="none" w="med" len="med"/>
+                      <a:tailEnd type="none" w="med" len="med"/>
+                    </a:lnL>
+                    <a:lnR w="12700" cap="flat" cmpd="sng" algn="ctr">
+                      <a:solidFill>
+                        <a:schemeClr val="tx1"/>
+                      </a:solidFill>
+                      <a:prstDash val="solid"/>
+                      <a:round/>
+                      <a:headEnd type="none" w="med" len="med"/>
+                      <a:tailEnd type="none" w="med" len="med"/>
+                    </a:lnR>
+                    <a:lnT w="12700" cap="flat" cmpd="sng" algn="ctr">
+                      <a:solidFill>
+                        <a:schemeClr val="tx1"/>
+                      </a:solidFill>
+                      <a:prstDash val="solid"/>
+                      <a:round/>
+                      <a:headEnd type="none" w="med" len="med"/>
+                      <a:tailEnd type="none" w="med" len="med"/>
+                    </a:lnT>
+                    <a:lnB w="12700" cap="flat" cmpd="sng" algn="ctr">
+                      <a:solidFill>
+                        <a:schemeClr val="tx1"/>
+                      </a:solidFill>
+                      <a:prstDash val="solid"/>
+                      <a:round/>
+                      <a:headEnd type="none" w="med" len="med"/>
+                      <a:tailEnd type="none" w="med" len="med"/>
+                    </a:lnB>
+                    <a:solidFill>
+                      <a:schemeClr val="accent4">
+                        <a:lumMod val="20000"/>
+                        <a:lumOff val="80000"/>
+                      </a:schemeClr>
+                    </a:solidFill>
+                  </a:tcPr>
+                </a:tc>
+                <a:tc>
+                  <a:txBody>
+                    <a:bodyPr/>
+                    <a:lstStyle/>
+                    <a:p>
+                      <a:pPr marL="0" marR="0" indent="0" algn="just" fontAlgn="base" latinLnBrk="1">
+                        <a:lnSpc>
+                          <a:spcPct val="150000"/>
+                        </a:lnSpc>
+                        <a:spcBef>
+                          <a:spcPts val="0"/>
+                        </a:spcBef>
+                        <a:spcAft>
+                          <a:spcPts val="0"/>
+                        </a:spcAft>
+                        <a:buNone/>
+                      </a:pPr>
+                      <a:r>
+                        <a:rPr lang="ko-KR" altLang="en-US" sz="1400" kern="0" spc="0" dirty="0">
+                          <a:solidFill>
+                            <a:srgbClr val="000000"/>
+                          </a:solidFill>
+                          <a:effectLst/>
+                          <a:latin typeface="한양신명조"/>
+                        </a:rPr>
+                        <a:t>오리 왼쪽 팔</a:t>
+                      </a:r>
+                      <a:r>
+                        <a:rPr lang="en-US" altLang="ko-KR" sz="1400" kern="0" spc="0" dirty="0">
+                          <a:solidFill>
+                            <a:srgbClr val="000000"/>
+                          </a:solidFill>
+                          <a:effectLst/>
+                          <a:latin typeface="한양신명조"/>
+                        </a:rPr>
+                        <a:t>, </a:t>
+                      </a:r>
+                      <a:r>
+                        <a:rPr lang="ko-KR" altLang="en-US" sz="1400" kern="0" spc="0" dirty="0">
+                          <a:solidFill>
+                            <a:srgbClr val="000000"/>
+                          </a:solidFill>
+                          <a:effectLst/>
+                          <a:latin typeface="한양신명조"/>
+                        </a:rPr>
+                        <a:t>다리 애니메이션 클라이언트에서 적용 오류</a:t>
+                      </a:r>
+                      <a:endParaRPr lang="en-US" altLang="ko-KR" sz="1400" kern="0" spc="0" dirty="0">
+                        <a:solidFill>
+                          <a:srgbClr val="000000"/>
+                        </a:solidFill>
+                        <a:effectLst/>
+                        <a:latin typeface="한양신명조"/>
+                      </a:endParaRPr>
+                    </a:p>
+                  </a:txBody>
+                  <a:tcPr marL="17907" marR="17907" marT="17907" marB="17907" anchor="ctr">
+                    <a:lnL w="12700" cap="flat" cmpd="sng" algn="ctr">
+                      <a:solidFill>
+                        <a:schemeClr val="tx1"/>
+                      </a:solidFill>
+                      <a:prstDash val="solid"/>
+                      <a:round/>
+                      <a:headEnd type="none" w="med" len="med"/>
+                      <a:tailEnd type="none" w="med" len="med"/>
+                    </a:lnL>
+                    <a:lnR w="12700" cap="flat" cmpd="sng" algn="ctr">
+                      <a:solidFill>
+                        <a:schemeClr val="tx1"/>
+                      </a:solidFill>
+                      <a:prstDash val="solid"/>
+                      <a:round/>
+                      <a:headEnd type="none" w="med" len="med"/>
+                      <a:tailEnd type="none" w="med" len="med"/>
+                    </a:lnR>
+                    <a:lnT w="12700" cap="flat" cmpd="sng" algn="ctr">
+                      <a:solidFill>
+                        <a:schemeClr val="tx1"/>
+                      </a:solidFill>
+                      <a:prstDash val="solid"/>
+                      <a:round/>
+                      <a:headEnd type="none" w="med" len="med"/>
+                      <a:tailEnd type="none" w="med" len="med"/>
+                    </a:lnT>
+                    <a:lnB w="12700" cap="flat" cmpd="sng" algn="ctr">
+                      <a:solidFill>
+                        <a:schemeClr val="tx1"/>
+                      </a:solidFill>
+                      <a:prstDash val="solid"/>
+                      <a:round/>
+                      <a:headEnd type="none" w="med" len="med"/>
+                      <a:tailEnd type="none" w="med" len="med"/>
+                    </a:lnB>
+                    <a:solidFill>
+                      <a:schemeClr val="accent4">
+                        <a:lumMod val="20000"/>
+                        <a:lumOff val="80000"/>
+                      </a:schemeClr>
+                    </a:solidFill>
+                  </a:tcPr>
+                </a:tc>
+                <a:tc>
+                  <a:txBody>
+                    <a:bodyPr/>
+                    <a:lstStyle/>
+                    <a:p>
+                      <a:pPr marL="0" marR="0" indent="0" algn="just" fontAlgn="base" latinLnBrk="1">
+                        <a:lnSpc>
+                          <a:spcPct val="150000"/>
+                        </a:lnSpc>
+                        <a:spcBef>
+                          <a:spcPts val="0"/>
+                        </a:spcBef>
+                        <a:spcAft>
+                          <a:spcPts val="0"/>
+                        </a:spcAft>
+                      </a:pPr>
+                      <a:r>
+                        <a:rPr lang="en-US" altLang="ko-KR" sz="1400" kern="0" spc="0" dirty="0">
+                          <a:solidFill>
+                            <a:srgbClr val="000000"/>
+                          </a:solidFill>
+                          <a:effectLst/>
+                          <a:latin typeface="한양신명조"/>
+                        </a:rPr>
+                        <a:t>bone</a:t>
+                      </a:r>
+                      <a:r>
+                        <a:rPr lang="ko-KR" altLang="en-US" sz="1400" kern="0" spc="0" dirty="0">
+                          <a:solidFill>
+                            <a:srgbClr val="000000"/>
+                          </a:solidFill>
+                          <a:effectLst/>
+                          <a:latin typeface="한양신명조"/>
+                        </a:rPr>
+                        <a:t>으로 만든 애니메이션을 </a:t>
+                      </a:r>
+                      <a:r>
+                        <a:rPr lang="en-US" altLang="ko-KR" sz="1400" kern="0" spc="0" dirty="0">
+                          <a:solidFill>
+                            <a:srgbClr val="000000"/>
+                          </a:solidFill>
+                          <a:effectLst/>
+                          <a:latin typeface="한양신명조"/>
+                        </a:rPr>
+                        <a:t>biped</a:t>
+                      </a:r>
+                      <a:r>
+                        <a:rPr lang="ko-KR" altLang="en-US" sz="1400" kern="0" spc="0" dirty="0">
+                          <a:solidFill>
+                            <a:srgbClr val="000000"/>
+                          </a:solidFill>
+                          <a:effectLst/>
+                          <a:latin typeface="한양신명조"/>
+                        </a:rPr>
+                        <a:t>로 다시 </a:t>
+                      </a:r>
+                      <a:r>
+                        <a:rPr lang="ko-KR" altLang="en-US" sz="1400" kern="0" spc="0" dirty="0" err="1">
+                          <a:solidFill>
+                            <a:srgbClr val="000000"/>
+                          </a:solidFill>
+                          <a:effectLst/>
+                          <a:latin typeface="한양신명조"/>
+                        </a:rPr>
+                        <a:t>리깅</a:t>
+                      </a:r>
+                      <a:endParaRPr lang="ko-KR" altLang="en-US" sz="1400" kern="0" spc="0" dirty="0">
+                        <a:solidFill>
+                          <a:srgbClr val="000000"/>
+                        </a:solidFill>
+                        <a:effectLst/>
+                        <a:latin typeface="한양신명조"/>
+                      </a:endParaRPr>
+                    </a:p>
+                  </a:txBody>
+                  <a:tcPr marL="17907" marR="17907" marT="17907" marB="17907" anchor="ctr">
+                    <a:lnL w="12700" cap="flat" cmpd="sng" algn="ctr">
+                      <a:solidFill>
+                        <a:schemeClr val="tx1"/>
+                      </a:solidFill>
+                      <a:prstDash val="solid"/>
+                      <a:round/>
+                      <a:headEnd type="none" w="med" len="med"/>
+                      <a:tailEnd type="none" w="med" len="med"/>
+                    </a:lnL>
+                    <a:lnR w="12700" cap="flat" cmpd="sng" algn="ctr">
+                      <a:solidFill>
+                        <a:schemeClr val="tx1"/>
+                      </a:solidFill>
+                      <a:prstDash val="solid"/>
+                      <a:round/>
+                      <a:headEnd type="none" w="med" len="med"/>
+                      <a:tailEnd type="none" w="med" len="med"/>
+                    </a:lnR>
+                    <a:lnT w="12700" cap="flat" cmpd="sng" algn="ctr">
+                      <a:solidFill>
+                        <a:schemeClr val="tx1"/>
+                      </a:solidFill>
+                      <a:prstDash val="solid"/>
+                      <a:round/>
+                      <a:headEnd type="none" w="med" len="med"/>
+                      <a:tailEnd type="none" w="med" len="med"/>
+                    </a:lnT>
+                    <a:lnB w="12700" cap="flat" cmpd="sng" algn="ctr">
+                      <a:solidFill>
+                        <a:schemeClr val="tx1"/>
+                      </a:solidFill>
+                      <a:prstDash val="solid"/>
+                      <a:round/>
+                      <a:headEnd type="none" w="med" len="med"/>
+                      <a:tailEnd type="none" w="med" len="med"/>
+                    </a:lnB>
+                    <a:lnTlToBr w="12700" cmpd="sng">
+                      <a:noFill/>
+                      <a:prstDash val="solid"/>
+                    </a:lnTlToBr>
+                    <a:lnBlToTr w="12700" cmpd="sng">
+                      <a:noFill/>
+                      <a:prstDash val="solid"/>
+                    </a:lnBlToTr>
+                    <a:solidFill>
+                      <a:schemeClr val="accent4">
+                        <a:lumMod val="20000"/>
+                        <a:lumOff val="80000"/>
+                      </a:schemeClr>
+                    </a:solidFill>
+                  </a:tcPr>
+                </a:tc>
+                <a:extLst>
+                  <a:ext uri="{0D108BD9-81ED-4DB2-BD59-A6C34878D82A}">
+                    <a16:rowId xmlns:a16="http://schemas.microsoft.com/office/drawing/2014/main" val="3888040237"/>
+                  </a:ext>
+                </a:extLst>
+              </a:tr>
+            </a:tbl>
+          </a:graphicData>
+        </a:graphic>
+      </p:graphicFrame>
+    </p:spTree>
+    <p:extLst>
+      <p:ext uri="{BB962C8B-B14F-4D97-AF65-F5344CB8AC3E}">
+        <p14:creationId xmlns:p14="http://schemas.microsoft.com/office/powerpoint/2010/main" val="3685124624"/>
+      </p:ext>
+    </p:extLst>
+  </p:cSld>
+  <p:clrMapOvr>
+    <a:masterClrMapping/>
+  </p:clrMapOvr>
+</p:sld>
+</file>
+
+<file path=ppt/slides/slide12.xml><?xml version="1.0" encoding="utf-8"?>
+<p:sld xmlns:a="http://schemas.openxmlformats.org/drawingml/2006/main" xmlns:r="http://schemas.openxmlformats.org/officeDocument/2006/relationships" xmlns:p="http://schemas.openxmlformats.org/presentationml/2006/main">
+  <p:cSld>
+    <p:spTree>
+      <p:nvGrpSpPr>
+        <p:cNvPr id="1" name=""/>
+        <p:cNvGrpSpPr/>
+        <p:nvPr/>
+      </p:nvGrpSpPr>
+      <p:grpSpPr>
+        <a:xfrm>
+          <a:off x="0" y="0"/>
+          <a:ext cx="0" cy="0"/>
+          <a:chOff x="0" y="0"/>
+          <a:chExt cx="0" cy="0"/>
+        </a:xfrm>
+      </p:grpSpPr>
+      <p:sp>
+        <p:nvSpPr>
+          <p:cNvPr id="16" name="직사각형 15"/>
+          <p:cNvSpPr/>
+          <p:nvPr/>
+        </p:nvSpPr>
+        <p:spPr>
+          <a:xfrm>
+            <a:off x="457200" y="1664758"/>
+            <a:ext cx="1998133" cy="177800"/>
+          </a:xfrm>
+          <a:prstGeom prst="rect">
+            <a:avLst/>
+          </a:prstGeom>
+          <a:ln>
+            <a:noFill/>
+          </a:ln>
+        </p:spPr>
+        <p:style>
+          <a:lnRef idx="2">
+            <a:schemeClr val="accent4">
+              <a:shade val="50000"/>
+            </a:schemeClr>
+          </a:lnRef>
+          <a:fillRef idx="1">
+            <a:schemeClr val="accent4"/>
+          </a:fillRef>
+          <a:effectRef idx="0">
+            <a:schemeClr val="accent4"/>
+          </a:effectRef>
+          <a:fontRef idx="minor">
+            <a:schemeClr val="lt1"/>
+          </a:fontRef>
+        </p:style>
+        <p:txBody>
+          <a:bodyPr rtlCol="0" anchor="ctr"/>
+          <a:lstStyle/>
+          <a:p>
+            <a:pPr algn="ctr"/>
+            <a:endParaRPr lang="ko-KR" altLang="en-US">
+              <a:latin typeface="나눔스퀘어OTF" panose="020B0600000101010101" pitchFamily="34" charset="-127"/>
+              <a:ea typeface="나눔스퀘어OTF" panose="020B0600000101010101" pitchFamily="34" charset="-127"/>
+            </a:endParaRPr>
+          </a:p>
+        </p:txBody>
+      </p:sp>
+      <p:cxnSp>
+        <p:nvCxnSpPr>
+          <p:cNvPr id="6" name="직선 연결선 5"/>
+          <p:cNvCxnSpPr/>
+          <p:nvPr/>
+        </p:nvCxnSpPr>
+        <p:spPr>
+          <a:xfrm>
+            <a:off x="0" y="541867"/>
+            <a:ext cx="9144000" cy="0"/>
+          </a:xfrm>
+          <a:prstGeom prst="line">
+            <a:avLst/>
+          </a:prstGeom>
+          <a:ln w="28575"/>
+        </p:spPr>
+        <p:style>
+          <a:lnRef idx="1">
+            <a:schemeClr val="accent4"/>
+          </a:lnRef>
+          <a:fillRef idx="0">
+            <a:schemeClr val="accent4"/>
+          </a:fillRef>
+          <a:effectRef idx="0">
+            <a:schemeClr val="accent4"/>
+          </a:effectRef>
+          <a:fontRef idx="minor">
+            <a:schemeClr val="tx1"/>
+          </a:fontRef>
+        </p:style>
+      </p:cxnSp>
+      <p:sp>
+        <p:nvSpPr>
+          <p:cNvPr id="10" name="제목 1"/>
+          <p:cNvSpPr>
+            <a:spLocks noGrp="1"/>
+          </p:cNvSpPr>
+          <p:nvPr>
+            <p:ph type="title"/>
+          </p:nvPr>
+        </p:nvSpPr>
+        <p:spPr>
+          <a:xfrm>
+            <a:off x="332317" y="1017060"/>
+            <a:ext cx="3520016" cy="261406"/>
+          </a:xfrm>
+        </p:spPr>
+        <p:txBody>
+          <a:bodyPr>
+            <a:noAutofit/>
+          </a:bodyPr>
+          <a:lstStyle/>
+          <a:p>
+            <a:r>
+              <a:rPr lang="en-US" altLang="ko-KR" sz="2000" b="1" dirty="0" err="1">
+                <a:solidFill>
+                  <a:schemeClr val="accent4"/>
+                </a:solidFill>
+                <a:latin typeface="나눔스퀘어OTF" panose="020B0600000101010101" pitchFamily="34" charset="-127"/>
+                <a:ea typeface="나눔스퀘어OTF" panose="020B0600000101010101" pitchFamily="34" charset="-127"/>
+              </a:rPr>
+              <a:t>DuckyDoggy</a:t>
+            </a:r>
+            <a:endParaRPr lang="ko-KR" altLang="en-US" sz="2000" b="1" dirty="0">
+              <a:solidFill>
+                <a:schemeClr val="accent4"/>
+              </a:solidFill>
+              <a:latin typeface="나눔스퀘어OTF" panose="020B0600000101010101" pitchFamily="34" charset="-127"/>
+              <a:ea typeface="나눔스퀘어OTF" panose="020B0600000101010101" pitchFamily="34" charset="-127"/>
+            </a:endParaRPr>
+          </a:p>
+        </p:txBody>
+      </p:sp>
+      <p:sp>
+        <p:nvSpPr>
+          <p:cNvPr id="12" name="TextBox 11"/>
+          <p:cNvSpPr txBox="1"/>
+          <p:nvPr/>
+        </p:nvSpPr>
+        <p:spPr>
+          <a:xfrm>
+            <a:off x="355601" y="1236134"/>
+            <a:ext cx="2607733" cy="338554"/>
+          </a:xfrm>
+          <a:prstGeom prst="rect">
+            <a:avLst/>
+          </a:prstGeom>
+          <a:noFill/>
+        </p:spPr>
+        <p:txBody>
+          <a:bodyPr wrap="square" rtlCol="0">
+            <a:spAutoFit/>
+          </a:bodyPr>
+          <a:lstStyle/>
+          <a:p>
+            <a:r>
+              <a:rPr lang="ko-KR" altLang="en-US" sz="1600" b="1" dirty="0">
+                <a:latin typeface="나눔스퀘어OTF" panose="020B0600000101010101" pitchFamily="34" charset="-127"/>
+                <a:ea typeface="나눔스퀘어OTF" panose="020B0600000101010101" pitchFamily="34" charset="-127"/>
+              </a:rPr>
               <a:t>개발 일정</a:t>
             </a:r>
           </a:p>
@@ -4278,7 +6958,7 @@
           <a:p>
             <a:fld id="{B7CFC4E1-F238-47FC-B4DE-E7BE9500A8B7}" type="slidenum">
               <a:rPr lang="ko-KR" altLang="en-US" smtClean="0"/>
-              <a:t>10</a:t>
+              <a:t>12</a:t>
             </a:fld>
             <a:endParaRPr lang="ko-KR" altLang="en-US"/>
           </a:p>
@@ -13237,7 +15917,7 @@
 </p:sld>
 </file>
 
-<file path=ppt/slides/slide11.xml><?xml version="1.0" encoding="utf-8"?>
+<file path=ppt/slides/slide13.xml><?xml version="1.0" encoding="utf-8"?>
 <p:sld xmlns:a="http://schemas.openxmlformats.org/drawingml/2006/main" xmlns:r="http://schemas.openxmlformats.org/officeDocument/2006/relationships" xmlns:p="http://schemas.openxmlformats.org/presentationml/2006/main">
   <p:cSld>
     <p:spTree>
@@ -24501,7 +27181,7 @@
           <a:p>
             <a:fld id="{B7CFC4E1-F238-47FC-B4DE-E7BE9500A8B7}" type="slidenum">
               <a:rPr lang="ko-KR" altLang="en-US" smtClean="0"/>
-              <a:t>11</a:t>
+              <a:t>13</a:t>
             </a:fld>
             <a:endParaRPr lang="ko-KR" altLang="en-US"/>
           </a:p>
@@ -24687,7 +27367,7 @@
 </p:sld>
 </file>
 
-<file path=ppt/slides/slide12.xml><?xml version="1.0" encoding="utf-8"?>
+<file path=ppt/slides/slide14.xml><?xml version="1.0" encoding="utf-8"?>
 <p:sld xmlns:a="http://schemas.openxmlformats.org/drawingml/2006/main" xmlns:r="http://schemas.openxmlformats.org/officeDocument/2006/relationships" xmlns:p="http://schemas.openxmlformats.org/presentationml/2006/main">
   <p:cSld>
     <p:spTree>
@@ -24982,7 +27662,7 @@
           <a:p>
             <a:fld id="{B7CFC4E1-F238-47FC-B4DE-E7BE9500A8B7}" type="slidenum">
               <a:rPr lang="ko-KR" altLang="en-US" smtClean="0"/>
-              <a:t>12</a:t>
+              <a:t>14</a:t>
             </a:fld>
             <a:endParaRPr lang="ko-KR" altLang="en-US"/>
           </a:p>
@@ -25118,28 +27798,28 @@
           <p:nvPr>
             <p:extLst>
               <p:ext uri="{D42A27DB-BD31-4B8C-83A1-F6EECF244321}">
-                <p14:modId xmlns:p14="http://schemas.microsoft.com/office/powerpoint/2010/main" val="1424718738"/>
+                <p14:modId xmlns:p14="http://schemas.microsoft.com/office/powerpoint/2010/main" val="557993450"/>
               </p:ext>
             </p:extLst>
           </p:nvPr>
         </p:nvGraphicFramePr>
         <p:xfrm>
-          <a:off x="609061" y="2095497"/>
-          <a:ext cx="7925877" cy="4220636"/>
+          <a:off x="609061" y="2059638"/>
+          <a:ext cx="7925877" cy="4396661"/>
         </p:xfrm>
         <a:graphic>
           <a:graphicData uri="http://schemas.openxmlformats.org/drawingml/2006/table">
             <a:tbl>
               <a:tblPr/>
               <a:tblGrid>
-                <a:gridCol w="1018572">
+                <a:gridCol w="1390068">
                   <a:extLst>
                     <a:ext uri="{9D8B030D-6E8A-4147-A177-3AD203B41FA5}">
                       <a16:colId xmlns:a16="http://schemas.microsoft.com/office/drawing/2014/main" val="2893285457"/>
                     </a:ext>
                   </a:extLst>
                 </a:gridCol>
-                <a:gridCol w="6907305">
+                <a:gridCol w="6535809">
                   <a:extLst>
                     <a:ext uri="{9D8B030D-6E8A-4147-A177-3AD203B41FA5}">
                       <a16:colId xmlns:a16="http://schemas.microsoft.com/office/drawing/2014/main" val="271003524"/>
@@ -25165,7 +27845,7 @@
                         </a:spcAft>
                       </a:pPr>
                       <a:r>
-                        <a:rPr lang="ko-KR" altLang="en-US" sz="1200" b="1" kern="0" spc="0" dirty="0">
+                        <a:rPr lang="ko-KR" altLang="en-US" sz="1400" b="1" kern="0" spc="0" dirty="0">
                           <a:solidFill>
                             <a:srgbClr val="000000"/>
                           </a:solidFill>
@@ -25174,7 +27854,7 @@
                         </a:rPr>
                         <a:t>클라이언트</a:t>
                       </a:r>
-                      <a:endParaRPr lang="en-US" altLang="ko-KR" sz="1200" b="1" kern="0" spc="0" dirty="0">
+                      <a:endParaRPr lang="en-US" altLang="ko-KR" sz="1400" b="1" kern="0" spc="0" dirty="0">
                         <a:solidFill>
                           <a:srgbClr val="000000"/>
                         </a:solidFill>
@@ -25195,7 +27875,7 @@
                         </a:spcAft>
                       </a:pPr>
                       <a:r>
-                        <a:rPr lang="en-US" altLang="ko-KR" sz="1200" b="1" kern="0" spc="0" dirty="0">
+                        <a:rPr lang="en-US" altLang="ko-KR" sz="1400" b="1" kern="0" spc="0" dirty="0">
                           <a:solidFill>
                             <a:srgbClr val="000000"/>
                           </a:solidFill>
@@ -25205,7 +27885,7 @@
                         <a:t>(</a:t>
                       </a:r>
                       <a:r>
-                        <a:rPr lang="ko-KR" altLang="en-US" sz="1200" b="1" kern="0" spc="0" dirty="0" err="1">
+                        <a:rPr lang="ko-KR" altLang="en-US" sz="1400" b="1" kern="0" spc="0" dirty="0" err="1">
                           <a:solidFill>
                             <a:srgbClr val="000000"/>
                           </a:solidFill>
@@ -25215,7 +27895,7 @@
                         <a:t>서채원</a:t>
                       </a:r>
                       <a:r>
-                        <a:rPr lang="en-US" altLang="ko-KR" sz="1200" b="1" kern="0" spc="0" dirty="0">
+                        <a:rPr lang="en-US" altLang="ko-KR" sz="1400" b="1" kern="0" spc="0" dirty="0">
                           <a:solidFill>
                             <a:srgbClr val="000000"/>
                           </a:solidFill>
@@ -25224,7 +27904,7 @@
                         </a:rPr>
                         <a:t>)</a:t>
                       </a:r>
-                      <a:endParaRPr lang="ko-KR" altLang="en-US" sz="1200" b="1" kern="0" spc="0" dirty="0">
+                      <a:endParaRPr lang="ko-KR" altLang="en-US" sz="1400" b="1" kern="0" spc="0" dirty="0">
                         <a:solidFill>
                           <a:srgbClr val="000000"/>
                         </a:solidFill>
@@ -25296,7 +27976,7 @@
                         <a:buAutoNum type="arabicPeriod"/>
                       </a:pPr>
                       <a:r>
-                        <a:rPr lang="ko-KR" altLang="en-US" sz="1400" kern="0" spc="0" dirty="0">
+                        <a:rPr lang="ko-KR" altLang="en-US" sz="1600" kern="0" spc="0" dirty="0">
                           <a:solidFill>
                             <a:srgbClr val="000000"/>
                           </a:solidFill>
@@ -25305,7 +27985,7 @@
                         </a:rPr>
                         <a:t>그림자 적용</a:t>
                       </a:r>
-                      <a:endParaRPr lang="en-US" altLang="ko-KR" sz="1400" kern="0" spc="0" dirty="0">
+                      <a:endParaRPr lang="en-US" altLang="ko-KR" sz="1600" kern="0" spc="0" dirty="0">
                         <a:solidFill>
                           <a:srgbClr val="000000"/>
                         </a:solidFill>
@@ -25327,7 +28007,7 @@
                         <a:buAutoNum type="arabicPeriod"/>
                       </a:pPr>
                       <a:r>
-                        <a:rPr lang="ko-KR" altLang="en-US" sz="1400" kern="0" spc="0" dirty="0">
+                        <a:rPr lang="ko-KR" altLang="en-US" sz="1600" kern="0" spc="0" dirty="0">
                           <a:solidFill>
                             <a:srgbClr val="000000"/>
                           </a:solidFill>
@@ -25337,7 +28017,7 @@
                         <a:t>물의 흐름 표현</a:t>
                       </a:r>
                       <a:r>
-                        <a:rPr lang="en-US" altLang="ko-KR" sz="1400" kern="0" spc="0" dirty="0">
+                        <a:rPr lang="en-US" altLang="ko-KR" sz="1600" kern="0" spc="0" dirty="0">
                           <a:solidFill>
                             <a:srgbClr val="000000"/>
                           </a:solidFill>
@@ -25347,7 +28027,7 @@
                         <a:t>, </a:t>
                       </a:r>
                       <a:r>
-                        <a:rPr lang="ko-KR" altLang="en-US" sz="1400" kern="0" spc="0" dirty="0">
+                        <a:rPr lang="ko-KR" altLang="en-US" sz="1600" kern="0" spc="0" dirty="0">
                           <a:solidFill>
                             <a:srgbClr val="000000"/>
                           </a:solidFill>
@@ -25356,7 +28036,7 @@
                         </a:rPr>
                         <a:t>주변환경 반사</a:t>
                       </a:r>
-                      <a:endParaRPr lang="en-US" altLang="ko-KR" sz="1400" kern="0" spc="0" dirty="0">
+                      <a:endParaRPr lang="en-US" altLang="ko-KR" sz="1600" kern="0" spc="0" dirty="0">
                         <a:solidFill>
                           <a:srgbClr val="000000"/>
                         </a:solidFill>
@@ -25378,7 +28058,7 @@
                         <a:buAutoNum type="arabicPeriod"/>
                       </a:pPr>
                       <a:r>
-                        <a:rPr lang="ko-KR" altLang="en-US" sz="1400" kern="0" spc="0" dirty="0">
+                        <a:rPr lang="ko-KR" altLang="en-US" sz="1600" kern="0" spc="0" dirty="0">
                           <a:solidFill>
                             <a:srgbClr val="000000"/>
                           </a:solidFill>
@@ -25458,7 +28138,7 @@
                         </a:spcAft>
                       </a:pPr>
                       <a:r>
-                        <a:rPr lang="ko-KR" altLang="en-US" sz="1200" b="1" kern="0" spc="0" dirty="0">
+                        <a:rPr lang="ko-KR" altLang="en-US" sz="1400" b="1" kern="0" spc="0" dirty="0">
                           <a:solidFill>
                             <a:srgbClr val="000000"/>
                           </a:solidFill>
@@ -25467,7 +28147,7 @@
                         </a:rPr>
                         <a:t>서버</a:t>
                       </a:r>
-                      <a:endParaRPr lang="en-US" altLang="ko-KR" sz="1200" b="1" kern="0" spc="0" dirty="0">
+                      <a:endParaRPr lang="en-US" altLang="ko-KR" sz="1400" b="1" kern="0" spc="0" dirty="0">
                         <a:solidFill>
                           <a:srgbClr val="000000"/>
                         </a:solidFill>
@@ -25488,7 +28168,7 @@
                         </a:spcAft>
                       </a:pPr>
                       <a:r>
-                        <a:rPr lang="en-US" altLang="ko-KR" sz="1200" b="1" kern="0" spc="0" dirty="0">
+                        <a:rPr lang="en-US" altLang="ko-KR" sz="1400" b="1" kern="0" spc="0" dirty="0">
                           <a:solidFill>
                             <a:srgbClr val="000000"/>
                           </a:solidFill>
@@ -25498,7 +28178,7 @@
                         <a:t>(</a:t>
                       </a:r>
                       <a:r>
-                        <a:rPr lang="ko-KR" altLang="en-US" sz="1200" b="1" kern="0" spc="0" dirty="0" err="1">
+                        <a:rPr lang="ko-KR" altLang="en-US" sz="1400" b="1" kern="0" spc="0" dirty="0" err="1">
                           <a:solidFill>
                             <a:srgbClr val="000000"/>
                           </a:solidFill>
@@ -25508,7 +28188,7 @@
                         <a:t>손채영</a:t>
                       </a:r>
                       <a:r>
-                        <a:rPr lang="en-US" altLang="ko-KR" sz="1200" b="1" kern="0" spc="0" dirty="0">
+                        <a:rPr lang="en-US" altLang="ko-KR" sz="1400" b="1" kern="0" spc="0" dirty="0">
                           <a:solidFill>
                             <a:srgbClr val="000000"/>
                           </a:solidFill>
@@ -25517,7 +28197,7 @@
                         </a:rPr>
                         <a:t>)</a:t>
                       </a:r>
-                      <a:endParaRPr lang="ko-KR" altLang="en-US" sz="1200" b="1" kern="0" spc="0" dirty="0">
+                      <a:endParaRPr lang="ko-KR" altLang="en-US" sz="1400" b="1" kern="0" spc="0" dirty="0">
                         <a:solidFill>
                           <a:srgbClr val="000000"/>
                         </a:solidFill>
@@ -25589,7 +28269,7 @@
                         <a:buAutoNum type="arabicPeriod"/>
                       </a:pPr>
                       <a:r>
-                        <a:rPr lang="ko-KR" altLang="en-US" sz="1100" kern="0" spc="0" dirty="0">
+                        <a:rPr lang="ko-KR" altLang="en-US" sz="1600" kern="0" spc="0" dirty="0">
                           <a:solidFill>
                             <a:srgbClr val="000000"/>
                           </a:solidFill>
@@ -25599,7 +28279,7 @@
                         <a:t>몬스터 </a:t>
                       </a:r>
                       <a:r>
-                        <a:rPr lang="en-US" altLang="ko-KR" sz="1100" kern="0" spc="0" dirty="0">
+                        <a:rPr lang="en-US" altLang="ko-KR" sz="1600" kern="0" spc="0" dirty="0">
                           <a:solidFill>
                             <a:srgbClr val="000000"/>
                           </a:solidFill>
@@ -25609,7 +28289,7 @@
                         <a:t>AI </a:t>
                       </a:r>
                       <a:r>
-                        <a:rPr lang="ko-KR" altLang="en-US" sz="1100" kern="0" spc="0" dirty="0">
+                        <a:rPr lang="ko-KR" altLang="en-US" sz="1600" kern="0" spc="0" dirty="0">
                           <a:solidFill>
                             <a:srgbClr val="000000"/>
                           </a:solidFill>
@@ -25618,7 +28298,7 @@
                         </a:rPr>
                         <a:t>구현</a:t>
                       </a:r>
-                      <a:endParaRPr lang="en-US" altLang="ko-KR" sz="1100" kern="0" spc="0" dirty="0">
+                      <a:endParaRPr lang="en-US" altLang="ko-KR" sz="1600" kern="0" spc="0" dirty="0">
                         <a:solidFill>
                           <a:srgbClr val="000000"/>
                         </a:solidFill>
@@ -25640,7 +28320,7 @@
                         <a:buAutoNum type="arabicPeriod"/>
                       </a:pPr>
                       <a:r>
-                        <a:rPr lang="ko-KR" altLang="en-US" sz="1100" kern="0" spc="0" dirty="0">
+                        <a:rPr lang="ko-KR" altLang="en-US" sz="1600" kern="0" spc="0" dirty="0">
                           <a:solidFill>
                             <a:srgbClr val="000000"/>
                           </a:solidFill>
@@ -25649,7 +28329,7 @@
                         </a:rPr>
                         <a:t>동기화 구현</a:t>
                       </a:r>
-                      <a:endParaRPr lang="en-US" altLang="ko-KR" sz="1100" kern="0" spc="0" dirty="0">
+                      <a:endParaRPr lang="en-US" altLang="ko-KR" sz="1600" kern="0" spc="0" dirty="0">
                         <a:solidFill>
                           <a:srgbClr val="000000"/>
                         </a:solidFill>
@@ -25671,7 +28351,7 @@
                         <a:buAutoNum type="arabicPeriod"/>
                       </a:pPr>
                       <a:r>
-                        <a:rPr lang="ko-KR" altLang="en-US" sz="1100" kern="0" spc="0" dirty="0">
+                        <a:rPr lang="ko-KR" altLang="en-US" sz="1600" kern="0" spc="0" dirty="0">
                           <a:solidFill>
                             <a:srgbClr val="000000"/>
                           </a:solidFill>
@@ -25680,7 +28360,7 @@
                         </a:rPr>
                         <a:t>서버에서 물리 처리가 되게끔 구현</a:t>
                       </a:r>
-                      <a:endParaRPr lang="en-US" altLang="ko-KR" sz="1100" kern="0" spc="0" dirty="0">
+                      <a:endParaRPr lang="en-US" altLang="ko-KR" sz="1600" kern="0" spc="0" dirty="0">
                         <a:solidFill>
                           <a:srgbClr val="000000"/>
                         </a:solidFill>
@@ -25702,7 +28382,7 @@
                         <a:buAutoNum type="arabicPeriod"/>
                       </a:pPr>
                       <a:r>
-                        <a:rPr lang="ko-KR" altLang="en-US" sz="1100" kern="0" spc="0" dirty="0">
+                        <a:rPr lang="ko-KR" altLang="en-US" sz="1600" kern="0" spc="0" dirty="0">
                           <a:solidFill>
                             <a:srgbClr val="000000"/>
                           </a:solidFill>
@@ -25711,28 +28391,7 @@
                         </a:rPr>
                         <a:t>사운드</a:t>
                       </a:r>
-                      <a:endParaRPr lang="en-US" altLang="ko-KR" sz="1100" kern="0" spc="0" dirty="0">
-                        <a:solidFill>
-                          <a:srgbClr val="000000"/>
-                        </a:solidFill>
-                        <a:effectLst/>
-                        <a:latin typeface="한양신명조"/>
-                      </a:endParaRPr>
-                    </a:p>
-                    <a:p>
-                      <a:pPr marL="228600" marR="0" indent="-228600" algn="just" fontAlgn="base" latinLnBrk="1">
-                        <a:lnSpc>
-                          <a:spcPct val="150000"/>
-                        </a:lnSpc>
-                        <a:spcBef>
-                          <a:spcPts val="0"/>
-                        </a:spcBef>
-                        <a:spcAft>
-                          <a:spcPts val="0"/>
-                        </a:spcAft>
-                        <a:buAutoNum type="arabicPeriod"/>
-                      </a:pPr>
-                      <a:endParaRPr lang="ko-KR" altLang="en-US" sz="1100" kern="0" spc="0" dirty="0">
+                      <a:endParaRPr lang="en-US" altLang="ko-KR" sz="1600" kern="0" spc="0" dirty="0">
                         <a:solidFill>
                           <a:srgbClr val="000000"/>
                         </a:solidFill>
@@ -25792,7 +28451,7 @@
                   </a:ext>
                 </a:extLst>
               </a:tr>
-              <a:tr h="1347218">
+              <a:tr h="1523243">
                 <a:tc>
                   <a:txBody>
                     <a:bodyPr/>
@@ -25810,7 +28469,7 @@
                         </a:spcAft>
                       </a:pPr>
                       <a:r>
-                        <a:rPr lang="ko-KR" altLang="en-US" sz="1200" b="1" kern="0" spc="0" dirty="0">
+                        <a:rPr lang="ko-KR" altLang="en-US" sz="1400" b="1" kern="0" spc="0" dirty="0">
                           <a:solidFill>
                             <a:srgbClr val="000000"/>
                           </a:solidFill>
@@ -25819,7 +28478,7 @@
                         </a:rPr>
                         <a:t>그래픽</a:t>
                       </a:r>
-                      <a:endParaRPr lang="en-US" altLang="ko-KR" sz="1200" b="1" kern="0" spc="0" dirty="0">
+                      <a:endParaRPr lang="en-US" altLang="ko-KR" sz="1400" b="1" kern="0" spc="0" dirty="0">
                         <a:solidFill>
                           <a:srgbClr val="000000"/>
                         </a:solidFill>
@@ -25840,7 +28499,7 @@
                         </a:spcAft>
                       </a:pPr>
                       <a:r>
-                        <a:rPr lang="en-US" altLang="ko-KR" sz="1200" b="1" kern="0" spc="0" dirty="0">
+                        <a:rPr lang="en-US" altLang="ko-KR" sz="1400" b="1" kern="0" spc="0" dirty="0">
                           <a:solidFill>
                             <a:srgbClr val="000000"/>
                           </a:solidFill>
@@ -25850,7 +28509,7 @@
                         <a:t>(</a:t>
                       </a:r>
                       <a:r>
-                        <a:rPr lang="ko-KR" altLang="en-US" sz="1200" b="1" kern="0" spc="0" dirty="0" err="1">
+                        <a:rPr lang="ko-KR" altLang="en-US" sz="1400" b="1" kern="0" spc="0" dirty="0" err="1">
                           <a:solidFill>
                             <a:srgbClr val="000000"/>
                           </a:solidFill>
@@ -25860,7 +28519,7 @@
                         <a:t>지은혜</a:t>
                       </a:r>
                       <a:r>
-                        <a:rPr lang="en-US" altLang="ko-KR" sz="1200" b="1" kern="0" spc="0" dirty="0">
+                        <a:rPr lang="en-US" altLang="ko-KR" sz="1400" b="1" kern="0" spc="0" dirty="0">
                           <a:solidFill>
                             <a:srgbClr val="000000"/>
                           </a:solidFill>
@@ -25869,7 +28528,7 @@
                         </a:rPr>
                         <a:t>)</a:t>
                       </a:r>
-                      <a:endParaRPr lang="ko-KR" altLang="en-US" sz="1200" b="1" kern="0" spc="0" dirty="0">
+                      <a:endParaRPr lang="ko-KR" altLang="en-US" sz="1400" b="1" kern="0" spc="0" dirty="0">
                         <a:solidFill>
                           <a:srgbClr val="000000"/>
                         </a:solidFill>
@@ -25928,7 +28587,7 @@
                     <a:bodyPr/>
                     <a:lstStyle/>
                     <a:p>
-                      <a:pPr marL="0" marR="0" indent="0" algn="just" fontAlgn="base" latinLnBrk="1">
+                      <a:pPr marL="228600" marR="0" indent="-228600" algn="just" fontAlgn="base" latinLnBrk="1">
                         <a:lnSpc>
                           <a:spcPct val="150000"/>
                         </a:lnSpc>
@@ -25938,8 +28597,132 @@
                         <a:spcAft>
                           <a:spcPts val="0"/>
                         </a:spcAft>
+                        <a:buAutoNum type="arabicPeriod"/>
                       </a:pPr>
-                      <a:endParaRPr lang="ko-KR" altLang="en-US" sz="1100" kern="0" spc="0" dirty="0">
+                      <a:r>
+                        <a:rPr lang="ko-KR" altLang="en-US" sz="1600" kern="0" spc="0" dirty="0">
+                          <a:solidFill>
+                            <a:srgbClr val="000000"/>
+                          </a:solidFill>
+                          <a:effectLst/>
+                          <a:latin typeface="한양신명조"/>
+                        </a:rPr>
+                        <a:t>장애물 제작</a:t>
+                      </a:r>
+                      <a:endParaRPr lang="en-US" altLang="ko-KR" sz="1600" kern="0" spc="0" dirty="0">
+                        <a:solidFill>
+                          <a:srgbClr val="000000"/>
+                        </a:solidFill>
+                        <a:effectLst/>
+                        <a:latin typeface="한양신명조"/>
+                      </a:endParaRPr>
+                    </a:p>
+                    <a:p>
+                      <a:pPr marL="228600" marR="0" indent="-228600" algn="just" fontAlgn="base" latinLnBrk="1">
+                        <a:lnSpc>
+                          <a:spcPct val="150000"/>
+                        </a:lnSpc>
+                        <a:spcBef>
+                          <a:spcPts val="0"/>
+                        </a:spcBef>
+                        <a:spcAft>
+                          <a:spcPts val="0"/>
+                        </a:spcAft>
+                        <a:buAutoNum type="arabicPeriod"/>
+                      </a:pPr>
+                      <a:r>
+                        <a:rPr lang="en-US" altLang="ko-KR" sz="1600" kern="0" spc="0" dirty="0">
+                          <a:solidFill>
+                            <a:srgbClr val="000000"/>
+                          </a:solidFill>
+                          <a:effectLst/>
+                          <a:latin typeface="한양신명조"/>
+                        </a:rPr>
+                        <a:t>UI </a:t>
+                      </a:r>
+                      <a:r>
+                        <a:rPr lang="ko-KR" altLang="en-US" sz="1600" kern="0" spc="0" dirty="0">
+                          <a:solidFill>
+                            <a:srgbClr val="000000"/>
+                          </a:solidFill>
+                          <a:effectLst/>
+                          <a:latin typeface="한양신명조"/>
+                        </a:rPr>
+                        <a:t>추가 및 수정</a:t>
+                      </a:r>
+                      <a:endParaRPr lang="en-US" altLang="ko-KR" sz="1600" kern="0" spc="0" dirty="0">
+                        <a:solidFill>
+                          <a:srgbClr val="000000"/>
+                        </a:solidFill>
+                        <a:effectLst/>
+                        <a:latin typeface="한양신명조"/>
+                      </a:endParaRPr>
+                    </a:p>
+                    <a:p>
+                      <a:pPr marL="228600" marR="0" indent="-228600" algn="just" fontAlgn="base" latinLnBrk="1">
+                        <a:lnSpc>
+                          <a:spcPct val="150000"/>
+                        </a:lnSpc>
+                        <a:spcBef>
+                          <a:spcPts val="0"/>
+                        </a:spcBef>
+                        <a:spcAft>
+                          <a:spcPts val="0"/>
+                        </a:spcAft>
+                        <a:buAutoNum type="arabicPeriod"/>
+                      </a:pPr>
+                      <a:r>
+                        <a:rPr lang="ko-KR" altLang="en-US" sz="1600" kern="0" spc="0" dirty="0" err="1">
+                          <a:solidFill>
+                            <a:srgbClr val="000000"/>
+                          </a:solidFill>
+                          <a:effectLst/>
+                          <a:latin typeface="한양신명조"/>
+                        </a:rPr>
+                        <a:t>더기</a:t>
+                      </a:r>
+                      <a:r>
+                        <a:rPr lang="ko-KR" altLang="en-US" sz="1600" kern="0" spc="0" dirty="0">
+                          <a:solidFill>
+                            <a:srgbClr val="000000"/>
+                          </a:solidFill>
+                          <a:effectLst/>
+                          <a:latin typeface="한양신명조"/>
+                        </a:rPr>
+                        <a:t> 애니메이션 수정</a:t>
+                      </a:r>
+                      <a:endParaRPr lang="en-US" altLang="ko-KR" sz="1600" kern="0" spc="0" dirty="0">
+                        <a:solidFill>
+                          <a:srgbClr val="000000"/>
+                        </a:solidFill>
+                        <a:effectLst/>
+                        <a:latin typeface="한양신명조"/>
+                      </a:endParaRPr>
+                    </a:p>
+                    <a:p>
+                      <a:pPr marL="228600" marR="0" indent="-228600" algn="just" fontAlgn="base" latinLnBrk="1">
+                        <a:lnSpc>
+                          <a:spcPct val="150000"/>
+                        </a:lnSpc>
+                        <a:spcBef>
+                          <a:spcPts val="0"/>
+                        </a:spcBef>
+                        <a:spcAft>
+                          <a:spcPts val="0"/>
+                        </a:spcAft>
+                        <a:buAutoNum type="arabicPeriod"/>
+                      </a:pPr>
+                      <a:r>
+                        <a:rPr lang="ko-KR" altLang="en-US" sz="1600" kern="0" spc="0" dirty="0">
+                          <a:solidFill>
+                            <a:srgbClr val="000000"/>
+                          </a:solidFill>
+                          <a:effectLst/>
+                          <a:latin typeface="한양신명조"/>
+                        </a:rPr>
+                        <a:t>이펙트 제작</a:t>
+                      </a:r>
+                      <a:endParaRPr lang="en-US" altLang="ko-KR" sz="1600" kern="0" spc="0" dirty="0">
                         <a:solidFill>
                           <a:srgbClr val="000000"/>
                         </a:solidFill>
@@ -25995,7 +28778,7 @@
                 </a:tc>
                 <a:extLst>
                   <a:ext uri="{0D108BD9-81ED-4DB2-BD59-A6C34878D82A}">
-                    <a16:rowId xmlns:a16="http://schemas.microsoft.com/office/drawing/2014/main" val="3888040237"/>
+                    <a16:rowId xmlns:a16="http://schemas.microsoft.com/office/drawing/2014/main" val="3865489803"/>
                   </a:ext>
                 </a:extLst>
               </a:tr>
@@ -26016,7 +28799,7 @@
 </p:sld>
 </file>
 
-<file path=ppt/slides/slide13.xml><?xml version="1.0" encoding="utf-8"?>
+<file path=ppt/slides/slide15.xml><?xml version="1.0" encoding="utf-8"?>
 <p:sld xmlns:a="http://schemas.openxmlformats.org/drawingml/2006/main" xmlns:r="http://schemas.openxmlformats.org/officeDocument/2006/relationships" xmlns:p="http://schemas.openxmlformats.org/presentationml/2006/main">
   <p:cSld>
     <p:spTree>
@@ -26192,7 +28975,7 @@
           <a:p>
             <a:fld id="{B7CFC4E1-F238-47FC-B4DE-E7BE9500A8B7}" type="slidenum">
               <a:rPr lang="ko-KR" altLang="en-US" smtClean="0"/>
-              <a:t>13</a:t>
+              <a:t>15</a:t>
             </a:fld>
             <a:endParaRPr lang="ko-KR" altLang="en-US" dirty="0"/>
           </a:p>
@@ -29610,12 +32393,13 @@
               <a:rPr lang="en-US" altLang="ko-KR" sz="3200" dirty="0">
                 <a:ln w="0"/>
                 <a:effectLst>
-                  <a:outerShdw blurRad="38100" dist="19050" dir="2700000" algn="tl" rotWithShape="0">
-                    <a:schemeClr val="dk1">
-                      <a:alpha val="40000"/>
-                    </a:schemeClr>
+                  <a:outerShdw blurRad="38100" dist="38100" dir="2700000" algn="tl">
+                    <a:srgbClr val="000000">
+                      <a:alpha val="43137"/>
+                    </a:srgbClr>
                   </a:outerShdw>
                 </a:effectLst>
+                <a:ea typeface="나눔스퀘어OTF" panose="020B0600000101010101"/>
               </a:rPr>
               <a:t>DirectX12 Framework</a:t>
             </a:r>
@@ -29628,24 +32412,26 @@
               <a:rPr lang="ko-KR" altLang="en-US" sz="3200" dirty="0">
                 <a:ln w="0"/>
                 <a:effectLst>
-                  <a:outerShdw blurRad="38100" dist="19050" dir="2700000" algn="tl" rotWithShape="0">
-                    <a:schemeClr val="dk1">
-                      <a:alpha val="40000"/>
-                    </a:schemeClr>
+                  <a:outerShdw blurRad="38100" dist="38100" dir="2700000" algn="tl">
+                    <a:srgbClr val="000000">
+                      <a:alpha val="43137"/>
+                    </a:srgbClr>
                   </a:outerShdw>
                 </a:effectLst>
+                <a:ea typeface="나눔스퀘어OTF" panose="020B0600000101010101"/>
               </a:rPr>
               <a:t>기본조작</a:t>
             </a:r>
             <a:endParaRPr lang="en-US" altLang="ko-KR" sz="3200" dirty="0">
               <a:ln w="0"/>
               <a:effectLst>
-                <a:outerShdw blurRad="38100" dist="19050" dir="2700000" algn="tl" rotWithShape="0">
-                  <a:schemeClr val="dk1">
-                    <a:alpha val="40000"/>
-                  </a:schemeClr>
+                <a:outerShdw blurRad="38100" dist="38100" dir="2700000" algn="tl">
+                  <a:srgbClr val="000000">
+                    <a:alpha val="43137"/>
+                  </a:srgbClr>
                 </a:outerShdw>
               </a:effectLst>
+              <a:ea typeface="나눔스퀘어OTF" panose="020B0600000101010101"/>
             </a:endParaRPr>
           </a:p>
           <a:p>
@@ -29656,24 +32442,26 @@
               <a:rPr lang="ko-KR" altLang="en-US" sz="3200" dirty="0">
                 <a:ln w="0"/>
                 <a:effectLst>
-                  <a:outerShdw blurRad="38100" dist="19050" dir="2700000" algn="tl" rotWithShape="0">
-                    <a:schemeClr val="dk1">
-                      <a:alpha val="40000"/>
-                    </a:schemeClr>
+                  <a:outerShdw blurRad="38100" dist="38100" dir="2700000" algn="tl">
+                    <a:srgbClr val="000000">
+                      <a:alpha val="43137"/>
+                    </a:srgbClr>
                   </a:outerShdw>
                 </a:effectLst>
+                <a:ea typeface="나눔스퀘어OTF" panose="020B0600000101010101"/>
               </a:rPr>
               <a:t>맵 배치</a:t>
             </a:r>
             <a:endParaRPr lang="en-US" altLang="ko-KR" sz="3200" dirty="0">
               <a:ln w="0"/>
               <a:effectLst>
-                <a:outerShdw blurRad="38100" dist="19050" dir="2700000" algn="tl" rotWithShape="0">
-                  <a:schemeClr val="dk1">
-                    <a:alpha val="40000"/>
-                  </a:schemeClr>
+                <a:outerShdw blurRad="38100" dist="38100" dir="2700000" algn="tl">
+                  <a:srgbClr val="000000">
+                    <a:alpha val="43137"/>
+                  </a:srgbClr>
                 </a:outerShdw>
               </a:effectLst>
+              <a:ea typeface="나눔스퀘어OTF" panose="020B0600000101010101"/>
             </a:endParaRPr>
           </a:p>
           <a:p>
@@ -29684,24 +32472,26 @@
               <a:rPr lang="ko-KR" altLang="en-US" sz="3200" dirty="0">
                 <a:ln w="0"/>
                 <a:effectLst>
-                  <a:outerShdw blurRad="38100" dist="19050" dir="2700000" algn="tl" rotWithShape="0">
-                    <a:schemeClr val="dk1">
-                      <a:alpha val="40000"/>
-                    </a:schemeClr>
+                  <a:outerShdw blurRad="38100" dist="38100" dir="2700000" algn="tl">
+                    <a:srgbClr val="000000">
+                      <a:alpha val="43137"/>
+                    </a:srgbClr>
                   </a:outerShdw>
                 </a:effectLst>
+                <a:ea typeface="나눔스퀘어OTF" panose="020B0600000101010101"/>
               </a:rPr>
               <a:t>조명</a:t>
             </a:r>
             <a:endParaRPr lang="en-US" altLang="ko-KR" sz="3200" dirty="0">
               <a:ln w="0"/>
               <a:effectLst>
-                <a:outerShdw blurRad="38100" dist="19050" dir="2700000" algn="tl" rotWithShape="0">
-                  <a:schemeClr val="dk1">
-                    <a:alpha val="40000"/>
-                  </a:schemeClr>
+                <a:outerShdw blurRad="38100" dist="38100" dir="2700000" algn="tl">
+                  <a:srgbClr val="000000">
+                    <a:alpha val="43137"/>
+                  </a:srgbClr>
                 </a:outerShdw>
               </a:effectLst>
+              <a:ea typeface="나눔스퀘어OTF" panose="020B0600000101010101"/>
             </a:endParaRPr>
           </a:p>
           <a:p>
@@ -29712,24 +32502,26 @@
               <a:rPr lang="ko-KR" altLang="en-US" sz="3200" dirty="0">
                 <a:ln w="0"/>
                 <a:effectLst>
-                  <a:outerShdw blurRad="38100" dist="19050" dir="2700000" algn="tl" rotWithShape="0">
-                    <a:schemeClr val="dk1">
-                      <a:alpha val="40000"/>
-                    </a:schemeClr>
+                  <a:outerShdw blurRad="38100" dist="38100" dir="2700000" algn="tl">
+                    <a:srgbClr val="000000">
+                      <a:alpha val="43137"/>
+                    </a:srgbClr>
                   </a:outerShdw>
                 </a:effectLst>
+                <a:ea typeface="나눔스퀘어OTF" panose="020B0600000101010101"/>
               </a:rPr>
               <a:t>애니메이션 적용</a:t>
             </a:r>
             <a:endParaRPr lang="en-US" altLang="ko-KR" sz="3200" dirty="0">
               <a:ln w="0"/>
               <a:effectLst>
-                <a:outerShdw blurRad="38100" dist="19050" dir="2700000" algn="tl" rotWithShape="0">
-                  <a:schemeClr val="dk1">
-                    <a:alpha val="40000"/>
-                  </a:schemeClr>
+                <a:outerShdw blurRad="38100" dist="38100" dir="2700000" algn="tl">
+                  <a:srgbClr val="000000">
+                    <a:alpha val="43137"/>
+                  </a:srgbClr>
                 </a:outerShdw>
               </a:effectLst>
+              <a:ea typeface="나눔스퀘어OTF" panose="020B0600000101010101"/>
             </a:endParaRPr>
           </a:p>
           <a:p>
@@ -29740,24 +32532,26 @@
               <a:rPr lang="ko-KR" altLang="en-US" sz="3200" dirty="0" err="1">
                 <a:ln w="0"/>
                 <a:effectLst>
-                  <a:outerShdw blurRad="38100" dist="19050" dir="2700000" algn="tl" rotWithShape="0">
-                    <a:schemeClr val="dk1">
-                      <a:alpha val="40000"/>
-                    </a:schemeClr>
+                  <a:outerShdw blurRad="38100" dist="38100" dir="2700000" algn="tl">
+                    <a:srgbClr val="000000">
+                      <a:alpha val="43137"/>
+                    </a:srgbClr>
                   </a:outerShdw>
                 </a:effectLst>
+                <a:ea typeface="나눔스퀘어OTF" panose="020B0600000101010101"/>
               </a:rPr>
               <a:t>노말매핑</a:t>
             </a:r>
             <a:endParaRPr lang="en-US" altLang="ko-KR" sz="3200" dirty="0">
               <a:ln w="0"/>
               <a:effectLst>
-                <a:outerShdw blurRad="38100" dist="19050" dir="2700000" algn="tl" rotWithShape="0">
-                  <a:schemeClr val="dk1">
-                    <a:alpha val="40000"/>
-                  </a:schemeClr>
+                <a:outerShdw blurRad="38100" dist="38100" dir="2700000" algn="tl">
+                  <a:srgbClr val="000000">
+                    <a:alpha val="43137"/>
+                  </a:srgbClr>
                 </a:outerShdw>
               </a:effectLst>
+              <a:ea typeface="나눔스퀘어OTF" panose="020B0600000101010101"/>
             </a:endParaRPr>
           </a:p>
           <a:p>
@@ -29767,12 +32561,13 @@
             <a:endParaRPr lang="en-US" altLang="ko-KR" sz="3200" dirty="0">
               <a:ln w="0"/>
               <a:effectLst>
-                <a:outerShdw blurRad="38100" dist="19050" dir="2700000" algn="tl" rotWithShape="0">
-                  <a:schemeClr val="dk1">
-                    <a:alpha val="40000"/>
-                  </a:schemeClr>
+                <a:outerShdw blurRad="38100" dist="38100" dir="2700000" algn="tl">
+                  <a:srgbClr val="000000">
+                    <a:alpha val="43137"/>
+                  </a:srgbClr>
                 </a:outerShdw>
               </a:effectLst>
+              <a:ea typeface="나눔스퀘어OTF" panose="020B0600000101010101"/>
             </a:endParaRPr>
           </a:p>
         </p:txBody>
@@ -30946,6 +33741,487 @@
           </a:p>
         </p:txBody>
       </p:sp>
+      <p:pic>
+        <p:nvPicPr>
+          <p:cNvPr id="3" name="그림 2">
+            <a:extLst>
+              <a:ext uri="{FF2B5EF4-FFF2-40B4-BE49-F238E27FC236}">
+                <a16:creationId xmlns:a16="http://schemas.microsoft.com/office/drawing/2014/main" id="{B20A76FC-58E0-45E4-950A-D6770D111ACB}"/>
+              </a:ext>
+            </a:extLst>
+          </p:cNvPr>
+          <p:cNvPicPr>
+            <a:picLocks noChangeAspect="1"/>
+          </p:cNvPicPr>
+          <p:nvPr/>
+        </p:nvPicPr>
+        <p:blipFill>
+          <a:blip r:embed="rId2"/>
+          <a:stretch>
+            <a:fillRect/>
+          </a:stretch>
+        </p:blipFill>
+        <p:spPr>
+          <a:xfrm>
+            <a:off x="5521158" y="1838076"/>
+            <a:ext cx="3040318" cy="2269583"/>
+          </a:xfrm>
+          <a:prstGeom prst="rect">
+            <a:avLst/>
+          </a:prstGeom>
+        </p:spPr>
+      </p:pic>
+      <p:sp>
+        <p:nvSpPr>
+          <p:cNvPr id="14" name="직사각형 13">
+            <a:extLst>
+              <a:ext uri="{FF2B5EF4-FFF2-40B4-BE49-F238E27FC236}">
+                <a16:creationId xmlns:a16="http://schemas.microsoft.com/office/drawing/2014/main" id="{7B99DBDC-2431-4104-ABC0-76869035A665}"/>
+              </a:ext>
+            </a:extLst>
+          </p:cNvPr>
+          <p:cNvSpPr/>
+          <p:nvPr/>
+        </p:nvSpPr>
+        <p:spPr>
+          <a:xfrm>
+            <a:off x="332317" y="2358912"/>
+            <a:ext cx="4928850" cy="3908762"/>
+          </a:xfrm>
+          <a:prstGeom prst="rect">
+            <a:avLst/>
+          </a:prstGeom>
+          <a:noFill/>
+        </p:spPr>
+        <p:txBody>
+          <a:bodyPr wrap="none" lIns="91440" tIns="45720" rIns="91440" bIns="45720">
+            <a:spAutoFit/>
+          </a:bodyPr>
+          <a:lstStyle/>
+          <a:p>
+            <a:r>
+              <a:rPr lang="en-US" altLang="ko-KR" sz="3200" dirty="0">
+                <a:ln w="0"/>
+                <a:effectLst>
+                  <a:outerShdw blurRad="38100" dist="19050" dir="2700000" algn="tl" rotWithShape="0">
+                    <a:schemeClr val="dk1">
+                      <a:alpha val="40000"/>
+                    </a:schemeClr>
+                  </a:outerShdw>
+                </a:effectLst>
+              </a:rPr>
+              <a:t>1.	Unity</a:t>
+            </a:r>
+            <a:r>
+              <a:rPr lang="ko-KR" altLang="en-US" sz="3200" dirty="0">
+                <a:ln w="0"/>
+                <a:effectLst>
+                  <a:outerShdw blurRad="38100" dist="19050" dir="2700000" algn="tl" rotWithShape="0">
+                    <a:schemeClr val="dk1">
+                      <a:alpha val="40000"/>
+                    </a:schemeClr>
+                  </a:outerShdw>
+                </a:effectLst>
+              </a:rPr>
+              <a:t> </a:t>
+            </a:r>
+            <a:r>
+              <a:rPr lang="en-US" altLang="ko-KR" sz="3200" dirty="0">
+                <a:ln w="0"/>
+                <a:effectLst>
+                  <a:outerShdw blurRad="38100" dist="19050" dir="2700000" algn="tl" rotWithShape="0">
+                    <a:schemeClr val="dk1">
+                      <a:alpha val="40000"/>
+                    </a:schemeClr>
+                  </a:outerShdw>
+                </a:effectLst>
+              </a:rPr>
+              <a:t>terrain</a:t>
+            </a:r>
+            <a:r>
+              <a:rPr lang="ko-KR" altLang="en-US" sz="3200" dirty="0">
+                <a:ln w="0"/>
+                <a:effectLst>
+                  <a:outerShdw blurRad="38100" dist="19050" dir="2700000" algn="tl" rotWithShape="0">
+                    <a:schemeClr val="dk1">
+                      <a:alpha val="40000"/>
+                    </a:schemeClr>
+                  </a:outerShdw>
+                </a:effectLst>
+              </a:rPr>
+              <a:t>으로</a:t>
+            </a:r>
+            <a:endParaRPr lang="en-US" altLang="ko-KR" sz="3200" dirty="0">
+              <a:ln w="0"/>
+              <a:effectLst>
+                <a:outerShdw blurRad="38100" dist="19050" dir="2700000" algn="tl" rotWithShape="0">
+                  <a:schemeClr val="dk1">
+                    <a:alpha val="40000"/>
+                  </a:schemeClr>
+                </a:outerShdw>
+              </a:effectLst>
+            </a:endParaRPr>
+          </a:p>
+          <a:p>
+            <a:r>
+              <a:rPr lang="en-US" altLang="ko-KR" sz="3200" dirty="0">
+                <a:ln w="0"/>
+                <a:effectLst>
+                  <a:outerShdw blurRad="38100" dist="19050" dir="2700000" algn="tl" rotWithShape="0">
+                    <a:schemeClr val="dk1">
+                      <a:alpha val="40000"/>
+                    </a:schemeClr>
+                  </a:outerShdw>
+                </a:effectLst>
+              </a:rPr>
+              <a:t>	</a:t>
+            </a:r>
+            <a:r>
+              <a:rPr lang="ko-KR" altLang="en-US" sz="3200" dirty="0">
+                <a:ln w="0"/>
+                <a:effectLst>
+                  <a:outerShdw blurRad="38100" dist="19050" dir="2700000" algn="tl" rotWithShape="0">
+                    <a:schemeClr val="dk1">
+                      <a:alpha val="40000"/>
+                    </a:schemeClr>
+                  </a:outerShdw>
+                </a:effectLst>
+              </a:rPr>
+              <a:t>스테이지</a:t>
+            </a:r>
+            <a:r>
+              <a:rPr lang="en-US" altLang="ko-KR" sz="3200" dirty="0">
+                <a:ln w="0"/>
+                <a:effectLst>
+                  <a:outerShdw blurRad="38100" dist="19050" dir="2700000" algn="tl" rotWithShape="0">
+                    <a:schemeClr val="dk1">
+                      <a:alpha val="40000"/>
+                    </a:schemeClr>
+                  </a:outerShdw>
+                </a:effectLst>
+              </a:rPr>
+              <a:t> </a:t>
+            </a:r>
+            <a:r>
+              <a:rPr lang="ko-KR" altLang="en-US" sz="3200" dirty="0">
+                <a:ln w="0"/>
+                <a:effectLst>
+                  <a:outerShdw blurRad="38100" dist="19050" dir="2700000" algn="tl" rotWithShape="0">
+                    <a:schemeClr val="dk1">
+                      <a:alpha val="40000"/>
+                    </a:schemeClr>
+                  </a:outerShdw>
+                </a:effectLst>
+              </a:rPr>
+              <a:t>제작</a:t>
+            </a:r>
+            <a:endParaRPr lang="en-US" altLang="ko-KR" sz="3200" dirty="0">
+              <a:ln w="0"/>
+              <a:effectLst>
+                <a:outerShdw blurRad="38100" dist="19050" dir="2700000" algn="tl" rotWithShape="0">
+                  <a:schemeClr val="dk1">
+                    <a:alpha val="40000"/>
+                  </a:schemeClr>
+                </a:outerShdw>
+              </a:effectLst>
+            </a:endParaRPr>
+          </a:p>
+          <a:p>
+            <a:r>
+              <a:rPr lang="en-US" altLang="ko-KR" sz="3200" dirty="0">
+                <a:ln w="0"/>
+                <a:effectLst>
+                  <a:outerShdw blurRad="38100" dist="19050" dir="2700000" algn="tl" rotWithShape="0">
+                    <a:schemeClr val="dk1">
+                      <a:alpha val="40000"/>
+                    </a:schemeClr>
+                  </a:outerShdw>
+                </a:effectLst>
+              </a:rPr>
+              <a:t>	</a:t>
+            </a:r>
+            <a:r>
+              <a:rPr lang="en-US" altLang="ko-KR" sz="2400" dirty="0">
+                <a:ln w="0"/>
+                <a:effectLst>
+                  <a:outerShdw blurRad="38100" dist="19050" dir="2700000" algn="tl" rotWithShape="0">
+                    <a:schemeClr val="dk1">
+                      <a:alpha val="40000"/>
+                    </a:schemeClr>
+                  </a:outerShdw>
+                </a:effectLst>
+              </a:rPr>
+              <a:t>(</a:t>
+            </a:r>
+            <a:r>
+              <a:rPr lang="ko-KR" altLang="en-US" sz="2400" dirty="0">
+                <a:ln w="0"/>
+                <a:effectLst>
+                  <a:outerShdw blurRad="38100" dist="19050" dir="2700000" algn="tl" rotWithShape="0">
+                    <a:schemeClr val="dk1">
+                      <a:alpha val="40000"/>
+                    </a:schemeClr>
+                  </a:outerShdw>
+                </a:effectLst>
+              </a:rPr>
+              <a:t>오리 모양</a:t>
+            </a:r>
+            <a:r>
+              <a:rPr lang="en-US" altLang="ko-KR" sz="2400" dirty="0">
+                <a:ln w="0"/>
+                <a:effectLst>
+                  <a:outerShdw blurRad="38100" dist="19050" dir="2700000" algn="tl" rotWithShape="0">
+                    <a:schemeClr val="dk1">
+                      <a:alpha val="40000"/>
+                    </a:schemeClr>
+                  </a:outerShdw>
+                </a:effectLst>
+              </a:rPr>
+              <a:t>)</a:t>
+            </a:r>
+          </a:p>
+          <a:p>
+            <a:endParaRPr lang="en-US" altLang="ko-KR" sz="800" dirty="0">
+              <a:ln w="0"/>
+              <a:effectLst>
+                <a:outerShdw blurRad="38100" dist="19050" dir="2700000" algn="tl" rotWithShape="0">
+                  <a:schemeClr val="dk1">
+                    <a:alpha val="40000"/>
+                  </a:schemeClr>
+                </a:outerShdw>
+              </a:effectLst>
+            </a:endParaRPr>
+          </a:p>
+          <a:p>
+            <a:r>
+              <a:rPr lang="en-US" altLang="ko-KR" sz="3200" dirty="0">
+                <a:ln w="0"/>
+                <a:effectLst>
+                  <a:outerShdw blurRad="38100" dist="19050" dir="2700000" algn="tl" rotWithShape="0">
+                    <a:schemeClr val="dk1">
+                      <a:alpha val="40000"/>
+                    </a:schemeClr>
+                  </a:outerShdw>
+                </a:effectLst>
+              </a:rPr>
+              <a:t>2.	</a:t>
+            </a:r>
+            <a:r>
+              <a:rPr lang="ko-KR" altLang="en-US" sz="3200" dirty="0">
+                <a:ln w="0"/>
+                <a:effectLst>
+                  <a:outerShdw blurRad="38100" dist="19050" dir="2700000" algn="tl" rotWithShape="0">
+                    <a:schemeClr val="dk1">
+                      <a:alpha val="40000"/>
+                    </a:schemeClr>
+                  </a:outerShdw>
+                </a:effectLst>
+              </a:rPr>
+              <a:t>구렁이 제작</a:t>
+            </a:r>
+            <a:endParaRPr lang="en-US" altLang="ko-KR" sz="3200" dirty="0">
+              <a:ln w="0"/>
+              <a:effectLst>
+                <a:outerShdw blurRad="38100" dist="19050" dir="2700000" algn="tl" rotWithShape="0">
+                  <a:schemeClr val="dk1">
+                    <a:alpha val="40000"/>
+                  </a:schemeClr>
+                </a:outerShdw>
+              </a:effectLst>
+            </a:endParaRPr>
+          </a:p>
+          <a:p>
+            <a:r>
+              <a:rPr lang="en-US" altLang="ko-KR" sz="3200" dirty="0">
+                <a:ln w="0"/>
+                <a:effectLst>
+                  <a:outerShdw blurRad="38100" dist="19050" dir="2700000" algn="tl" rotWithShape="0">
+                    <a:schemeClr val="dk1">
+                      <a:alpha val="40000"/>
+                    </a:schemeClr>
+                  </a:outerShdw>
+                </a:effectLst>
+              </a:rPr>
+              <a:t>	</a:t>
+            </a:r>
+            <a:r>
+              <a:rPr lang="en-US" altLang="ko-KR" sz="2400" dirty="0">
+                <a:ln w="0"/>
+                <a:effectLst>
+                  <a:outerShdw blurRad="38100" dist="19050" dir="2700000" algn="tl" rotWithShape="0">
+                    <a:schemeClr val="dk1">
+                      <a:alpha val="40000"/>
+                    </a:schemeClr>
+                  </a:outerShdw>
+                </a:effectLst>
+              </a:rPr>
+              <a:t>- </a:t>
+            </a:r>
+            <a:r>
+              <a:rPr lang="ko-KR" altLang="en-US" sz="2400" dirty="0">
+                <a:ln w="0"/>
+                <a:effectLst>
+                  <a:outerShdw blurRad="38100" dist="19050" dir="2700000" algn="tl" rotWithShape="0">
+                    <a:schemeClr val="dk1">
+                      <a:alpha val="40000"/>
+                    </a:schemeClr>
+                  </a:outerShdw>
+                </a:effectLst>
+              </a:rPr>
+              <a:t>모델링</a:t>
+            </a:r>
+            <a:endParaRPr lang="en-US" altLang="ko-KR" sz="2400" dirty="0">
+              <a:ln w="0"/>
+              <a:effectLst>
+                <a:outerShdw blurRad="38100" dist="19050" dir="2700000" algn="tl" rotWithShape="0">
+                  <a:schemeClr val="dk1">
+                    <a:alpha val="40000"/>
+                  </a:schemeClr>
+                </a:outerShdw>
+              </a:effectLst>
+            </a:endParaRPr>
+          </a:p>
+          <a:p>
+            <a:r>
+              <a:rPr lang="en-US" altLang="ko-KR" sz="2400" dirty="0">
+                <a:ln w="0"/>
+                <a:effectLst>
+                  <a:outerShdw blurRad="38100" dist="19050" dir="2700000" algn="tl" rotWithShape="0">
+                    <a:schemeClr val="dk1">
+                      <a:alpha val="40000"/>
+                    </a:schemeClr>
+                  </a:outerShdw>
+                </a:effectLst>
+              </a:rPr>
+              <a:t>	- </a:t>
+            </a:r>
+            <a:r>
+              <a:rPr lang="ko-KR" altLang="en-US" sz="2400" dirty="0" err="1">
+                <a:ln w="0"/>
+                <a:effectLst>
+                  <a:outerShdw blurRad="38100" dist="19050" dir="2700000" algn="tl" rotWithShape="0">
+                    <a:schemeClr val="dk1">
+                      <a:alpha val="40000"/>
+                    </a:schemeClr>
+                  </a:outerShdw>
+                </a:effectLst>
+              </a:rPr>
+              <a:t>텍스쳐</a:t>
+            </a:r>
+            <a:endParaRPr lang="en-US" altLang="ko-KR" sz="2400" dirty="0">
+              <a:ln w="0"/>
+              <a:effectLst>
+                <a:outerShdw blurRad="38100" dist="19050" dir="2700000" algn="tl" rotWithShape="0">
+                  <a:schemeClr val="dk1">
+                    <a:alpha val="40000"/>
+                  </a:schemeClr>
+                </a:outerShdw>
+              </a:effectLst>
+            </a:endParaRPr>
+          </a:p>
+          <a:p>
+            <a:r>
+              <a:rPr lang="en-US" altLang="ko-KR" sz="2400" dirty="0">
+                <a:ln w="0"/>
+                <a:effectLst>
+                  <a:outerShdw blurRad="38100" dist="19050" dir="2700000" algn="tl" rotWithShape="0">
+                    <a:schemeClr val="dk1">
+                      <a:alpha val="40000"/>
+                    </a:schemeClr>
+                  </a:outerShdw>
+                </a:effectLst>
+              </a:rPr>
+              <a:t>	- </a:t>
+            </a:r>
+            <a:r>
+              <a:rPr lang="ko-KR" altLang="en-US" sz="2400" dirty="0">
+                <a:ln w="0"/>
+                <a:effectLst>
+                  <a:outerShdw blurRad="38100" dist="19050" dir="2700000" algn="tl" rotWithShape="0">
+                    <a:schemeClr val="dk1">
+                      <a:alpha val="40000"/>
+                    </a:schemeClr>
+                  </a:outerShdw>
+                </a:effectLst>
+              </a:rPr>
+              <a:t>애니메이션</a:t>
+            </a:r>
+            <a:endParaRPr lang="en-US" altLang="ko-KR" sz="2400" dirty="0">
+              <a:ln w="0"/>
+              <a:effectLst>
+                <a:outerShdw blurRad="38100" dist="19050" dir="2700000" algn="tl" rotWithShape="0">
+                  <a:schemeClr val="dk1">
+                    <a:alpha val="40000"/>
+                  </a:schemeClr>
+                </a:outerShdw>
+              </a:effectLst>
+            </a:endParaRPr>
+          </a:p>
+          <a:p>
+            <a:r>
+              <a:rPr lang="en-US" altLang="ko-KR" sz="2400" dirty="0">
+                <a:ln w="0"/>
+                <a:effectLst>
+                  <a:outerShdw blurRad="38100" dist="19050" dir="2700000" algn="tl" rotWithShape="0">
+                    <a:schemeClr val="dk1">
+                      <a:alpha val="40000"/>
+                    </a:schemeClr>
+                  </a:outerShdw>
+                </a:effectLst>
+              </a:rPr>
+              <a:t>	(idle, run, attack, angry, death)</a:t>
+            </a:r>
+          </a:p>
+          <a:p>
+            <a:endParaRPr lang="en-US" altLang="ko-KR" sz="800" dirty="0">
+              <a:ln w="0"/>
+              <a:effectLst>
+                <a:outerShdw blurRad="38100" dist="19050" dir="2700000" algn="tl" rotWithShape="0">
+                  <a:schemeClr val="dk1">
+                    <a:alpha val="40000"/>
+                  </a:schemeClr>
+                </a:outerShdw>
+              </a:effectLst>
+            </a:endParaRPr>
+          </a:p>
+        </p:txBody>
+      </p:sp>
+      <p:pic>
+        <p:nvPicPr>
+          <p:cNvPr id="5" name="그림 4" descr="동물, 파충류이(가) 표시된 사진&#10;&#10;자동 생성된 설명">
+            <a:extLst>
+              <a:ext uri="{FF2B5EF4-FFF2-40B4-BE49-F238E27FC236}">
+                <a16:creationId xmlns:a16="http://schemas.microsoft.com/office/drawing/2014/main" id="{DD02A580-ABCF-44AA-85DB-DEBE724D9320}"/>
+              </a:ext>
+            </a:extLst>
+          </p:cNvPr>
+          <p:cNvPicPr>
+            <a:picLocks noChangeAspect="1"/>
+          </p:cNvPicPr>
+          <p:nvPr/>
+        </p:nvPicPr>
+        <p:blipFill>
+          <a:blip r:embed="rId3">
+            <a:extLst>
+              <a:ext uri="{28A0092B-C50C-407E-A947-70E740481C1C}">
+                <a14:useLocalDpi xmlns:a14="http://schemas.microsoft.com/office/drawing/2010/main" val="0"/>
+              </a:ext>
+            </a:extLst>
+          </a:blip>
+          <a:stretch>
+            <a:fillRect/>
+          </a:stretch>
+        </p:blipFill>
+        <p:spPr>
+          <a:xfrm>
+            <a:off x="5567284" y="4162060"/>
+            <a:ext cx="2948066" cy="2211050"/>
+          </a:xfrm>
+          <a:prstGeom prst="rect">
+            <a:avLst/>
+          </a:prstGeom>
+        </p:spPr>
+      </p:pic>
     </p:spTree>
     <p:extLst>
       <p:ext uri="{BB962C8B-B14F-4D97-AF65-F5344CB8AC3E}">
@@ -31122,7 +34398,7 @@
                 <a:latin typeface="나눔스퀘어OTF" panose="020B0600000101010101" pitchFamily="34" charset="-127"/>
                 <a:ea typeface="나눔스퀘어OTF" panose="020B0600000101010101" pitchFamily="34" charset="-127"/>
               </a:rPr>
-              <a:t>문제점 및 보완책</a:t>
+              <a:t>구성원 역할 분담</a:t>
             </a:r>
           </a:p>
         </p:txBody>
@@ -31377,1218 +34653,527 @@
           </a:p>
         </p:txBody>
       </p:sp>
-      <p:graphicFrame>
-        <p:nvGraphicFramePr>
-          <p:cNvPr id="14" name="표 13">
+      <p:sp>
+        <p:nvSpPr>
+          <p:cNvPr id="13" name="TextBox 12">
             <a:extLst>
               <a:ext uri="{FF2B5EF4-FFF2-40B4-BE49-F238E27FC236}">
-                <a16:creationId xmlns:a16="http://schemas.microsoft.com/office/drawing/2014/main" id="{B97C825D-938D-4772-90C8-48581CC48F1F}"/>
+                <a16:creationId xmlns:a16="http://schemas.microsoft.com/office/drawing/2014/main" id="{9364CE2A-6B41-4BE2-8FBD-A728119CB1D4}"/>
               </a:ext>
             </a:extLst>
           </p:cNvPr>
-          <p:cNvGraphicFramePr>
-            <a:graphicFrameLocks noGrp="1"/>
-          </p:cNvGraphicFramePr>
-          <p:nvPr>
-            <p:extLst>
-              <p:ext uri="{D42A27DB-BD31-4B8C-83A1-F6EECF244321}">
-                <p14:modId xmlns:p14="http://schemas.microsoft.com/office/powerpoint/2010/main" val="3728629718"/>
-              </p:ext>
-            </p:extLst>
-          </p:nvPr>
-        </p:nvGraphicFramePr>
-        <p:xfrm>
-          <a:off x="609061" y="2095497"/>
-          <a:ext cx="7925877" cy="3925956"/>
-        </p:xfrm>
-        <a:graphic>
-          <a:graphicData uri="http://schemas.openxmlformats.org/drawingml/2006/table">
-            <a:tbl>
-              <a:tblPr/>
-              <a:tblGrid>
-                <a:gridCol w="1018572">
-                  <a:extLst>
-                    <a:ext uri="{9D8B030D-6E8A-4147-A177-3AD203B41FA5}">
-                      <a16:colId xmlns:a16="http://schemas.microsoft.com/office/drawing/2014/main" val="2893285457"/>
-                    </a:ext>
-                  </a:extLst>
-                </a:gridCol>
-                <a:gridCol w="3419496">
-                  <a:extLst>
-                    <a:ext uri="{9D8B030D-6E8A-4147-A177-3AD203B41FA5}">
-                      <a16:colId xmlns:a16="http://schemas.microsoft.com/office/drawing/2014/main" val="271003524"/>
-                    </a:ext>
-                  </a:extLst>
-                </a:gridCol>
-                <a:gridCol w="3487809">
-                  <a:extLst>
-                    <a:ext uri="{9D8B030D-6E8A-4147-A177-3AD203B41FA5}">
-                      <a16:colId xmlns:a16="http://schemas.microsoft.com/office/drawing/2014/main" val="3358523374"/>
-                    </a:ext>
-                  </a:extLst>
-                </a:gridCol>
-              </a:tblGrid>
-              <a:tr h="387727">
-                <a:tc>
-                  <a:txBody>
-                    <a:bodyPr/>
-                    <a:lstStyle/>
-                    <a:p>
-                      <a:pPr marL="0" marR="0" indent="0" algn="ctr" fontAlgn="base" latinLnBrk="0">
-                        <a:lnSpc>
-                          <a:spcPct val="150000"/>
-                        </a:lnSpc>
-                        <a:spcBef>
-                          <a:spcPts val="0"/>
-                        </a:spcBef>
-                        <a:spcAft>
-                          <a:spcPts val="0"/>
-                        </a:spcAft>
-                      </a:pPr>
-                      <a:r>
-                        <a:rPr lang="ko-KR" altLang="en-US" sz="1200" b="1" kern="0" spc="0" dirty="0">
-                          <a:solidFill>
-                            <a:srgbClr val="000000"/>
-                          </a:solidFill>
-                          <a:effectLst/>
-                          <a:latin typeface="한양신명조"/>
-                        </a:rPr>
-                        <a:t>역할 </a:t>
-                      </a:r>
-                      <a:r>
-                        <a:rPr lang="en-US" altLang="ko-KR" sz="1200" b="1" kern="0" spc="0" dirty="0">
-                          <a:solidFill>
-                            <a:srgbClr val="000000"/>
-                          </a:solidFill>
-                          <a:effectLst/>
-                          <a:latin typeface="한양신명조"/>
-                        </a:rPr>
-                        <a:t>/ </a:t>
-                      </a:r>
-                      <a:r>
-                        <a:rPr lang="ko-KR" altLang="en-US" sz="1200" b="1" kern="0" spc="0" dirty="0">
-                          <a:solidFill>
-                            <a:srgbClr val="000000"/>
-                          </a:solidFill>
-                          <a:effectLst/>
-                          <a:latin typeface="한양신명조"/>
-                        </a:rPr>
-                        <a:t>이름</a:t>
-                      </a:r>
-                    </a:p>
-                  </a:txBody>
-                  <a:tcPr marL="17907" marR="17907" marT="17907" marB="17907" anchor="ctr">
-                    <a:lnL w="12700" cap="flat" cmpd="sng" algn="ctr">
-                      <a:solidFill>
-                        <a:schemeClr val="tx1"/>
-                      </a:solidFill>
-                      <a:prstDash val="solid"/>
-                      <a:round/>
-                      <a:headEnd type="none" w="med" len="med"/>
-                      <a:tailEnd type="none" w="med" len="med"/>
-                    </a:lnL>
-                    <a:lnR w="12700" cap="flat" cmpd="sng" algn="ctr">
-                      <a:solidFill>
-                        <a:schemeClr val="tx1"/>
-                      </a:solidFill>
-                      <a:prstDash val="solid"/>
-                      <a:round/>
-                      <a:headEnd type="none" w="med" len="med"/>
-                      <a:tailEnd type="none" w="med" len="med"/>
-                    </a:lnR>
-                    <a:lnT w="12700" cap="flat" cmpd="sng" algn="ctr">
-                      <a:solidFill>
-                        <a:schemeClr val="tx1"/>
-                      </a:solidFill>
-                      <a:prstDash val="solid"/>
-                      <a:round/>
-                      <a:headEnd type="none" w="med" len="med"/>
-                      <a:tailEnd type="none" w="med" len="med"/>
-                    </a:lnT>
-                    <a:lnB w="12700" cap="flat" cmpd="sng" algn="ctr">
-                      <a:solidFill>
-                        <a:schemeClr val="tx1"/>
-                      </a:solidFill>
-                      <a:prstDash val="solid"/>
-                      <a:round/>
-                      <a:headEnd type="none" w="med" len="med"/>
-                      <a:tailEnd type="none" w="med" len="med"/>
-                    </a:lnB>
-                    <a:solidFill>
-                      <a:schemeClr val="bg1">
-                        <a:lumMod val="75000"/>
-                      </a:schemeClr>
-                    </a:solidFill>
-                  </a:tcPr>
-                </a:tc>
-                <a:tc>
-                  <a:txBody>
-                    <a:bodyPr/>
-                    <a:lstStyle/>
-                    <a:p>
-                      <a:pPr marL="0" marR="0" indent="0" algn="ctr" fontAlgn="base" latinLnBrk="0">
-                        <a:lnSpc>
-                          <a:spcPct val="150000"/>
-                        </a:lnSpc>
-                        <a:spcBef>
-                          <a:spcPts val="0"/>
-                        </a:spcBef>
-                        <a:spcAft>
-                          <a:spcPts val="0"/>
-                        </a:spcAft>
-                      </a:pPr>
-                      <a:r>
-                        <a:rPr lang="ko-KR" altLang="en-US" sz="1200" b="1" kern="0" spc="0" dirty="0">
-                          <a:solidFill>
-                            <a:srgbClr val="000000"/>
-                          </a:solidFill>
-                          <a:effectLst/>
-                          <a:latin typeface="한양신명조"/>
-                        </a:rPr>
-                        <a:t>문제점</a:t>
-                      </a:r>
-                    </a:p>
-                  </a:txBody>
-                  <a:tcPr marL="17907" marR="17907" marT="17907" marB="17907" anchor="ctr">
-                    <a:lnL w="12700" cap="flat" cmpd="sng" algn="ctr">
-                      <a:solidFill>
-                        <a:schemeClr val="tx1"/>
-                      </a:solidFill>
-                      <a:prstDash val="solid"/>
-                      <a:round/>
-                      <a:headEnd type="none" w="med" len="med"/>
-                      <a:tailEnd type="none" w="med" len="med"/>
-                    </a:lnL>
-                    <a:lnR w="12700" cap="flat" cmpd="sng" algn="ctr">
-                      <a:solidFill>
-                        <a:schemeClr val="tx1"/>
-                      </a:solidFill>
-                      <a:prstDash val="solid"/>
-                      <a:round/>
-                      <a:headEnd type="none" w="med" len="med"/>
-                      <a:tailEnd type="none" w="med" len="med"/>
-                    </a:lnR>
-                    <a:lnT w="12700" cap="flat" cmpd="sng" algn="ctr">
-                      <a:solidFill>
-                        <a:schemeClr val="tx1"/>
-                      </a:solidFill>
-                      <a:prstDash val="solid"/>
-                      <a:round/>
-                      <a:headEnd type="none" w="med" len="med"/>
-                      <a:tailEnd type="none" w="med" len="med"/>
-                    </a:lnT>
-                    <a:lnB w="12700" cap="flat" cmpd="sng" algn="ctr">
-                      <a:solidFill>
-                        <a:schemeClr val="tx1"/>
-                      </a:solidFill>
-                      <a:prstDash val="solid"/>
-                      <a:round/>
-                      <a:headEnd type="none" w="med" len="med"/>
-                      <a:tailEnd type="none" w="med" len="med"/>
-                    </a:lnB>
-                    <a:solidFill>
-                      <a:schemeClr val="bg1">
-                        <a:lumMod val="75000"/>
-                      </a:schemeClr>
-                    </a:solidFill>
-                  </a:tcPr>
-                </a:tc>
-                <a:tc>
-                  <a:txBody>
-                    <a:bodyPr/>
-                    <a:lstStyle/>
-                    <a:p>
-                      <a:pPr marL="0" marR="0" indent="0" algn="ctr" fontAlgn="base" latinLnBrk="0">
-                        <a:lnSpc>
-                          <a:spcPct val="150000"/>
-                        </a:lnSpc>
-                        <a:spcBef>
-                          <a:spcPts val="0"/>
-                        </a:spcBef>
-                        <a:spcAft>
-                          <a:spcPts val="0"/>
-                        </a:spcAft>
-                      </a:pPr>
-                      <a:r>
-                        <a:rPr lang="ko-KR" altLang="en-US" sz="1200" b="1" kern="0" spc="0" dirty="0">
-                          <a:solidFill>
-                            <a:srgbClr val="000000"/>
-                          </a:solidFill>
-                          <a:effectLst/>
-                          <a:latin typeface="한양신명조"/>
-                        </a:rPr>
-                        <a:t>보완책</a:t>
-                      </a:r>
-                    </a:p>
-                  </a:txBody>
-                  <a:tcPr marL="17907" marR="17907" marT="17907" marB="17907" anchor="ctr">
-                    <a:lnL w="12700" cap="flat" cmpd="sng" algn="ctr">
-                      <a:solidFill>
-                        <a:schemeClr val="tx1"/>
-                      </a:solidFill>
-                      <a:prstDash val="solid"/>
-                      <a:round/>
-                      <a:headEnd type="none" w="med" len="med"/>
-                      <a:tailEnd type="none" w="med" len="med"/>
-                    </a:lnL>
-                    <a:lnR w="12700" cap="flat" cmpd="sng" algn="ctr">
-                      <a:solidFill>
-                        <a:schemeClr val="tx1"/>
-                      </a:solidFill>
-                      <a:prstDash val="solid"/>
-                      <a:round/>
-                      <a:headEnd type="none" w="med" len="med"/>
-                      <a:tailEnd type="none" w="med" len="med"/>
-                    </a:lnR>
-                    <a:lnT w="12700" cap="flat" cmpd="sng" algn="ctr">
-                      <a:solidFill>
-                        <a:schemeClr val="tx1"/>
-                      </a:solidFill>
-                      <a:prstDash val="solid"/>
-                      <a:round/>
-                      <a:headEnd type="none" w="med" len="med"/>
-                      <a:tailEnd type="none" w="med" len="med"/>
-                    </a:lnT>
-                    <a:lnB w="12700" cap="flat" cmpd="sng" algn="ctr">
-                      <a:solidFill>
-                        <a:schemeClr val="tx1"/>
-                      </a:solidFill>
-                      <a:prstDash val="solid"/>
-                      <a:round/>
-                      <a:headEnd type="none" w="med" len="med"/>
-                      <a:tailEnd type="none" w="med" len="med"/>
-                    </a:lnB>
-                    <a:solidFill>
-                      <a:schemeClr val="bg1">
-                        <a:lumMod val="75000"/>
-                      </a:schemeClr>
-                    </a:solidFill>
-                  </a:tcPr>
-                </a:tc>
-                <a:extLst>
-                  <a:ext uri="{0D108BD9-81ED-4DB2-BD59-A6C34878D82A}">
-                    <a16:rowId xmlns:a16="http://schemas.microsoft.com/office/drawing/2014/main" val="2929545688"/>
-                  </a:ext>
-                </a:extLst>
-              </a:tr>
-              <a:tr h="1131874">
-                <a:tc>
-                  <a:txBody>
-                    <a:bodyPr/>
-                    <a:lstStyle/>
-                    <a:p>
-                      <a:pPr marL="0" marR="0" indent="0" algn="ctr" fontAlgn="base" latinLnBrk="1">
-                        <a:lnSpc>
-                          <a:spcPct val="150000"/>
-                        </a:lnSpc>
-                        <a:spcBef>
-                          <a:spcPts val="0"/>
-                        </a:spcBef>
-                        <a:spcAft>
-                          <a:spcPts val="0"/>
-                        </a:spcAft>
-                      </a:pPr>
-                      <a:r>
-                        <a:rPr lang="ko-KR" altLang="en-US" sz="1200" b="1" kern="0" spc="0" dirty="0">
-                          <a:solidFill>
-                            <a:srgbClr val="000000"/>
-                          </a:solidFill>
-                          <a:effectLst/>
-                          <a:latin typeface="한양신명조"/>
-                        </a:rPr>
-                        <a:t>클라이언트</a:t>
-                      </a:r>
-                      <a:endParaRPr lang="en-US" altLang="ko-KR" sz="1200" b="1" kern="0" spc="0" dirty="0">
-                        <a:solidFill>
-                          <a:srgbClr val="000000"/>
-                        </a:solidFill>
-                        <a:effectLst/>
-                        <a:latin typeface="한양신명조"/>
-                      </a:endParaRPr>
-                    </a:p>
-                    <a:p>
-                      <a:pPr marL="0" marR="0" indent="0" algn="ctr" fontAlgn="base" latinLnBrk="1">
-                        <a:lnSpc>
-                          <a:spcPct val="150000"/>
-                        </a:lnSpc>
-                        <a:spcBef>
-                          <a:spcPts val="0"/>
-                        </a:spcBef>
-                        <a:spcAft>
-                          <a:spcPts val="0"/>
-                        </a:spcAft>
-                      </a:pPr>
-                      <a:r>
-                        <a:rPr lang="en-US" altLang="ko-KR" sz="1200" b="1" kern="0" spc="0" dirty="0">
-                          <a:solidFill>
-                            <a:srgbClr val="000000"/>
-                          </a:solidFill>
-                          <a:effectLst/>
-                          <a:latin typeface="한양신명조"/>
-                        </a:rPr>
-                        <a:t>(</a:t>
-                      </a:r>
-                      <a:r>
-                        <a:rPr lang="ko-KR" altLang="en-US" sz="1200" b="1" kern="0" spc="0" dirty="0" err="1">
-                          <a:solidFill>
-                            <a:srgbClr val="000000"/>
-                          </a:solidFill>
-                          <a:effectLst/>
-                          <a:latin typeface="한양신명조"/>
-                        </a:rPr>
-                        <a:t>서채원</a:t>
-                      </a:r>
-                      <a:r>
-                        <a:rPr lang="en-US" altLang="ko-KR" sz="1200" b="1" kern="0" spc="0" dirty="0">
-                          <a:solidFill>
-                            <a:srgbClr val="000000"/>
-                          </a:solidFill>
-                          <a:effectLst/>
-                          <a:latin typeface="한양신명조"/>
-                        </a:rPr>
-                        <a:t>)</a:t>
-                      </a:r>
-                      <a:endParaRPr lang="ko-KR" altLang="en-US" sz="1200" b="1" kern="0" spc="0" dirty="0">
-                        <a:solidFill>
-                          <a:srgbClr val="000000"/>
-                        </a:solidFill>
-                        <a:effectLst/>
-                        <a:latin typeface="한양신명조"/>
-                      </a:endParaRPr>
-                    </a:p>
-                  </a:txBody>
-                  <a:tcPr marL="17907" marR="17907" marT="17907" marB="17907" anchor="ctr">
-                    <a:lnL w="12700" cap="flat" cmpd="sng" algn="ctr">
-                      <a:solidFill>
-                        <a:schemeClr val="tx1"/>
-                      </a:solidFill>
-                      <a:prstDash val="solid"/>
-                      <a:round/>
-                      <a:headEnd type="none" w="med" len="med"/>
-                      <a:tailEnd type="none" w="med" len="med"/>
-                    </a:lnL>
-                    <a:lnR w="12700" cap="flat" cmpd="sng" algn="ctr">
-                      <a:solidFill>
-                        <a:schemeClr val="tx1"/>
-                      </a:solidFill>
-                      <a:prstDash val="solid"/>
-                      <a:round/>
-                      <a:headEnd type="none" w="med" len="med"/>
-                      <a:tailEnd type="none" w="med" len="med"/>
-                    </a:lnR>
-                    <a:lnT w="12700" cap="flat" cmpd="sng" algn="ctr">
-                      <a:solidFill>
-                        <a:schemeClr val="tx1"/>
-                      </a:solidFill>
-                      <a:prstDash val="solid"/>
-                      <a:round/>
-                      <a:headEnd type="none" w="med" len="med"/>
-                      <a:tailEnd type="none" w="med" len="med"/>
-                    </a:lnT>
-                    <a:lnB w="12700" cap="flat" cmpd="sng" algn="ctr">
-                      <a:solidFill>
-                        <a:schemeClr val="tx1"/>
-                      </a:solidFill>
-                      <a:prstDash val="solid"/>
-                      <a:round/>
-                      <a:headEnd type="none" w="med" len="med"/>
-                      <a:tailEnd type="none" w="med" len="med"/>
-                    </a:lnB>
-                    <a:solidFill>
-                      <a:schemeClr val="accent4">
-                        <a:lumMod val="20000"/>
-                        <a:lumOff val="80000"/>
-                      </a:schemeClr>
-                    </a:solidFill>
-                  </a:tcPr>
-                </a:tc>
-                <a:tc>
-                  <a:txBody>
-                    <a:bodyPr/>
-                    <a:lstStyle/>
-                    <a:p>
-                      <a:pPr marL="0" marR="0" indent="0" algn="just" fontAlgn="base" latinLnBrk="1">
-                        <a:lnSpc>
-                          <a:spcPct val="150000"/>
-                        </a:lnSpc>
-                        <a:spcBef>
-                          <a:spcPts val="0"/>
-                        </a:spcBef>
-                        <a:spcAft>
-                          <a:spcPts val="0"/>
-                        </a:spcAft>
-                      </a:pPr>
-                      <a:r>
-                        <a:rPr lang="en-US" altLang="ko-KR" sz="1050" kern="0" spc="0" dirty="0">
-                          <a:solidFill>
-                            <a:srgbClr val="000000"/>
-                          </a:solidFill>
-                          <a:effectLst/>
-                          <a:latin typeface="한양신명조"/>
-                        </a:rPr>
-                        <a:t>1.</a:t>
-                      </a:r>
-                      <a:r>
-                        <a:rPr lang="ko-KR" altLang="en-US" sz="1050" kern="0" spc="0" dirty="0">
-                          <a:solidFill>
-                            <a:srgbClr val="000000"/>
-                          </a:solidFill>
-                          <a:effectLst/>
-                          <a:latin typeface="한양신명조"/>
-                        </a:rPr>
-                        <a:t> 물의 표현이 빈약함</a:t>
-                      </a:r>
-                      <a:endParaRPr lang="en-US" altLang="ko-KR" sz="1050" kern="0" spc="0" dirty="0">
-                        <a:solidFill>
-                          <a:srgbClr val="000000"/>
-                        </a:solidFill>
-                        <a:effectLst/>
-                        <a:latin typeface="한양신명조"/>
-                      </a:endParaRPr>
-                    </a:p>
-                    <a:p>
-                      <a:pPr marL="0" marR="0" indent="0" algn="just" fontAlgn="base" latinLnBrk="1">
-                        <a:lnSpc>
-                          <a:spcPct val="150000"/>
-                        </a:lnSpc>
-                        <a:spcBef>
-                          <a:spcPts val="0"/>
-                        </a:spcBef>
-                        <a:spcAft>
-                          <a:spcPts val="0"/>
-                        </a:spcAft>
-                      </a:pPr>
-                      <a:r>
-                        <a:rPr lang="en-US" altLang="ko-KR" sz="1050" kern="0" spc="0" dirty="0">
-                          <a:solidFill>
-                            <a:srgbClr val="000000"/>
-                          </a:solidFill>
-                          <a:effectLst/>
-                          <a:latin typeface="한양신명조"/>
-                        </a:rPr>
-                        <a:t>2. </a:t>
-                      </a:r>
-                      <a:r>
-                        <a:rPr lang="ko-KR" altLang="en-US" sz="1050" kern="0" spc="0" dirty="0">
-                          <a:solidFill>
-                            <a:srgbClr val="000000"/>
-                          </a:solidFill>
-                          <a:effectLst/>
-                          <a:latin typeface="한양신명조"/>
-                        </a:rPr>
-                        <a:t>어색한 충돌처리</a:t>
-                      </a:r>
-                    </a:p>
-                  </a:txBody>
-                  <a:tcPr marL="17907" marR="17907" marT="17907" marB="17907" anchor="ctr">
-                    <a:lnL w="12700" cap="flat" cmpd="sng" algn="ctr">
-                      <a:solidFill>
-                        <a:schemeClr val="tx1"/>
-                      </a:solidFill>
-                      <a:prstDash val="solid"/>
-                      <a:round/>
-                      <a:headEnd type="none" w="med" len="med"/>
-                      <a:tailEnd type="none" w="med" len="med"/>
-                    </a:lnL>
-                    <a:lnR w="12700" cap="flat" cmpd="sng" algn="ctr">
-                      <a:solidFill>
-                        <a:schemeClr val="tx1"/>
-                      </a:solidFill>
-                      <a:prstDash val="solid"/>
-                      <a:round/>
-                      <a:headEnd type="none" w="med" len="med"/>
-                      <a:tailEnd type="none" w="med" len="med"/>
-                    </a:lnR>
-                    <a:lnT w="12700" cap="flat" cmpd="sng" algn="ctr">
-                      <a:solidFill>
-                        <a:schemeClr val="tx1"/>
-                      </a:solidFill>
-                      <a:prstDash val="solid"/>
-                      <a:round/>
-                      <a:headEnd type="none" w="med" len="med"/>
-                      <a:tailEnd type="none" w="med" len="med"/>
-                    </a:lnT>
-                    <a:lnB w="12700" cap="flat" cmpd="sng" algn="ctr">
-                      <a:solidFill>
-                        <a:schemeClr val="tx1"/>
-                      </a:solidFill>
-                      <a:prstDash val="solid"/>
-                      <a:round/>
-                      <a:headEnd type="none" w="med" len="med"/>
-                      <a:tailEnd type="none" w="med" len="med"/>
-                    </a:lnB>
-                    <a:solidFill>
-                      <a:schemeClr val="accent4">
-                        <a:lumMod val="20000"/>
-                        <a:lumOff val="80000"/>
-                      </a:schemeClr>
-                    </a:solidFill>
-                  </a:tcPr>
-                </a:tc>
-                <a:tc>
-                  <a:txBody>
-                    <a:bodyPr/>
-                    <a:lstStyle/>
-                    <a:p>
-                      <a:pPr marL="0" marR="0" indent="0" algn="just" fontAlgn="base" latinLnBrk="1">
-                        <a:lnSpc>
-                          <a:spcPct val="150000"/>
-                        </a:lnSpc>
-                        <a:spcBef>
-                          <a:spcPts val="0"/>
-                        </a:spcBef>
-                        <a:spcAft>
-                          <a:spcPts val="0"/>
-                        </a:spcAft>
-                      </a:pPr>
-                      <a:r>
-                        <a:rPr lang="en-US" altLang="ko-KR" sz="1050" kern="0" spc="0" dirty="0">
-                          <a:solidFill>
-                            <a:srgbClr val="000000"/>
-                          </a:solidFill>
-                          <a:effectLst/>
-                          <a:latin typeface="한양신명조"/>
-                        </a:rPr>
-                        <a:t>`</a:t>
-                      </a:r>
-                      <a:endParaRPr lang="ko-KR" altLang="en-US" sz="1050" kern="0" spc="0" dirty="0">
-                        <a:solidFill>
-                          <a:srgbClr val="000000"/>
-                        </a:solidFill>
-                        <a:effectLst/>
-                        <a:latin typeface="한양신명조"/>
-                      </a:endParaRPr>
-                    </a:p>
-                  </a:txBody>
-                  <a:tcPr marL="17907" marR="17907" marT="17907" marB="17907" anchor="ctr">
-                    <a:lnL w="12700" cap="flat" cmpd="sng" algn="ctr">
-                      <a:solidFill>
-                        <a:schemeClr val="tx1"/>
-                      </a:solidFill>
-                      <a:prstDash val="solid"/>
-                      <a:round/>
-                      <a:headEnd type="none" w="med" len="med"/>
-                      <a:tailEnd type="none" w="med" len="med"/>
-                    </a:lnL>
-                    <a:lnR w="12700" cap="flat" cmpd="sng" algn="ctr">
-                      <a:solidFill>
-                        <a:schemeClr val="tx1"/>
-                      </a:solidFill>
-                      <a:prstDash val="solid"/>
-                      <a:round/>
-                      <a:headEnd type="none" w="med" len="med"/>
-                      <a:tailEnd type="none" w="med" len="med"/>
-                    </a:lnR>
-                    <a:lnT w="12700" cap="flat" cmpd="sng" algn="ctr">
-                      <a:solidFill>
-                        <a:schemeClr val="tx1"/>
-                      </a:solidFill>
-                      <a:prstDash val="solid"/>
-                      <a:round/>
-                      <a:headEnd type="none" w="med" len="med"/>
-                      <a:tailEnd type="none" w="med" len="med"/>
-                    </a:lnT>
-                    <a:lnB w="12700" cap="flat" cmpd="sng" algn="ctr">
-                      <a:solidFill>
-                        <a:schemeClr val="tx1"/>
-                      </a:solidFill>
-                      <a:prstDash val="solid"/>
-                      <a:round/>
-                      <a:headEnd type="none" w="med" len="med"/>
-                      <a:tailEnd type="none" w="med" len="med"/>
-                    </a:lnB>
-                    <a:solidFill>
-                      <a:schemeClr val="accent4">
-                        <a:lumMod val="20000"/>
-                        <a:lumOff val="80000"/>
-                      </a:schemeClr>
-                    </a:solidFill>
-                  </a:tcPr>
-                </a:tc>
-                <a:extLst>
-                  <a:ext uri="{0D108BD9-81ED-4DB2-BD59-A6C34878D82A}">
-                    <a16:rowId xmlns:a16="http://schemas.microsoft.com/office/drawing/2014/main" val="1168806803"/>
-                  </a:ext>
-                </a:extLst>
-              </a:tr>
-              <a:tr h="1276960">
-                <a:tc>
-                  <a:txBody>
-                    <a:bodyPr/>
-                    <a:lstStyle/>
-                    <a:p>
-                      <a:pPr marL="0" marR="0" indent="0" algn="ctr" fontAlgn="base" latinLnBrk="1">
-                        <a:lnSpc>
-                          <a:spcPct val="150000"/>
-                        </a:lnSpc>
-                        <a:spcBef>
-                          <a:spcPts val="0"/>
-                        </a:spcBef>
-                        <a:spcAft>
-                          <a:spcPts val="0"/>
-                        </a:spcAft>
-                      </a:pPr>
-                      <a:r>
-                        <a:rPr lang="ko-KR" altLang="en-US" sz="1200" b="1" kern="0" spc="0" dirty="0">
-                          <a:solidFill>
-                            <a:srgbClr val="000000"/>
-                          </a:solidFill>
-                          <a:effectLst/>
-                          <a:latin typeface="한양신명조"/>
-                        </a:rPr>
-                        <a:t>서버</a:t>
-                      </a:r>
-                      <a:endParaRPr lang="en-US" altLang="ko-KR" sz="1200" b="1" kern="0" spc="0" dirty="0">
-                        <a:solidFill>
-                          <a:srgbClr val="000000"/>
-                        </a:solidFill>
-                        <a:effectLst/>
-                        <a:latin typeface="한양신명조"/>
-                      </a:endParaRPr>
-                    </a:p>
-                    <a:p>
-                      <a:pPr marL="0" marR="0" indent="0" algn="ctr" fontAlgn="base" latinLnBrk="1">
-                        <a:lnSpc>
-                          <a:spcPct val="150000"/>
-                        </a:lnSpc>
-                        <a:spcBef>
-                          <a:spcPts val="0"/>
-                        </a:spcBef>
-                        <a:spcAft>
-                          <a:spcPts val="0"/>
-                        </a:spcAft>
-                      </a:pPr>
-                      <a:r>
-                        <a:rPr lang="en-US" altLang="ko-KR" sz="1200" b="1" kern="0" spc="0" dirty="0">
-                          <a:solidFill>
-                            <a:srgbClr val="000000"/>
-                          </a:solidFill>
-                          <a:effectLst/>
-                          <a:latin typeface="한양신명조"/>
-                        </a:rPr>
-                        <a:t>(</a:t>
-                      </a:r>
-                      <a:r>
-                        <a:rPr lang="ko-KR" altLang="en-US" sz="1200" b="1" kern="0" spc="0" dirty="0" err="1">
-                          <a:solidFill>
-                            <a:srgbClr val="000000"/>
-                          </a:solidFill>
-                          <a:effectLst/>
-                          <a:latin typeface="한양신명조"/>
-                        </a:rPr>
-                        <a:t>손채영</a:t>
-                      </a:r>
-                      <a:r>
-                        <a:rPr lang="en-US" altLang="ko-KR" sz="1200" b="1" kern="0" spc="0" dirty="0">
-                          <a:solidFill>
-                            <a:srgbClr val="000000"/>
-                          </a:solidFill>
-                          <a:effectLst/>
-                          <a:latin typeface="한양신명조"/>
-                        </a:rPr>
-                        <a:t>)</a:t>
-                      </a:r>
-                      <a:endParaRPr lang="ko-KR" altLang="en-US" sz="1200" b="1" kern="0" spc="0" dirty="0">
-                        <a:solidFill>
-                          <a:srgbClr val="000000"/>
-                        </a:solidFill>
-                        <a:effectLst/>
-                        <a:latin typeface="한양신명조"/>
-                      </a:endParaRPr>
-                    </a:p>
-                  </a:txBody>
-                  <a:tcPr marL="17907" marR="17907" marT="17907" marB="17907" anchor="ctr">
-                    <a:lnL w="12700" cap="flat" cmpd="sng" algn="ctr">
-                      <a:solidFill>
-                        <a:schemeClr val="tx1"/>
-                      </a:solidFill>
-                      <a:prstDash val="solid"/>
-                      <a:round/>
-                      <a:headEnd type="none" w="med" len="med"/>
-                      <a:tailEnd type="none" w="med" len="med"/>
-                    </a:lnL>
-                    <a:lnR w="12700" cap="flat" cmpd="sng" algn="ctr">
-                      <a:solidFill>
-                        <a:schemeClr val="tx1"/>
-                      </a:solidFill>
-                      <a:prstDash val="solid"/>
-                      <a:round/>
-                      <a:headEnd type="none" w="med" len="med"/>
-                      <a:tailEnd type="none" w="med" len="med"/>
-                    </a:lnR>
-                    <a:lnT w="12700" cap="flat" cmpd="sng" algn="ctr">
-                      <a:solidFill>
-                        <a:schemeClr val="tx1"/>
-                      </a:solidFill>
-                      <a:prstDash val="solid"/>
-                      <a:round/>
-                      <a:headEnd type="none" w="med" len="med"/>
-                      <a:tailEnd type="none" w="med" len="med"/>
-                    </a:lnT>
-                    <a:lnB w="12700" cap="flat" cmpd="sng" algn="ctr">
-                      <a:solidFill>
-                        <a:schemeClr val="tx1"/>
-                      </a:solidFill>
-                      <a:prstDash val="solid"/>
-                      <a:round/>
-                      <a:headEnd type="none" w="med" len="med"/>
-                      <a:tailEnd type="none" w="med" len="med"/>
-                    </a:lnB>
-                    <a:solidFill>
-                      <a:schemeClr val="accent4">
-                        <a:lumMod val="20000"/>
-                        <a:lumOff val="80000"/>
-                      </a:schemeClr>
-                    </a:solidFill>
-                  </a:tcPr>
-                </a:tc>
-                <a:tc>
-                  <a:txBody>
-                    <a:bodyPr/>
-                    <a:lstStyle/>
-                    <a:p>
-                      <a:pPr marL="0" marR="0" indent="0" algn="just" fontAlgn="base" latinLnBrk="1">
-                        <a:lnSpc>
-                          <a:spcPct val="150000"/>
-                        </a:lnSpc>
-                        <a:spcBef>
-                          <a:spcPts val="0"/>
-                        </a:spcBef>
-                        <a:spcAft>
-                          <a:spcPts val="0"/>
-                        </a:spcAft>
-                      </a:pPr>
-                      <a:endParaRPr lang="ko-KR" altLang="en-US" sz="1050" kern="0" spc="0" dirty="0">
-                        <a:solidFill>
-                          <a:srgbClr val="000000"/>
-                        </a:solidFill>
-                        <a:effectLst/>
-                        <a:latin typeface="한양신명조"/>
-                      </a:endParaRPr>
-                    </a:p>
-                  </a:txBody>
-                  <a:tcPr marL="17907" marR="17907" marT="17907" marB="17907" anchor="ctr">
-                    <a:lnL w="12700" cap="flat" cmpd="sng" algn="ctr">
-                      <a:solidFill>
-                        <a:schemeClr val="tx1"/>
-                      </a:solidFill>
-                      <a:prstDash val="solid"/>
-                      <a:round/>
-                      <a:headEnd type="none" w="med" len="med"/>
-                      <a:tailEnd type="none" w="med" len="med"/>
-                    </a:lnL>
-                    <a:lnR w="12700" cap="flat" cmpd="sng" algn="ctr">
-                      <a:solidFill>
-                        <a:schemeClr val="tx1"/>
-                      </a:solidFill>
-                      <a:prstDash val="solid"/>
-                      <a:round/>
-                      <a:headEnd type="none" w="med" len="med"/>
-                      <a:tailEnd type="none" w="med" len="med"/>
-                    </a:lnR>
-                    <a:lnT w="12700" cap="flat" cmpd="sng" algn="ctr">
-                      <a:solidFill>
-                        <a:schemeClr val="tx1"/>
-                      </a:solidFill>
-                      <a:prstDash val="solid"/>
-                      <a:round/>
-                      <a:headEnd type="none" w="med" len="med"/>
-                      <a:tailEnd type="none" w="med" len="med"/>
-                    </a:lnT>
-                    <a:lnB w="12700" cap="flat" cmpd="sng" algn="ctr">
-                      <a:solidFill>
-                        <a:schemeClr val="tx1"/>
-                      </a:solidFill>
-                      <a:prstDash val="solid"/>
-                      <a:round/>
-                      <a:headEnd type="none" w="med" len="med"/>
-                      <a:tailEnd type="none" w="med" len="med"/>
-                    </a:lnB>
-                    <a:solidFill>
-                      <a:schemeClr val="accent4">
-                        <a:lumMod val="20000"/>
-                        <a:lumOff val="80000"/>
-                      </a:schemeClr>
-                    </a:solidFill>
-                  </a:tcPr>
-                </a:tc>
-                <a:tc>
-                  <a:txBody>
-                    <a:bodyPr/>
-                    <a:lstStyle/>
-                    <a:p>
-                      <a:pPr marL="0" marR="0" indent="0" algn="just" fontAlgn="base" latinLnBrk="1">
-                        <a:lnSpc>
-                          <a:spcPct val="150000"/>
-                        </a:lnSpc>
-                        <a:spcBef>
-                          <a:spcPts val="0"/>
-                        </a:spcBef>
-                        <a:spcAft>
-                          <a:spcPts val="0"/>
-                        </a:spcAft>
-                      </a:pPr>
-                      <a:endParaRPr lang="ko-KR" altLang="en-US" sz="1050" kern="0" spc="0" dirty="0">
-                        <a:solidFill>
-                          <a:srgbClr val="000000"/>
-                        </a:solidFill>
-                        <a:effectLst/>
-                        <a:latin typeface="한양신명조"/>
-                      </a:endParaRPr>
-                    </a:p>
-                  </a:txBody>
-                  <a:tcPr marL="17907" marR="17907" marT="17907" marB="17907" anchor="ctr">
-                    <a:lnL w="12700" cap="flat" cmpd="sng" algn="ctr">
-                      <a:solidFill>
-                        <a:schemeClr val="tx1"/>
-                      </a:solidFill>
-                      <a:prstDash val="solid"/>
-                      <a:round/>
-                      <a:headEnd type="none" w="med" len="med"/>
-                      <a:tailEnd type="none" w="med" len="med"/>
-                    </a:lnL>
-                    <a:lnR w="12700" cap="flat" cmpd="sng" algn="ctr">
-                      <a:solidFill>
-                        <a:schemeClr val="tx1"/>
-                      </a:solidFill>
-                      <a:prstDash val="solid"/>
-                      <a:round/>
-                      <a:headEnd type="none" w="med" len="med"/>
-                      <a:tailEnd type="none" w="med" len="med"/>
-                    </a:lnR>
-                    <a:lnT w="12700" cap="flat" cmpd="sng" algn="ctr">
-                      <a:solidFill>
-                        <a:schemeClr val="tx1"/>
-                      </a:solidFill>
-                      <a:prstDash val="solid"/>
-                      <a:round/>
-                      <a:headEnd type="none" w="med" len="med"/>
-                      <a:tailEnd type="none" w="med" len="med"/>
-                    </a:lnT>
-                    <a:lnB w="12700" cap="flat" cmpd="sng" algn="ctr">
-                      <a:solidFill>
-                        <a:schemeClr val="tx1"/>
-                      </a:solidFill>
-                      <a:prstDash val="solid"/>
-                      <a:round/>
-                      <a:headEnd type="none" w="med" len="med"/>
-                      <a:tailEnd type="none" w="med" len="med"/>
-                    </a:lnB>
-                    <a:lnTlToBr w="12700" cmpd="sng">
-                      <a:noFill/>
-                      <a:prstDash val="solid"/>
-                    </a:lnTlToBr>
-                    <a:lnBlToTr w="12700" cmpd="sng">
-                      <a:noFill/>
-                      <a:prstDash val="solid"/>
-                    </a:lnBlToTr>
-                    <a:solidFill>
-                      <a:schemeClr val="accent4">
-                        <a:lumMod val="20000"/>
-                        <a:lumOff val="80000"/>
-                      </a:schemeClr>
-                    </a:solidFill>
-                  </a:tcPr>
-                </a:tc>
-                <a:extLst>
-                  <a:ext uri="{0D108BD9-81ED-4DB2-BD59-A6C34878D82A}">
-                    <a16:rowId xmlns:a16="http://schemas.microsoft.com/office/drawing/2014/main" val="1047782405"/>
-                  </a:ext>
-                </a:extLst>
-              </a:tr>
-              <a:tr h="1129395">
-                <a:tc>
-                  <a:txBody>
-                    <a:bodyPr/>
-                    <a:lstStyle/>
-                    <a:p>
-                      <a:pPr marL="0" marR="0" indent="0" algn="ctr" fontAlgn="base" latinLnBrk="1">
-                        <a:lnSpc>
-                          <a:spcPct val="150000"/>
-                        </a:lnSpc>
-                        <a:spcBef>
-                          <a:spcPts val="0"/>
-                        </a:spcBef>
-                        <a:spcAft>
-                          <a:spcPts val="0"/>
-                        </a:spcAft>
-                      </a:pPr>
-                      <a:r>
-                        <a:rPr lang="ko-KR" altLang="en-US" sz="1200" b="1" kern="0" spc="0" dirty="0">
-                          <a:solidFill>
-                            <a:srgbClr val="000000"/>
-                          </a:solidFill>
-                          <a:effectLst/>
-                          <a:latin typeface="한양신명조"/>
-                        </a:rPr>
-                        <a:t>그래픽</a:t>
-                      </a:r>
-                      <a:endParaRPr lang="en-US" altLang="ko-KR" sz="1200" b="1" kern="0" spc="0" dirty="0">
-                        <a:solidFill>
-                          <a:srgbClr val="000000"/>
-                        </a:solidFill>
-                        <a:effectLst/>
-                        <a:latin typeface="한양신명조"/>
-                      </a:endParaRPr>
-                    </a:p>
-                    <a:p>
-                      <a:pPr marL="0" marR="0" indent="0" algn="ctr" fontAlgn="base" latinLnBrk="1">
-                        <a:lnSpc>
-                          <a:spcPct val="150000"/>
-                        </a:lnSpc>
-                        <a:spcBef>
-                          <a:spcPts val="0"/>
-                        </a:spcBef>
-                        <a:spcAft>
-                          <a:spcPts val="0"/>
-                        </a:spcAft>
-                      </a:pPr>
-                      <a:r>
-                        <a:rPr lang="en-US" altLang="ko-KR" sz="1200" b="1" kern="0" spc="0" dirty="0">
-                          <a:solidFill>
-                            <a:srgbClr val="000000"/>
-                          </a:solidFill>
-                          <a:effectLst/>
-                          <a:latin typeface="한양신명조"/>
-                        </a:rPr>
-                        <a:t>(</a:t>
-                      </a:r>
-                      <a:r>
-                        <a:rPr lang="ko-KR" altLang="en-US" sz="1200" b="1" kern="0" spc="0" dirty="0" err="1">
-                          <a:solidFill>
-                            <a:srgbClr val="000000"/>
-                          </a:solidFill>
-                          <a:effectLst/>
-                          <a:latin typeface="한양신명조"/>
-                        </a:rPr>
-                        <a:t>지은혜</a:t>
-                      </a:r>
-                      <a:r>
-                        <a:rPr lang="en-US" altLang="ko-KR" sz="1200" b="1" kern="0" spc="0" dirty="0">
-                          <a:solidFill>
-                            <a:srgbClr val="000000"/>
-                          </a:solidFill>
-                          <a:effectLst/>
-                          <a:latin typeface="한양신명조"/>
-                        </a:rPr>
-                        <a:t>)</a:t>
-                      </a:r>
-                      <a:endParaRPr lang="ko-KR" altLang="en-US" sz="1200" b="1" kern="0" spc="0" dirty="0">
-                        <a:solidFill>
-                          <a:srgbClr val="000000"/>
-                        </a:solidFill>
-                        <a:effectLst/>
-                        <a:latin typeface="한양신명조"/>
-                      </a:endParaRPr>
-                    </a:p>
-                  </a:txBody>
-                  <a:tcPr marL="17907" marR="17907" marT="17907" marB="17907" anchor="ctr">
-                    <a:lnL w="12700" cap="flat" cmpd="sng" algn="ctr">
-                      <a:solidFill>
-                        <a:schemeClr val="tx1"/>
-                      </a:solidFill>
-                      <a:prstDash val="solid"/>
-                      <a:round/>
-                      <a:headEnd type="none" w="med" len="med"/>
-                      <a:tailEnd type="none" w="med" len="med"/>
-                    </a:lnL>
-                    <a:lnR w="12700" cap="flat" cmpd="sng" algn="ctr">
-                      <a:solidFill>
-                        <a:schemeClr val="tx1"/>
-                      </a:solidFill>
-                      <a:prstDash val="solid"/>
-                      <a:round/>
-                      <a:headEnd type="none" w="med" len="med"/>
-                      <a:tailEnd type="none" w="med" len="med"/>
-                    </a:lnR>
-                    <a:lnT w="12700" cap="flat" cmpd="sng" algn="ctr">
-                      <a:solidFill>
-                        <a:schemeClr val="tx1"/>
-                      </a:solidFill>
-                      <a:prstDash val="solid"/>
-                      <a:round/>
-                      <a:headEnd type="none" w="med" len="med"/>
-                      <a:tailEnd type="none" w="med" len="med"/>
-                    </a:lnT>
-                    <a:lnB w="12700" cap="flat" cmpd="sng" algn="ctr">
-                      <a:solidFill>
-                        <a:schemeClr val="tx1"/>
-                      </a:solidFill>
-                      <a:prstDash val="solid"/>
-                      <a:round/>
-                      <a:headEnd type="none" w="med" len="med"/>
-                      <a:tailEnd type="none" w="med" len="med"/>
-                    </a:lnB>
-                    <a:solidFill>
-                      <a:schemeClr val="accent4">
-                        <a:lumMod val="20000"/>
-                        <a:lumOff val="80000"/>
-                      </a:schemeClr>
-                    </a:solidFill>
-                  </a:tcPr>
-                </a:tc>
-                <a:tc>
-                  <a:txBody>
-                    <a:bodyPr/>
-                    <a:lstStyle/>
-                    <a:p>
-                      <a:pPr marL="0" marR="0" indent="0" algn="just" fontAlgn="base" latinLnBrk="1">
-                        <a:lnSpc>
-                          <a:spcPct val="150000"/>
-                        </a:lnSpc>
-                        <a:spcBef>
-                          <a:spcPts val="0"/>
-                        </a:spcBef>
-                        <a:spcAft>
-                          <a:spcPts val="0"/>
-                        </a:spcAft>
-                      </a:pPr>
-                      <a:endParaRPr lang="ko-KR" altLang="en-US" sz="1050" kern="0" spc="0" dirty="0">
-                        <a:solidFill>
-                          <a:srgbClr val="000000"/>
-                        </a:solidFill>
-                        <a:effectLst/>
-                        <a:latin typeface="한양신명조"/>
-                      </a:endParaRPr>
-                    </a:p>
-                  </a:txBody>
-                  <a:tcPr marL="17907" marR="17907" marT="17907" marB="17907" anchor="ctr">
-                    <a:lnL w="12700" cap="flat" cmpd="sng" algn="ctr">
-                      <a:solidFill>
-                        <a:schemeClr val="tx1"/>
-                      </a:solidFill>
-                      <a:prstDash val="solid"/>
-                      <a:round/>
-                      <a:headEnd type="none" w="med" len="med"/>
-                      <a:tailEnd type="none" w="med" len="med"/>
-                    </a:lnL>
-                    <a:lnR w="12700" cap="flat" cmpd="sng" algn="ctr">
-                      <a:solidFill>
-                        <a:schemeClr val="tx1"/>
-                      </a:solidFill>
-                      <a:prstDash val="solid"/>
-                      <a:round/>
-                      <a:headEnd type="none" w="med" len="med"/>
-                      <a:tailEnd type="none" w="med" len="med"/>
-                    </a:lnR>
-                    <a:lnT w="12700" cap="flat" cmpd="sng" algn="ctr">
-                      <a:solidFill>
-                        <a:schemeClr val="tx1"/>
-                      </a:solidFill>
-                      <a:prstDash val="solid"/>
-                      <a:round/>
-                      <a:headEnd type="none" w="med" len="med"/>
-                      <a:tailEnd type="none" w="med" len="med"/>
-                    </a:lnT>
-                    <a:lnB w="12700" cap="flat" cmpd="sng" algn="ctr">
-                      <a:solidFill>
-                        <a:schemeClr val="tx1"/>
-                      </a:solidFill>
-                      <a:prstDash val="solid"/>
-                      <a:round/>
-                      <a:headEnd type="none" w="med" len="med"/>
-                      <a:tailEnd type="none" w="med" len="med"/>
-                    </a:lnB>
-                    <a:solidFill>
-                      <a:schemeClr val="accent4">
-                        <a:lumMod val="20000"/>
-                        <a:lumOff val="80000"/>
-                      </a:schemeClr>
-                    </a:solidFill>
-                  </a:tcPr>
-                </a:tc>
-                <a:tc>
-                  <a:txBody>
-                    <a:bodyPr/>
-                    <a:lstStyle/>
-                    <a:p>
-                      <a:pPr marL="0" marR="0" indent="0" algn="just" fontAlgn="base" latinLnBrk="1">
-                        <a:lnSpc>
-                          <a:spcPct val="150000"/>
-                        </a:lnSpc>
-                        <a:spcBef>
-                          <a:spcPts val="0"/>
-                        </a:spcBef>
-                        <a:spcAft>
-                          <a:spcPts val="0"/>
-                        </a:spcAft>
-                      </a:pPr>
-                      <a:endParaRPr lang="ko-KR" altLang="en-US" sz="1050" kern="0" spc="0" dirty="0">
-                        <a:solidFill>
-                          <a:srgbClr val="000000"/>
-                        </a:solidFill>
-                        <a:effectLst/>
-                        <a:latin typeface="한양신명조"/>
-                      </a:endParaRPr>
-                    </a:p>
-                  </a:txBody>
-                  <a:tcPr marL="17907" marR="17907" marT="17907" marB="17907" anchor="ctr">
-                    <a:lnL w="12700" cap="flat" cmpd="sng" algn="ctr">
-                      <a:solidFill>
-                        <a:schemeClr val="tx1"/>
-                      </a:solidFill>
-                      <a:prstDash val="solid"/>
-                      <a:round/>
-                      <a:headEnd type="none" w="med" len="med"/>
-                      <a:tailEnd type="none" w="med" len="med"/>
-                    </a:lnL>
-                    <a:lnR w="12700" cap="flat" cmpd="sng" algn="ctr">
-                      <a:solidFill>
-                        <a:schemeClr val="tx1"/>
-                      </a:solidFill>
-                      <a:prstDash val="solid"/>
-                      <a:round/>
-                      <a:headEnd type="none" w="med" len="med"/>
-                      <a:tailEnd type="none" w="med" len="med"/>
-                    </a:lnR>
-                    <a:lnT w="12700" cap="flat" cmpd="sng" algn="ctr">
-                      <a:solidFill>
-                        <a:schemeClr val="tx1"/>
-                      </a:solidFill>
-                      <a:prstDash val="solid"/>
-                      <a:round/>
-                      <a:headEnd type="none" w="med" len="med"/>
-                      <a:tailEnd type="none" w="med" len="med"/>
-                    </a:lnT>
-                    <a:lnB w="12700" cap="flat" cmpd="sng" algn="ctr">
-                      <a:solidFill>
-                        <a:schemeClr val="tx1"/>
-                      </a:solidFill>
-                      <a:prstDash val="solid"/>
-                      <a:round/>
-                      <a:headEnd type="none" w="med" len="med"/>
-                      <a:tailEnd type="none" w="med" len="med"/>
-                    </a:lnB>
-                    <a:lnTlToBr w="12700" cmpd="sng">
-                      <a:noFill/>
-                      <a:prstDash val="solid"/>
-                    </a:lnTlToBr>
-                    <a:lnBlToTr w="12700" cmpd="sng">
-                      <a:noFill/>
-                      <a:prstDash val="solid"/>
-                    </a:lnBlToTr>
-                    <a:solidFill>
-                      <a:schemeClr val="accent4">
-                        <a:lumMod val="20000"/>
-                        <a:lumOff val="80000"/>
-                      </a:schemeClr>
-                    </a:solidFill>
-                  </a:tcPr>
-                </a:tc>
-                <a:extLst>
-                  <a:ext uri="{0D108BD9-81ED-4DB2-BD59-A6C34878D82A}">
-                    <a16:rowId xmlns:a16="http://schemas.microsoft.com/office/drawing/2014/main" val="3888040237"/>
-                  </a:ext>
-                </a:extLst>
-              </a:tr>
-            </a:tbl>
-          </a:graphicData>
-        </a:graphic>
-      </p:graphicFrame>
+          <p:cNvSpPr txBox="1"/>
+          <p:nvPr/>
+        </p:nvSpPr>
+        <p:spPr>
+          <a:xfrm>
+            <a:off x="457200" y="1842558"/>
+            <a:ext cx="2607733" cy="338554"/>
+          </a:xfrm>
+          <a:prstGeom prst="rect">
+            <a:avLst/>
+          </a:prstGeom>
+          <a:noFill/>
+        </p:spPr>
+        <p:txBody>
+          <a:bodyPr wrap="square" rtlCol="0">
+            <a:spAutoFit/>
+          </a:bodyPr>
+          <a:lstStyle/>
+          <a:p>
+            <a:r>
+              <a:rPr lang="ko-KR" altLang="en-US" sz="1600" b="1" dirty="0" err="1">
+                <a:latin typeface="나눔스퀘어OTF" panose="020B0600000101010101" pitchFamily="34" charset="-127"/>
+                <a:ea typeface="나눔스퀘어OTF" panose="020B0600000101010101" pitchFamily="34" charset="-127"/>
+              </a:rPr>
+              <a:t>지은혜</a:t>
+            </a:r>
+            <a:r>
+              <a:rPr lang="en-US" altLang="ko-KR" sz="1600" b="1" dirty="0">
+                <a:latin typeface="나눔스퀘어OTF" panose="020B0600000101010101" pitchFamily="34" charset="-127"/>
+                <a:ea typeface="나눔스퀘어OTF" panose="020B0600000101010101" pitchFamily="34" charset="-127"/>
+              </a:rPr>
+              <a:t> - </a:t>
+            </a:r>
+            <a:r>
+              <a:rPr lang="ko-KR" altLang="en-US" sz="1600" b="1" dirty="0">
+                <a:latin typeface="나눔스퀘어OTF" panose="020B0600000101010101" pitchFamily="34" charset="-127"/>
+                <a:ea typeface="나눔스퀘어OTF" panose="020B0600000101010101" pitchFamily="34" charset="-127"/>
+              </a:rPr>
+              <a:t>그래픽</a:t>
+            </a:r>
+          </a:p>
+        </p:txBody>
+      </p:sp>
+      <p:sp>
+        <p:nvSpPr>
+          <p:cNvPr id="14" name="직사각형 13">
+            <a:extLst>
+              <a:ext uri="{FF2B5EF4-FFF2-40B4-BE49-F238E27FC236}">
+                <a16:creationId xmlns:a16="http://schemas.microsoft.com/office/drawing/2014/main" id="{7B99DBDC-2431-4104-ABC0-76869035A665}"/>
+              </a:ext>
+            </a:extLst>
+          </p:cNvPr>
+          <p:cNvSpPr/>
+          <p:nvPr/>
+        </p:nvSpPr>
+        <p:spPr>
+          <a:xfrm>
+            <a:off x="332317" y="2358912"/>
+            <a:ext cx="4961358" cy="3785652"/>
+          </a:xfrm>
+          <a:prstGeom prst="rect">
+            <a:avLst/>
+          </a:prstGeom>
+          <a:noFill/>
+        </p:spPr>
+        <p:txBody>
+          <a:bodyPr wrap="none" lIns="91440" tIns="45720" rIns="91440" bIns="45720">
+            <a:spAutoFit/>
+          </a:bodyPr>
+          <a:lstStyle/>
+          <a:p>
+            <a:r>
+              <a:rPr lang="en-US" altLang="ko-KR" sz="3200" dirty="0">
+                <a:ln w="0"/>
+                <a:effectLst>
+                  <a:outerShdw blurRad="38100" dist="19050" dir="2700000" algn="tl" rotWithShape="0">
+                    <a:schemeClr val="dk1">
+                      <a:alpha val="40000"/>
+                    </a:schemeClr>
+                  </a:outerShdw>
+                </a:effectLst>
+              </a:rPr>
+              <a:t>4.	Doggy </a:t>
+            </a:r>
+            <a:r>
+              <a:rPr lang="ko-KR" altLang="en-US" sz="3200" dirty="0">
+                <a:ln w="0"/>
+                <a:effectLst>
+                  <a:outerShdw blurRad="38100" dist="19050" dir="2700000" algn="tl" rotWithShape="0">
+                    <a:schemeClr val="dk1">
+                      <a:alpha val="40000"/>
+                    </a:schemeClr>
+                  </a:outerShdw>
+                </a:effectLst>
+              </a:rPr>
+              <a:t>제작</a:t>
+            </a:r>
+            <a:endParaRPr lang="en-US" altLang="ko-KR" sz="3200" dirty="0">
+              <a:ln w="0"/>
+              <a:effectLst>
+                <a:outerShdw blurRad="38100" dist="19050" dir="2700000" algn="tl" rotWithShape="0">
+                  <a:schemeClr val="dk1">
+                    <a:alpha val="40000"/>
+                  </a:schemeClr>
+                </a:outerShdw>
+              </a:effectLst>
+            </a:endParaRPr>
+          </a:p>
+          <a:p>
+            <a:pPr lvl="1"/>
+            <a:r>
+              <a:rPr lang="en-US" altLang="ko-KR" sz="3200" dirty="0">
+                <a:ln w="0"/>
+                <a:effectLst>
+                  <a:outerShdw blurRad="38100" dist="19050" dir="2700000" algn="tl" rotWithShape="0">
+                    <a:schemeClr val="dk1">
+                      <a:alpha val="40000"/>
+                    </a:schemeClr>
+                  </a:outerShdw>
+                </a:effectLst>
+              </a:rPr>
+              <a:t>	</a:t>
+            </a:r>
+            <a:r>
+              <a:rPr lang="en-US" altLang="ko-KR" sz="2400" dirty="0">
+                <a:ln w="0"/>
+                <a:effectLst>
+                  <a:outerShdw blurRad="38100" dist="19050" dir="2700000" algn="tl" rotWithShape="0">
+                    <a:schemeClr val="dk1">
+                      <a:alpha val="40000"/>
+                    </a:schemeClr>
+                  </a:outerShdw>
+                </a:effectLst>
+              </a:rPr>
+              <a:t>-</a:t>
+            </a:r>
+            <a:r>
+              <a:rPr lang="ko-KR" altLang="en-US" sz="3200" dirty="0">
+                <a:ln w="0"/>
+                <a:effectLst>
+                  <a:outerShdw blurRad="38100" dist="19050" dir="2700000" algn="tl" rotWithShape="0">
+                    <a:schemeClr val="dk1">
+                      <a:alpha val="40000"/>
+                    </a:schemeClr>
+                  </a:outerShdw>
+                </a:effectLst>
+              </a:rPr>
+              <a:t> </a:t>
+            </a:r>
+            <a:r>
+              <a:rPr lang="ko-KR" altLang="en-US" sz="2400" dirty="0">
+                <a:ln w="0"/>
+                <a:effectLst>
+                  <a:outerShdw blurRad="38100" dist="19050" dir="2700000" algn="tl" rotWithShape="0">
+                    <a:schemeClr val="dk1">
+                      <a:alpha val="40000"/>
+                    </a:schemeClr>
+                  </a:outerShdw>
+                </a:effectLst>
+              </a:rPr>
+              <a:t>모델링</a:t>
+            </a:r>
+            <a:endParaRPr lang="en-US" altLang="ko-KR" sz="2400" dirty="0">
+              <a:ln w="0"/>
+              <a:effectLst>
+                <a:outerShdw blurRad="38100" dist="19050" dir="2700000" algn="tl" rotWithShape="0">
+                  <a:schemeClr val="dk1">
+                    <a:alpha val="40000"/>
+                  </a:schemeClr>
+                </a:outerShdw>
+              </a:effectLst>
+            </a:endParaRPr>
+          </a:p>
+          <a:p>
+            <a:pPr lvl="2"/>
+            <a:r>
+              <a:rPr lang="en-US" altLang="ko-KR" sz="2400" dirty="0">
+                <a:ln w="0"/>
+                <a:effectLst>
+                  <a:outerShdw blurRad="38100" dist="19050" dir="2700000" algn="tl" rotWithShape="0">
+                    <a:schemeClr val="dk1">
+                      <a:alpha val="40000"/>
+                    </a:schemeClr>
+                  </a:outerShdw>
+                </a:effectLst>
+              </a:rPr>
+              <a:t>- </a:t>
+            </a:r>
+            <a:r>
+              <a:rPr lang="ko-KR" altLang="en-US" sz="2400" dirty="0" err="1">
+                <a:ln w="0"/>
+                <a:effectLst>
+                  <a:outerShdw blurRad="38100" dist="19050" dir="2700000" algn="tl" rotWithShape="0">
+                    <a:schemeClr val="dk1">
+                      <a:alpha val="40000"/>
+                    </a:schemeClr>
+                  </a:outerShdw>
+                </a:effectLst>
+              </a:rPr>
+              <a:t>텍스쳐</a:t>
+            </a:r>
+            <a:endParaRPr lang="en-US" altLang="ko-KR" sz="2400" dirty="0">
+              <a:ln w="0"/>
+              <a:effectLst>
+                <a:outerShdw blurRad="38100" dist="19050" dir="2700000" algn="tl" rotWithShape="0">
+                  <a:schemeClr val="dk1">
+                    <a:alpha val="40000"/>
+                  </a:schemeClr>
+                </a:outerShdw>
+              </a:effectLst>
+            </a:endParaRPr>
+          </a:p>
+          <a:p>
+            <a:pPr lvl="2"/>
+            <a:r>
+              <a:rPr lang="en-US" altLang="ko-KR" sz="2400" dirty="0">
+                <a:ln w="0"/>
+                <a:effectLst>
+                  <a:outerShdw blurRad="38100" dist="19050" dir="2700000" algn="tl" rotWithShape="0">
+                    <a:schemeClr val="dk1">
+                      <a:alpha val="40000"/>
+                    </a:schemeClr>
+                  </a:outerShdw>
+                </a:effectLst>
+              </a:rPr>
+              <a:t>- </a:t>
+            </a:r>
+            <a:r>
+              <a:rPr lang="ko-KR" altLang="en-US" sz="2400" dirty="0">
+                <a:ln w="0"/>
+                <a:effectLst>
+                  <a:outerShdw blurRad="38100" dist="19050" dir="2700000" algn="tl" rotWithShape="0">
+                    <a:schemeClr val="dk1">
+                      <a:alpha val="40000"/>
+                    </a:schemeClr>
+                  </a:outerShdw>
+                </a:effectLst>
+              </a:rPr>
+              <a:t>애니메이션</a:t>
+            </a:r>
+            <a:r>
+              <a:rPr lang="en-US" altLang="ko-KR" sz="2400" dirty="0">
+                <a:ln w="0"/>
+                <a:effectLst>
+                  <a:outerShdw blurRad="38100" dist="19050" dir="2700000" algn="tl" rotWithShape="0">
+                    <a:schemeClr val="dk1">
+                      <a:alpha val="40000"/>
+                    </a:schemeClr>
+                  </a:outerShdw>
+                </a:effectLst>
+              </a:rPr>
+              <a:t>(idle, walk, jump)</a:t>
+            </a:r>
+          </a:p>
+          <a:p>
+            <a:pPr lvl="2"/>
+            <a:endParaRPr lang="en-US" altLang="ko-KR" sz="800" dirty="0">
+              <a:ln w="0"/>
+              <a:effectLst>
+                <a:outerShdw blurRad="38100" dist="19050" dir="2700000" algn="tl" rotWithShape="0">
+                  <a:schemeClr val="dk1">
+                    <a:alpha val="40000"/>
+                  </a:schemeClr>
+                </a:outerShdw>
+              </a:effectLst>
+            </a:endParaRPr>
+          </a:p>
+          <a:p>
+            <a:r>
+              <a:rPr lang="en-US" altLang="ko-KR" sz="3200" dirty="0">
+                <a:ln w="0"/>
+                <a:effectLst>
+                  <a:outerShdw blurRad="38100" dist="19050" dir="2700000" algn="tl" rotWithShape="0">
+                    <a:schemeClr val="dk1">
+                      <a:alpha val="40000"/>
+                    </a:schemeClr>
+                  </a:outerShdw>
+                </a:effectLst>
+              </a:rPr>
+              <a:t>5.	Ducky</a:t>
+            </a:r>
+            <a:r>
+              <a:rPr lang="ko-KR" altLang="en-US" sz="3200" dirty="0">
+                <a:ln w="0"/>
+                <a:effectLst>
+                  <a:outerShdw blurRad="38100" dist="19050" dir="2700000" algn="tl" rotWithShape="0">
+                    <a:schemeClr val="dk1">
+                      <a:alpha val="40000"/>
+                    </a:schemeClr>
+                  </a:outerShdw>
+                </a:effectLst>
+              </a:rPr>
+              <a:t> 제작</a:t>
+            </a:r>
+            <a:endParaRPr lang="en-US" altLang="ko-KR" sz="3200" dirty="0">
+              <a:ln w="0"/>
+              <a:effectLst>
+                <a:outerShdw blurRad="38100" dist="19050" dir="2700000" algn="tl" rotWithShape="0">
+                  <a:schemeClr val="dk1">
+                    <a:alpha val="40000"/>
+                  </a:schemeClr>
+                </a:outerShdw>
+              </a:effectLst>
+            </a:endParaRPr>
+          </a:p>
+          <a:p>
+            <a:r>
+              <a:rPr lang="en-US" altLang="ko-KR" sz="3200" dirty="0">
+                <a:ln w="0"/>
+                <a:effectLst>
+                  <a:outerShdw blurRad="38100" dist="19050" dir="2700000" algn="tl" rotWithShape="0">
+                    <a:schemeClr val="dk1">
+                      <a:alpha val="40000"/>
+                    </a:schemeClr>
+                  </a:outerShdw>
+                </a:effectLst>
+              </a:rPr>
+              <a:t>	</a:t>
+            </a:r>
+            <a:r>
+              <a:rPr lang="en-US" altLang="ko-KR" sz="2400" dirty="0">
+                <a:ln w="0"/>
+                <a:effectLst>
+                  <a:outerShdw blurRad="38100" dist="19050" dir="2700000" algn="tl" rotWithShape="0">
+                    <a:schemeClr val="dk1">
+                      <a:alpha val="40000"/>
+                    </a:schemeClr>
+                  </a:outerShdw>
+                </a:effectLst>
+              </a:rPr>
+              <a:t>- </a:t>
+            </a:r>
+            <a:r>
+              <a:rPr lang="ko-KR" altLang="en-US" sz="2400" dirty="0">
+                <a:ln w="0"/>
+                <a:effectLst>
+                  <a:outerShdw blurRad="38100" dist="19050" dir="2700000" algn="tl" rotWithShape="0">
+                    <a:schemeClr val="dk1">
+                      <a:alpha val="40000"/>
+                    </a:schemeClr>
+                  </a:outerShdw>
+                </a:effectLst>
+              </a:rPr>
+              <a:t>모델링</a:t>
+            </a:r>
+            <a:endParaRPr lang="en-US" altLang="ko-KR" sz="2400" dirty="0">
+              <a:ln w="0"/>
+              <a:effectLst>
+                <a:outerShdw blurRad="38100" dist="19050" dir="2700000" algn="tl" rotWithShape="0">
+                  <a:schemeClr val="dk1">
+                    <a:alpha val="40000"/>
+                  </a:schemeClr>
+                </a:outerShdw>
+              </a:effectLst>
+            </a:endParaRPr>
+          </a:p>
+          <a:p>
+            <a:r>
+              <a:rPr lang="en-US" altLang="ko-KR" sz="2400" dirty="0">
+                <a:ln w="0"/>
+                <a:effectLst>
+                  <a:outerShdw blurRad="38100" dist="19050" dir="2700000" algn="tl" rotWithShape="0">
+                    <a:schemeClr val="dk1">
+                      <a:alpha val="40000"/>
+                    </a:schemeClr>
+                  </a:outerShdw>
+                </a:effectLst>
+              </a:rPr>
+              <a:t>	- </a:t>
+            </a:r>
+            <a:r>
+              <a:rPr lang="ko-KR" altLang="en-US" sz="2400" dirty="0" err="1">
+                <a:ln w="0"/>
+                <a:effectLst>
+                  <a:outerShdw blurRad="38100" dist="19050" dir="2700000" algn="tl" rotWithShape="0">
+                    <a:schemeClr val="dk1">
+                      <a:alpha val="40000"/>
+                    </a:schemeClr>
+                  </a:outerShdw>
+                </a:effectLst>
+              </a:rPr>
+              <a:t>텍스쳐</a:t>
+            </a:r>
+            <a:endParaRPr lang="en-US" altLang="ko-KR" sz="2400" dirty="0">
+              <a:ln w="0"/>
+              <a:effectLst>
+                <a:outerShdw blurRad="38100" dist="19050" dir="2700000" algn="tl" rotWithShape="0">
+                  <a:schemeClr val="dk1">
+                    <a:alpha val="40000"/>
+                  </a:schemeClr>
+                </a:outerShdw>
+              </a:effectLst>
+            </a:endParaRPr>
+          </a:p>
+          <a:p>
+            <a:r>
+              <a:rPr lang="en-US" altLang="ko-KR" sz="2400" dirty="0">
+                <a:ln w="0"/>
+                <a:effectLst>
+                  <a:outerShdw blurRad="38100" dist="19050" dir="2700000" algn="tl" rotWithShape="0">
+                    <a:schemeClr val="dk1">
+                      <a:alpha val="40000"/>
+                    </a:schemeClr>
+                  </a:outerShdw>
+                </a:effectLst>
+              </a:rPr>
+              <a:t>	- </a:t>
+            </a:r>
+            <a:r>
+              <a:rPr lang="ko-KR" altLang="en-US" sz="2400" dirty="0">
+                <a:ln w="0"/>
+                <a:effectLst>
+                  <a:outerShdw blurRad="38100" dist="19050" dir="2700000" algn="tl" rotWithShape="0">
+                    <a:schemeClr val="dk1">
+                      <a:alpha val="40000"/>
+                    </a:schemeClr>
+                  </a:outerShdw>
+                </a:effectLst>
+              </a:rPr>
+              <a:t>애니메이션</a:t>
+            </a:r>
+            <a:r>
+              <a:rPr lang="en-US" altLang="ko-KR" sz="2400" dirty="0">
+                <a:ln w="0"/>
+                <a:effectLst>
+                  <a:outerShdw blurRad="38100" dist="19050" dir="2700000" algn="tl" rotWithShape="0">
+                    <a:schemeClr val="dk1">
+                      <a:alpha val="40000"/>
+                    </a:schemeClr>
+                  </a:outerShdw>
+                </a:effectLst>
+              </a:rPr>
+              <a:t>(idle, walk)</a:t>
+            </a:r>
+          </a:p>
+        </p:txBody>
+      </p:sp>
+      <p:pic>
+        <p:nvPicPr>
+          <p:cNvPr id="5" name="그림 4">
+            <a:extLst>
+              <a:ext uri="{FF2B5EF4-FFF2-40B4-BE49-F238E27FC236}">
+                <a16:creationId xmlns:a16="http://schemas.microsoft.com/office/drawing/2014/main" id="{88BCC289-AB4E-4123-AEFE-9CEF221DC98D}"/>
+              </a:ext>
+            </a:extLst>
+          </p:cNvPr>
+          <p:cNvPicPr>
+            <a:picLocks noChangeAspect="1"/>
+          </p:cNvPicPr>
+          <p:nvPr/>
+        </p:nvPicPr>
+        <p:blipFill rotWithShape="1">
+          <a:blip r:embed="rId2">
+            <a:extLst>
+              <a:ext uri="{28A0092B-C50C-407E-A947-70E740481C1C}">
+                <a14:useLocalDpi xmlns:a14="http://schemas.microsoft.com/office/drawing/2010/main" val="0"/>
+              </a:ext>
+            </a:extLst>
+          </a:blip>
+          <a:srcRect l="18727" t="16352" r="8980" b="11354"/>
+          <a:stretch/>
+        </p:blipFill>
+        <p:spPr>
+          <a:xfrm>
+            <a:off x="5620871" y="4251738"/>
+            <a:ext cx="2894479" cy="2170860"/>
+          </a:xfrm>
+          <a:prstGeom prst="rect">
+            <a:avLst/>
+          </a:prstGeom>
+        </p:spPr>
+      </p:pic>
+      <p:pic>
+        <p:nvPicPr>
+          <p:cNvPr id="8" name="그림 7" descr="개, 실내, 검은색, 동물이(가) 표시된 사진&#10;&#10;자동 생성된 설명">
+            <a:extLst>
+              <a:ext uri="{FF2B5EF4-FFF2-40B4-BE49-F238E27FC236}">
+                <a16:creationId xmlns:a16="http://schemas.microsoft.com/office/drawing/2014/main" id="{79694C24-2E20-445C-A782-B71B8AB44721}"/>
+              </a:ext>
+            </a:extLst>
+          </p:cNvPr>
+          <p:cNvPicPr>
+            <a:picLocks noChangeAspect="1"/>
+          </p:cNvPicPr>
+          <p:nvPr/>
+        </p:nvPicPr>
+        <p:blipFill>
+          <a:blip r:embed="rId3">
+            <a:extLst>
+              <a:ext uri="{28A0092B-C50C-407E-A947-70E740481C1C}">
+                <a14:useLocalDpi xmlns:a14="http://schemas.microsoft.com/office/drawing/2010/main" val="0"/>
+              </a:ext>
+            </a:extLst>
+          </a:blip>
+          <a:stretch>
+            <a:fillRect/>
+          </a:stretch>
+        </p:blipFill>
+        <p:spPr>
+          <a:xfrm>
+            <a:off x="5620871" y="2010467"/>
+            <a:ext cx="2894479" cy="2170859"/>
+          </a:xfrm>
+          <a:prstGeom prst="rect">
+            <a:avLst/>
+          </a:prstGeom>
+        </p:spPr>
+      </p:pic>
     </p:spTree>
     <p:extLst>
       <p:ext uri="{BB962C8B-B14F-4D97-AF65-F5344CB8AC3E}">
-        <p14:creationId xmlns:p14="http://schemas.microsoft.com/office/powerpoint/2010/main" val="3685124624"/>
+        <p14:creationId xmlns:p14="http://schemas.microsoft.com/office/powerpoint/2010/main" val="2306465778"/>
       </p:ext>
     </p:extLst>
   </p:cSld>
